--- a/2019-11-11/ppt/javascript-类型转换与运算符.pptx
+++ b/2019-11-11/ppt/javascript-类型转换与运算符.pptx
@@ -20,6 +20,8 @@
     <p:sldId id="265" r:id="rId17"/>
     <p:sldId id="266" r:id="rId18"/>
     <p:sldId id="267" r:id="rId19"/>
+    <p:sldId id="268" r:id="rId20"/>
+    <p:sldId id="269" r:id="rId21"/>
   </p:sldIdLst>
   <p:sldSz cx="24384000" cy="13716000"/>
   <p:notesSz cx="6858000" cy="9144000"/>
@@ -3155,64 +3157,3185 @@
           <a:chExt cx="0" cy="0"/>
         </a:xfrm>
       </p:grpSpPr>
-      <p:pic>
-        <p:nvPicPr>
-          <p:cNvPr id="147" name="1.png" descr="1.png"/>
-          <p:cNvPicPr>
-            <a:picLocks noChangeAspect="1"/>
-          </p:cNvPicPr>
-          <p:nvPr/>
-        </p:nvPicPr>
-        <p:blipFill>
-          <a:blip r:embed="rId2">
-            <a:extLst/>
-          </a:blip>
-          <a:stretch>
-            <a:fillRect/>
-          </a:stretch>
-        </p:blipFill>
+      <p:sp>
+        <p:nvSpPr>
+          <p:cNvPr id="148" name="运算符"/>
+          <p:cNvSpPr txBox="1"/>
+          <p:nvPr>
+            <p:ph type="title"/>
+          </p:nvPr>
+        </p:nvSpPr>
         <p:spPr>
           <a:xfrm>
-            <a:off x="820260" y="1493153"/>
-            <a:ext cx="22743480" cy="2655821"/>
+            <a:off x="1689100" y="-25400"/>
+            <a:ext cx="21005800" cy="2286000"/>
           </a:xfrm>
           <a:prstGeom prst="rect">
             <a:avLst/>
           </a:prstGeom>
-          <a:ln w="12700">
-            <a:miter lim="400000"/>
-          </a:ln>
         </p:spPr>
-      </p:pic>
-      <p:pic>
-        <p:nvPicPr>
-          <p:cNvPr id="148" name="2.png" descr="2.png"/>
-          <p:cNvPicPr>
-            <a:picLocks noChangeAspect="1"/>
-          </p:cNvPicPr>
-          <p:nvPr/>
-        </p:nvPicPr>
-        <p:blipFill>
-          <a:blip r:embed="rId3">
-            <a:extLst/>
-          </a:blip>
-          <a:stretch>
-            <a:fillRect/>
-          </a:stretch>
-        </p:blipFill>
+        <p:txBody>
+          <a:bodyPr/>
+          <a:lstStyle>
+            <a:lvl1pPr>
+              <a:defRPr>
+                <a:solidFill>
+                  <a:srgbClr val="FFFFFF"/>
+                </a:solidFill>
+              </a:defRPr>
+            </a:lvl1pPr>
+          </a:lstStyle>
+          <a:p>
+            <a:pPr/>
+            <a:r>
+              <a:t>运算符</a:t>
+            </a:r>
+          </a:p>
+        </p:txBody>
+      </p:sp>
+      <p:sp>
+        <p:nvSpPr>
+          <p:cNvPr id="149" name="正文"/>
+          <p:cNvSpPr txBox="1"/>
+          <p:nvPr>
+            <p:ph type="body" idx="1"/>
+          </p:nvPr>
+        </p:nvSpPr>
         <p:spPr>
           <a:xfrm>
-            <a:off x="861847" y="4936390"/>
-            <a:ext cx="22660306" cy="5266468"/>
+            <a:off x="1689100" y="3098800"/>
+            <a:ext cx="21005800" cy="9296400"/>
           </a:xfrm>
           <a:prstGeom prst="rect">
             <a:avLst/>
           </a:prstGeom>
-          <a:ln w="12700">
-            <a:miter lim="400000"/>
-          </a:ln>
         </p:spPr>
-      </p:pic>
+        <p:txBody>
+          <a:bodyPr/>
+          <a:lstStyle/>
+          <a:p>
+            <a:pPr>
+              <a:defRPr>
+                <a:solidFill>
+                  <a:srgbClr val="FFFFFF"/>
+                </a:solidFill>
+              </a:defRPr>
+            </a:pPr>
+          </a:p>
+        </p:txBody>
+      </p:sp>
+      <p:graphicFrame>
+        <p:nvGraphicFramePr>
+          <p:cNvPr id="150" name="表格"/>
+          <p:cNvGraphicFramePr/>
+          <p:nvPr/>
+        </p:nvGraphicFramePr>
+        <p:xfrm>
+          <a:off x="1551347" y="2525352"/>
+          <a:ext cx="21281306" cy="11011835"/>
+        </p:xfrm>
+        <a:graphic xmlns:a="http://schemas.openxmlformats.org/drawingml/2006/main">
+          <a:graphicData uri="http://schemas.openxmlformats.org/drawingml/2006/table">
+            <a:tbl>
+              <a:tblPr firstCol="0" firstRow="0" lastCol="0" lastRow="0" bandCol="0" bandRow="1" rtl="0">
+                <a:tableStyleId>{4C3C2611-4C71-4FC5-86AE-919BDF0F9419}</a:tableStyleId>
+              </a:tblPr>
+              <a:tblGrid>
+                <a:gridCol w="1773442"/>
+                <a:gridCol w="1773442"/>
+                <a:gridCol w="1773442"/>
+                <a:gridCol w="1773442"/>
+                <a:gridCol w="1773442"/>
+                <a:gridCol w="1773442"/>
+                <a:gridCol w="1773442"/>
+                <a:gridCol w="1773442"/>
+                <a:gridCol w="1773442"/>
+                <a:gridCol w="1773442"/>
+                <a:gridCol w="1773442"/>
+                <a:gridCol w="1773442"/>
+              </a:tblGrid>
+              <a:tr h="647755">
+                <a:tc>
+                  <a:txBody>
+                    <a:bodyPr/>
+                    <a:lstStyle/>
+                    <a:p>
+                      <a:pPr defTabSz="914400">
+                        <a:defRPr sz="1800"/>
+                      </a:pPr>
+                      <a:r>
+                        <a:rPr sz="3200">
+                          <a:sym typeface="Helvetica Neue"/>
+                        </a:rPr>
+                        <a:t>.</a:t>
+                      </a:r>
+                    </a:p>
+                  </a:txBody>
+                  <a:tcPr marL="50800" marR="50800" marT="50800" marB="50800" anchor="ctr" anchorCtr="0" horzOverflow="overflow"/>
+                </a:tc>
+                <a:tc>
+                  <a:txBody>
+                    <a:bodyPr/>
+                    <a:lstStyle/>
+                    <a:p>
+                      <a:pPr defTabSz="914400">
+                        <a:defRPr sz="1800"/>
+                      </a:pPr>
+                      <a:r>
+                        <a:rPr sz="3200">
+                          <a:sym typeface="Helvetica Neue"/>
+                        </a:rPr>
+                        <a:t>[]</a:t>
+                      </a:r>
+                    </a:p>
+                  </a:txBody>
+                  <a:tcPr marL="50800" marR="50800" marT="50800" marB="50800" anchor="ctr" anchorCtr="0" horzOverflow="overflow"/>
+                </a:tc>
+                <a:tc>
+                  <a:txBody>
+                    <a:bodyPr/>
+                    <a:lstStyle/>
+                    <a:p>
+                      <a:pPr defTabSz="914400">
+                        <a:defRPr sz="1800"/>
+                      </a:pPr>
+                      <a:r>
+                        <a:rPr sz="3200">
+                          <a:sym typeface="Helvetica Neue"/>
+                        </a:rPr>
+                        <a:t>New</a:t>
+                      </a:r>
+                    </a:p>
+                  </a:txBody>
+                  <a:tcPr marL="50800" marR="50800" marT="50800" marB="50800" anchor="ctr" anchorCtr="0" horzOverflow="overflow"/>
+                </a:tc>
+                <a:tc>
+                  <a:txBody>
+                    <a:bodyPr/>
+                    <a:lstStyle/>
+                    <a:p>
+                      <a:pPr defTabSz="914400">
+                        <a:defRPr sz="3200">
+                          <a:sym typeface="Helvetica Neue"/>
+                        </a:defRPr>
+                      </a:pPr>
+                    </a:p>
+                  </a:txBody>
+                  <a:tcPr marL="50800" marR="50800" marT="50800" marB="50800" anchor="ctr" anchorCtr="0" horzOverflow="overflow"/>
+                </a:tc>
+                <a:tc>
+                  <a:txBody>
+                    <a:bodyPr/>
+                    <a:lstStyle/>
+                    <a:p>
+                      <a:pPr defTabSz="914400">
+                        <a:defRPr sz="3200">
+                          <a:sym typeface="Helvetica Neue"/>
+                        </a:defRPr>
+                      </a:pPr>
+                    </a:p>
+                  </a:txBody>
+                  <a:tcPr marL="50800" marR="50800" marT="50800" marB="50800" anchor="ctr" anchorCtr="0" horzOverflow="overflow"/>
+                </a:tc>
+                <a:tc>
+                  <a:txBody>
+                    <a:bodyPr/>
+                    <a:lstStyle/>
+                    <a:p>
+                      <a:pPr defTabSz="914400">
+                        <a:defRPr sz="3200">
+                          <a:sym typeface="Helvetica Neue"/>
+                        </a:defRPr>
+                      </a:pPr>
+                    </a:p>
+                  </a:txBody>
+                  <a:tcPr marL="50800" marR="50800" marT="50800" marB="50800" anchor="ctr" anchorCtr="0" horzOverflow="overflow"/>
+                </a:tc>
+                <a:tc>
+                  <a:txBody>
+                    <a:bodyPr/>
+                    <a:lstStyle/>
+                    <a:p>
+                      <a:pPr defTabSz="914400">
+                        <a:defRPr sz="3200">
+                          <a:sym typeface="Helvetica Neue"/>
+                        </a:defRPr>
+                      </a:pPr>
+                    </a:p>
+                  </a:txBody>
+                  <a:tcPr marL="50800" marR="50800" marT="50800" marB="50800" anchor="ctr" anchorCtr="0" horzOverflow="overflow"/>
+                </a:tc>
+                <a:tc>
+                  <a:txBody>
+                    <a:bodyPr/>
+                    <a:lstStyle/>
+                    <a:p>
+                      <a:pPr defTabSz="914400">
+                        <a:defRPr sz="3200">
+                          <a:sym typeface="Helvetica Neue"/>
+                        </a:defRPr>
+                      </a:pPr>
+                    </a:p>
+                  </a:txBody>
+                  <a:tcPr marL="50800" marR="50800" marT="50800" marB="50800" anchor="ctr" anchorCtr="0" horzOverflow="overflow"/>
+                </a:tc>
+                <a:tc>
+                  <a:txBody>
+                    <a:bodyPr/>
+                    <a:lstStyle/>
+                    <a:p>
+                      <a:pPr defTabSz="914400">
+                        <a:defRPr sz="3200">
+                          <a:sym typeface="Helvetica Neue"/>
+                        </a:defRPr>
+                      </a:pPr>
+                    </a:p>
+                  </a:txBody>
+                  <a:tcPr marL="50800" marR="50800" marT="50800" marB="50800" anchor="ctr" anchorCtr="0" horzOverflow="overflow"/>
+                </a:tc>
+                <a:tc>
+                  <a:txBody>
+                    <a:bodyPr/>
+                    <a:lstStyle/>
+                    <a:p>
+                      <a:pPr defTabSz="914400">
+                        <a:defRPr sz="3200">
+                          <a:sym typeface="Helvetica Neue"/>
+                        </a:defRPr>
+                      </a:pPr>
+                    </a:p>
+                  </a:txBody>
+                  <a:tcPr marL="50800" marR="50800" marT="50800" marB="50800" anchor="ctr" anchorCtr="0" horzOverflow="overflow"/>
+                </a:tc>
+                <a:tc>
+                  <a:txBody>
+                    <a:bodyPr/>
+                    <a:lstStyle/>
+                    <a:p>
+                      <a:pPr defTabSz="914400">
+                        <a:defRPr sz="3200">
+                          <a:sym typeface="Helvetica Neue"/>
+                        </a:defRPr>
+                      </a:pPr>
+                    </a:p>
+                  </a:txBody>
+                  <a:tcPr marL="50800" marR="50800" marT="50800" marB="50800" anchor="ctr" anchorCtr="0" horzOverflow="overflow"/>
+                </a:tc>
+                <a:tc>
+                  <a:txBody>
+                    <a:bodyPr/>
+                    <a:lstStyle/>
+                    <a:p>
+                      <a:pPr defTabSz="914400">
+                        <a:defRPr sz="3200">
+                          <a:sym typeface="Helvetica Neue"/>
+                        </a:defRPr>
+                      </a:pPr>
+                    </a:p>
+                  </a:txBody>
+                  <a:tcPr marL="50800" marR="50800" marT="50800" marB="50800" anchor="ctr" anchorCtr="0" horzOverflow="overflow"/>
+                </a:tc>
+              </a:tr>
+              <a:tr h="647755">
+                <a:tc>
+                  <a:txBody>
+                    <a:bodyPr/>
+                    <a:lstStyle/>
+                    <a:p>
+                      <a:pPr defTabSz="914400">
+                        <a:defRPr sz="1800"/>
+                      </a:pPr>
+                      <a:r>
+                        <a:rPr sz="3200">
+                          <a:sym typeface="Helvetica Neue"/>
+                        </a:rPr>
+                        <a:t>()</a:t>
+                      </a:r>
+                    </a:p>
+                  </a:txBody>
+                  <a:tcPr marL="50800" marR="50800" marT="50800" marB="50800" anchor="ctr" anchorCtr="0" horzOverflow="overflow"/>
+                </a:tc>
+                <a:tc>
+                  <a:txBody>
+                    <a:bodyPr/>
+                    <a:lstStyle/>
+                    <a:p>
+                      <a:pPr defTabSz="914400">
+                        <a:defRPr sz="3200">
+                          <a:sym typeface="Helvetica Neue"/>
+                        </a:defRPr>
+                      </a:pPr>
+                    </a:p>
+                  </a:txBody>
+                  <a:tcPr marL="50800" marR="50800" marT="50800" marB="50800" anchor="ctr" anchorCtr="0" horzOverflow="overflow"/>
+                </a:tc>
+                <a:tc>
+                  <a:txBody>
+                    <a:bodyPr/>
+                    <a:lstStyle/>
+                    <a:p>
+                      <a:pPr defTabSz="914400">
+                        <a:defRPr sz="3200">
+                          <a:sym typeface="Helvetica Neue"/>
+                        </a:defRPr>
+                      </a:pPr>
+                    </a:p>
+                  </a:txBody>
+                  <a:tcPr marL="50800" marR="50800" marT="50800" marB="50800" anchor="ctr" anchorCtr="0" horzOverflow="overflow"/>
+                </a:tc>
+                <a:tc>
+                  <a:txBody>
+                    <a:bodyPr/>
+                    <a:lstStyle/>
+                    <a:p>
+                      <a:pPr defTabSz="914400">
+                        <a:defRPr sz="3200">
+                          <a:sym typeface="Helvetica Neue"/>
+                        </a:defRPr>
+                      </a:pPr>
+                    </a:p>
+                  </a:txBody>
+                  <a:tcPr marL="50800" marR="50800" marT="50800" marB="50800" anchor="ctr" anchorCtr="0" horzOverflow="overflow"/>
+                </a:tc>
+                <a:tc>
+                  <a:txBody>
+                    <a:bodyPr/>
+                    <a:lstStyle/>
+                    <a:p>
+                      <a:pPr defTabSz="914400">
+                        <a:defRPr sz="3200">
+                          <a:sym typeface="Helvetica Neue"/>
+                        </a:defRPr>
+                      </a:pPr>
+                    </a:p>
+                  </a:txBody>
+                  <a:tcPr marL="50800" marR="50800" marT="50800" marB="50800" anchor="ctr" anchorCtr="0" horzOverflow="overflow"/>
+                </a:tc>
+                <a:tc>
+                  <a:txBody>
+                    <a:bodyPr/>
+                    <a:lstStyle/>
+                    <a:p>
+                      <a:pPr defTabSz="914400">
+                        <a:defRPr sz="3200">
+                          <a:sym typeface="Helvetica Neue"/>
+                        </a:defRPr>
+                      </a:pPr>
+                    </a:p>
+                  </a:txBody>
+                  <a:tcPr marL="50800" marR="50800" marT="50800" marB="50800" anchor="ctr" anchorCtr="0" horzOverflow="overflow"/>
+                </a:tc>
+                <a:tc>
+                  <a:txBody>
+                    <a:bodyPr/>
+                    <a:lstStyle/>
+                    <a:p>
+                      <a:pPr defTabSz="914400">
+                        <a:defRPr sz="3200">
+                          <a:sym typeface="Helvetica Neue"/>
+                        </a:defRPr>
+                      </a:pPr>
+                    </a:p>
+                  </a:txBody>
+                  <a:tcPr marL="50800" marR="50800" marT="50800" marB="50800" anchor="ctr" anchorCtr="0" horzOverflow="overflow"/>
+                </a:tc>
+                <a:tc>
+                  <a:txBody>
+                    <a:bodyPr/>
+                    <a:lstStyle/>
+                    <a:p>
+                      <a:pPr defTabSz="914400">
+                        <a:defRPr sz="3200">
+                          <a:sym typeface="Helvetica Neue"/>
+                        </a:defRPr>
+                      </a:pPr>
+                    </a:p>
+                  </a:txBody>
+                  <a:tcPr marL="50800" marR="50800" marT="50800" marB="50800" anchor="ctr" anchorCtr="0" horzOverflow="overflow"/>
+                </a:tc>
+                <a:tc>
+                  <a:txBody>
+                    <a:bodyPr/>
+                    <a:lstStyle/>
+                    <a:p>
+                      <a:pPr defTabSz="914400">
+                        <a:defRPr sz="3200">
+                          <a:sym typeface="Helvetica Neue"/>
+                        </a:defRPr>
+                      </a:pPr>
+                    </a:p>
+                  </a:txBody>
+                  <a:tcPr marL="50800" marR="50800" marT="50800" marB="50800" anchor="ctr" anchorCtr="0" horzOverflow="overflow"/>
+                </a:tc>
+                <a:tc>
+                  <a:txBody>
+                    <a:bodyPr/>
+                    <a:lstStyle/>
+                    <a:p>
+                      <a:pPr defTabSz="914400">
+                        <a:defRPr sz="3200">
+                          <a:sym typeface="Helvetica Neue"/>
+                        </a:defRPr>
+                      </a:pPr>
+                    </a:p>
+                  </a:txBody>
+                  <a:tcPr marL="50800" marR="50800" marT="50800" marB="50800" anchor="ctr" anchorCtr="0" horzOverflow="overflow"/>
+                </a:tc>
+                <a:tc>
+                  <a:txBody>
+                    <a:bodyPr/>
+                    <a:lstStyle/>
+                    <a:p>
+                      <a:pPr defTabSz="914400">
+                        <a:defRPr sz="3200">
+                          <a:sym typeface="Helvetica Neue"/>
+                        </a:defRPr>
+                      </a:pPr>
+                    </a:p>
+                  </a:txBody>
+                  <a:tcPr marL="50800" marR="50800" marT="50800" marB="50800" anchor="ctr" anchorCtr="0" horzOverflow="overflow"/>
+                </a:tc>
+                <a:tc>
+                  <a:txBody>
+                    <a:bodyPr/>
+                    <a:lstStyle/>
+                    <a:p>
+                      <a:pPr defTabSz="914400">
+                        <a:defRPr sz="3200">
+                          <a:sym typeface="Helvetica Neue"/>
+                        </a:defRPr>
+                      </a:pPr>
+                    </a:p>
+                  </a:txBody>
+                  <a:tcPr marL="50800" marR="50800" marT="50800" marB="50800" anchor="ctr" anchorCtr="0" horzOverflow="overflow"/>
+                </a:tc>
+              </a:tr>
+              <a:tr h="647755">
+                <a:tc>
+                  <a:txBody>
+                    <a:bodyPr/>
+                    <a:lstStyle/>
+                    <a:p>
+                      <a:pPr defTabSz="914400">
+                        <a:defRPr sz="1800"/>
+                      </a:pPr>
+                      <a:r>
+                        <a:rPr sz="3200">
+                          <a:sym typeface="Helvetica Neue"/>
+                        </a:rPr>
+                        <a:t>++</a:t>
+                      </a:r>
+                    </a:p>
+                  </a:txBody>
+                  <a:tcPr marL="50800" marR="50800" marT="50800" marB="50800" anchor="ctr" anchorCtr="0" horzOverflow="overflow"/>
+                </a:tc>
+                <a:tc>
+                  <a:txBody>
+                    <a:bodyPr/>
+                    <a:lstStyle/>
+                    <a:p>
+                      <a:pPr defTabSz="914400">
+                        <a:defRPr sz="1800"/>
+                      </a:pPr>
+                      <a:r>
+                        <a:rPr sz="3200">
+                          <a:sym typeface="Helvetica Neue"/>
+                        </a:rPr>
+                        <a:t>—</a:t>
+                      </a:r>
+                    </a:p>
+                  </a:txBody>
+                  <a:tcPr marL="50800" marR="50800" marT="50800" marB="50800" anchor="ctr" anchorCtr="0" horzOverflow="overflow"/>
+                </a:tc>
+                <a:tc>
+                  <a:txBody>
+                    <a:bodyPr/>
+                    <a:lstStyle/>
+                    <a:p>
+                      <a:pPr defTabSz="914400">
+                        <a:defRPr sz="3200">
+                          <a:sym typeface="Helvetica Neue"/>
+                        </a:defRPr>
+                      </a:pPr>
+                    </a:p>
+                  </a:txBody>
+                  <a:tcPr marL="50800" marR="50800" marT="50800" marB="50800" anchor="ctr" anchorCtr="0" horzOverflow="overflow"/>
+                </a:tc>
+                <a:tc>
+                  <a:txBody>
+                    <a:bodyPr/>
+                    <a:lstStyle/>
+                    <a:p>
+                      <a:pPr defTabSz="914400">
+                        <a:defRPr sz="3200">
+                          <a:sym typeface="Helvetica Neue"/>
+                        </a:defRPr>
+                      </a:pPr>
+                    </a:p>
+                  </a:txBody>
+                  <a:tcPr marL="50800" marR="50800" marT="50800" marB="50800" anchor="ctr" anchorCtr="0" horzOverflow="overflow"/>
+                </a:tc>
+                <a:tc>
+                  <a:txBody>
+                    <a:bodyPr/>
+                    <a:lstStyle/>
+                    <a:p>
+                      <a:pPr defTabSz="914400">
+                        <a:defRPr sz="3200">
+                          <a:sym typeface="Helvetica Neue"/>
+                        </a:defRPr>
+                      </a:pPr>
+                    </a:p>
+                  </a:txBody>
+                  <a:tcPr marL="50800" marR="50800" marT="50800" marB="50800" anchor="ctr" anchorCtr="0" horzOverflow="overflow"/>
+                </a:tc>
+                <a:tc>
+                  <a:txBody>
+                    <a:bodyPr/>
+                    <a:lstStyle/>
+                    <a:p>
+                      <a:pPr defTabSz="914400">
+                        <a:defRPr sz="3200">
+                          <a:sym typeface="Helvetica Neue"/>
+                        </a:defRPr>
+                      </a:pPr>
+                    </a:p>
+                  </a:txBody>
+                  <a:tcPr marL="50800" marR="50800" marT="50800" marB="50800" anchor="ctr" anchorCtr="0" horzOverflow="overflow"/>
+                </a:tc>
+                <a:tc>
+                  <a:txBody>
+                    <a:bodyPr/>
+                    <a:lstStyle/>
+                    <a:p>
+                      <a:pPr defTabSz="914400">
+                        <a:defRPr sz="3200">
+                          <a:sym typeface="Helvetica Neue"/>
+                        </a:defRPr>
+                      </a:pPr>
+                    </a:p>
+                  </a:txBody>
+                  <a:tcPr marL="50800" marR="50800" marT="50800" marB="50800" anchor="ctr" anchorCtr="0" horzOverflow="overflow"/>
+                </a:tc>
+                <a:tc>
+                  <a:txBody>
+                    <a:bodyPr/>
+                    <a:lstStyle/>
+                    <a:p>
+                      <a:pPr defTabSz="914400">
+                        <a:defRPr sz="3200">
+                          <a:sym typeface="Helvetica Neue"/>
+                        </a:defRPr>
+                      </a:pPr>
+                    </a:p>
+                  </a:txBody>
+                  <a:tcPr marL="50800" marR="50800" marT="50800" marB="50800" anchor="ctr" anchorCtr="0" horzOverflow="overflow"/>
+                </a:tc>
+                <a:tc>
+                  <a:txBody>
+                    <a:bodyPr/>
+                    <a:lstStyle/>
+                    <a:p>
+                      <a:pPr defTabSz="914400">
+                        <a:defRPr sz="3200">
+                          <a:sym typeface="Helvetica Neue"/>
+                        </a:defRPr>
+                      </a:pPr>
+                    </a:p>
+                  </a:txBody>
+                  <a:tcPr marL="50800" marR="50800" marT="50800" marB="50800" anchor="ctr" anchorCtr="0" horzOverflow="overflow"/>
+                </a:tc>
+                <a:tc>
+                  <a:txBody>
+                    <a:bodyPr/>
+                    <a:lstStyle/>
+                    <a:p>
+                      <a:pPr defTabSz="914400">
+                        <a:defRPr sz="3200">
+                          <a:sym typeface="Helvetica Neue"/>
+                        </a:defRPr>
+                      </a:pPr>
+                    </a:p>
+                  </a:txBody>
+                  <a:tcPr marL="50800" marR="50800" marT="50800" marB="50800" anchor="ctr" anchorCtr="0" horzOverflow="overflow"/>
+                </a:tc>
+                <a:tc>
+                  <a:txBody>
+                    <a:bodyPr/>
+                    <a:lstStyle/>
+                    <a:p>
+                      <a:pPr defTabSz="914400">
+                        <a:defRPr sz="3200">
+                          <a:sym typeface="Helvetica Neue"/>
+                        </a:defRPr>
+                      </a:pPr>
+                    </a:p>
+                  </a:txBody>
+                  <a:tcPr marL="50800" marR="50800" marT="50800" marB="50800" anchor="ctr" anchorCtr="0" horzOverflow="overflow"/>
+                </a:tc>
+                <a:tc>
+                  <a:txBody>
+                    <a:bodyPr/>
+                    <a:lstStyle/>
+                    <a:p>
+                      <a:pPr defTabSz="914400">
+                        <a:defRPr sz="3200">
+                          <a:sym typeface="Helvetica Neue"/>
+                        </a:defRPr>
+                      </a:pPr>
+                    </a:p>
+                  </a:txBody>
+                  <a:tcPr marL="50800" marR="50800" marT="50800" marB="50800" anchor="ctr" anchorCtr="0" horzOverflow="overflow"/>
+                </a:tc>
+              </a:tr>
+              <a:tr h="647755">
+                <a:tc>
+                  <a:txBody>
+                    <a:bodyPr/>
+                    <a:lstStyle/>
+                    <a:p>
+                      <a:pPr defTabSz="914400">
+                        <a:defRPr sz="1800"/>
+                      </a:pPr>
+                      <a:r>
+                        <a:rPr sz="3200">
+                          <a:sym typeface="Helvetica Neue"/>
+                        </a:rPr>
+                        <a:t>!</a:t>
+                      </a:r>
+                    </a:p>
+                  </a:txBody>
+                  <a:tcPr marL="50800" marR="50800" marT="50800" marB="50800" anchor="ctr" anchorCtr="0" horzOverflow="overflow"/>
+                </a:tc>
+                <a:tc>
+                  <a:txBody>
+                    <a:bodyPr/>
+                    <a:lstStyle/>
+                    <a:p>
+                      <a:pPr defTabSz="914400">
+                        <a:defRPr sz="1800"/>
+                      </a:pPr>
+                      <a:r>
+                        <a:rPr sz="3200">
+                          <a:sym typeface="Helvetica Neue"/>
+                        </a:rPr>
+                        <a:t>~</a:t>
+                      </a:r>
+                    </a:p>
+                  </a:txBody>
+                  <a:tcPr marL="50800" marR="50800" marT="50800" marB="50800" anchor="ctr" anchorCtr="0" horzOverflow="overflow"/>
+                </a:tc>
+                <a:tc>
+                  <a:txBody>
+                    <a:bodyPr/>
+                    <a:lstStyle/>
+                    <a:p>
+                      <a:pPr defTabSz="914400">
+                        <a:defRPr sz="1800"/>
+                      </a:pPr>
+                      <a:r>
+                        <a:rPr sz="3200">
+                          <a:sym typeface="Helvetica Neue"/>
+                        </a:rPr>
+                        <a:t>+(单目)</a:t>
+                      </a:r>
+                    </a:p>
+                  </a:txBody>
+                  <a:tcPr marL="50800" marR="50800" marT="50800" marB="50800" anchor="ctr" anchorCtr="0" horzOverflow="overflow"/>
+                </a:tc>
+                <a:tc>
+                  <a:txBody>
+                    <a:bodyPr/>
+                    <a:lstStyle/>
+                    <a:p>
+                      <a:pPr defTabSz="914400">
+                        <a:defRPr sz="1800"/>
+                      </a:pPr>
+                      <a:r>
+                        <a:rPr sz="3200">
+                          <a:sym typeface="Helvetica Neue"/>
+                        </a:rPr>
+                        <a:t>-(单目)</a:t>
+                      </a:r>
+                    </a:p>
+                  </a:txBody>
+                  <a:tcPr marL="50800" marR="50800" marT="50800" marB="50800" anchor="ctr" anchorCtr="0" horzOverflow="overflow"/>
+                </a:tc>
+                <a:tc>
+                  <a:txBody>
+                    <a:bodyPr/>
+                    <a:lstStyle/>
+                    <a:p>
+                      <a:pPr defTabSz="914400">
+                        <a:defRPr sz="1800"/>
+                      </a:pPr>
+                      <a:r>
+                        <a:rPr sz="3200">
+                          <a:sym typeface="Helvetica Neue"/>
+                        </a:rPr>
+                        <a:t>typeof</a:t>
+                      </a:r>
+                    </a:p>
+                  </a:txBody>
+                  <a:tcPr marL="50800" marR="50800" marT="50800" marB="50800" anchor="ctr" anchorCtr="0" horzOverflow="overflow"/>
+                </a:tc>
+                <a:tc>
+                  <a:txBody>
+                    <a:bodyPr/>
+                    <a:lstStyle/>
+                    <a:p>
+                      <a:pPr defTabSz="914400">
+                        <a:defRPr sz="1800"/>
+                      </a:pPr>
+                      <a:r>
+                        <a:rPr sz="3200">
+                          <a:sym typeface="Helvetica Neue"/>
+                        </a:rPr>
+                        <a:t>void</a:t>
+                      </a:r>
+                    </a:p>
+                  </a:txBody>
+                  <a:tcPr marL="50800" marR="50800" marT="50800" marB="50800" anchor="ctr" anchorCtr="0" horzOverflow="overflow"/>
+                </a:tc>
+                <a:tc>
+                  <a:txBody>
+                    <a:bodyPr/>
+                    <a:lstStyle/>
+                    <a:p>
+                      <a:pPr defTabSz="914400">
+                        <a:defRPr sz="1800"/>
+                      </a:pPr>
+                      <a:r>
+                        <a:rPr sz="3200">
+                          <a:sym typeface="Helvetica Neue"/>
+                        </a:rPr>
+                        <a:t>delete</a:t>
+                      </a:r>
+                    </a:p>
+                  </a:txBody>
+                  <a:tcPr marL="50800" marR="50800" marT="50800" marB="50800" anchor="ctr" anchorCtr="0" horzOverflow="overflow"/>
+                </a:tc>
+                <a:tc>
+                  <a:txBody>
+                    <a:bodyPr/>
+                    <a:lstStyle/>
+                    <a:p>
+                      <a:pPr defTabSz="914400">
+                        <a:defRPr sz="3200">
+                          <a:sym typeface="Helvetica Neue"/>
+                        </a:defRPr>
+                      </a:pPr>
+                    </a:p>
+                  </a:txBody>
+                  <a:tcPr marL="50800" marR="50800" marT="50800" marB="50800" anchor="ctr" anchorCtr="0" horzOverflow="overflow"/>
+                </a:tc>
+                <a:tc>
+                  <a:txBody>
+                    <a:bodyPr/>
+                    <a:lstStyle/>
+                    <a:p>
+                      <a:pPr defTabSz="914400">
+                        <a:defRPr sz="3200">
+                          <a:sym typeface="Helvetica Neue"/>
+                        </a:defRPr>
+                      </a:pPr>
+                    </a:p>
+                  </a:txBody>
+                  <a:tcPr marL="50800" marR="50800" marT="50800" marB="50800" anchor="ctr" anchorCtr="0" horzOverflow="overflow"/>
+                </a:tc>
+                <a:tc>
+                  <a:txBody>
+                    <a:bodyPr/>
+                    <a:lstStyle/>
+                    <a:p>
+                      <a:pPr defTabSz="914400">
+                        <a:defRPr sz="3200">
+                          <a:sym typeface="Helvetica Neue"/>
+                        </a:defRPr>
+                      </a:pPr>
+                    </a:p>
+                  </a:txBody>
+                  <a:tcPr marL="50800" marR="50800" marT="50800" marB="50800" anchor="ctr" anchorCtr="0" horzOverflow="overflow"/>
+                </a:tc>
+                <a:tc>
+                  <a:txBody>
+                    <a:bodyPr/>
+                    <a:lstStyle/>
+                    <a:p>
+                      <a:pPr defTabSz="914400">
+                        <a:defRPr sz="3200">
+                          <a:sym typeface="Helvetica Neue"/>
+                        </a:defRPr>
+                      </a:pPr>
+                    </a:p>
+                  </a:txBody>
+                  <a:tcPr marL="50800" marR="50800" marT="50800" marB="50800" anchor="ctr" anchorCtr="0" horzOverflow="overflow"/>
+                </a:tc>
+                <a:tc>
+                  <a:txBody>
+                    <a:bodyPr/>
+                    <a:lstStyle/>
+                    <a:p>
+                      <a:pPr defTabSz="914400">
+                        <a:defRPr sz="3200">
+                          <a:sym typeface="Helvetica Neue"/>
+                        </a:defRPr>
+                      </a:pPr>
+                    </a:p>
+                  </a:txBody>
+                  <a:tcPr marL="50800" marR="50800" marT="50800" marB="50800" anchor="ctr" anchorCtr="0" horzOverflow="overflow"/>
+                </a:tc>
+              </a:tr>
+              <a:tr h="647755">
+                <a:tc>
+                  <a:txBody>
+                    <a:bodyPr/>
+                    <a:lstStyle/>
+                    <a:p>
+                      <a:pPr defTabSz="914400">
+                        <a:defRPr sz="1800"/>
+                      </a:pPr>
+                      <a:r>
+                        <a:rPr sz="3200">
+                          <a:sym typeface="Helvetica Neue"/>
+                        </a:rPr>
+                        <a:t>%</a:t>
+                      </a:r>
+                    </a:p>
+                  </a:txBody>
+                  <a:tcPr marL="50800" marR="50800" marT="50800" marB="50800" anchor="ctr" anchorCtr="0" horzOverflow="overflow"/>
+                </a:tc>
+                <a:tc>
+                  <a:txBody>
+                    <a:bodyPr/>
+                    <a:lstStyle/>
+                    <a:p>
+                      <a:pPr defTabSz="914400">
+                        <a:defRPr sz="1800"/>
+                      </a:pPr>
+                      <a:r>
+                        <a:rPr sz="3200">
+                          <a:sym typeface="Helvetica Neue"/>
+                        </a:rPr>
+                        <a:t>*</a:t>
+                      </a:r>
+                    </a:p>
+                  </a:txBody>
+                  <a:tcPr marL="50800" marR="50800" marT="50800" marB="50800" anchor="ctr" anchorCtr="0" horzOverflow="overflow"/>
+                </a:tc>
+                <a:tc>
+                  <a:txBody>
+                    <a:bodyPr/>
+                    <a:lstStyle/>
+                    <a:p>
+                      <a:pPr defTabSz="914400">
+                        <a:defRPr sz="1800"/>
+                      </a:pPr>
+                      <a:r>
+                        <a:rPr sz="3200">
+                          <a:sym typeface="Helvetica Neue"/>
+                        </a:rPr>
+                        <a:t>/</a:t>
+                      </a:r>
+                    </a:p>
+                  </a:txBody>
+                  <a:tcPr marL="50800" marR="50800" marT="50800" marB="50800" anchor="ctr" anchorCtr="0" horzOverflow="overflow"/>
+                </a:tc>
+                <a:tc>
+                  <a:txBody>
+                    <a:bodyPr/>
+                    <a:lstStyle/>
+                    <a:p>
+                      <a:pPr defTabSz="914400">
+                        <a:defRPr sz="3200">
+                          <a:sym typeface="Helvetica Neue"/>
+                        </a:defRPr>
+                      </a:pPr>
+                    </a:p>
+                  </a:txBody>
+                  <a:tcPr marL="50800" marR="50800" marT="50800" marB="50800" anchor="ctr" anchorCtr="0" horzOverflow="overflow"/>
+                </a:tc>
+                <a:tc>
+                  <a:txBody>
+                    <a:bodyPr/>
+                    <a:lstStyle/>
+                    <a:p>
+                      <a:pPr defTabSz="914400">
+                        <a:defRPr sz="3200">
+                          <a:sym typeface="Helvetica Neue"/>
+                        </a:defRPr>
+                      </a:pPr>
+                    </a:p>
+                  </a:txBody>
+                  <a:tcPr marL="50800" marR="50800" marT="50800" marB="50800" anchor="ctr" anchorCtr="0" horzOverflow="overflow"/>
+                </a:tc>
+                <a:tc>
+                  <a:txBody>
+                    <a:bodyPr/>
+                    <a:lstStyle/>
+                    <a:p>
+                      <a:pPr defTabSz="914400">
+                        <a:defRPr sz="3200">
+                          <a:sym typeface="Helvetica Neue"/>
+                        </a:defRPr>
+                      </a:pPr>
+                    </a:p>
+                  </a:txBody>
+                  <a:tcPr marL="50800" marR="50800" marT="50800" marB="50800" anchor="ctr" anchorCtr="0" horzOverflow="overflow"/>
+                </a:tc>
+                <a:tc>
+                  <a:txBody>
+                    <a:bodyPr/>
+                    <a:lstStyle/>
+                    <a:p>
+                      <a:pPr defTabSz="914400">
+                        <a:defRPr sz="3200">
+                          <a:sym typeface="Helvetica Neue"/>
+                        </a:defRPr>
+                      </a:pPr>
+                    </a:p>
+                  </a:txBody>
+                  <a:tcPr marL="50800" marR="50800" marT="50800" marB="50800" anchor="ctr" anchorCtr="0" horzOverflow="overflow"/>
+                </a:tc>
+                <a:tc>
+                  <a:txBody>
+                    <a:bodyPr/>
+                    <a:lstStyle/>
+                    <a:p>
+                      <a:pPr defTabSz="914400">
+                        <a:defRPr sz="3200">
+                          <a:sym typeface="Helvetica Neue"/>
+                        </a:defRPr>
+                      </a:pPr>
+                    </a:p>
+                  </a:txBody>
+                  <a:tcPr marL="50800" marR="50800" marT="50800" marB="50800" anchor="ctr" anchorCtr="0" horzOverflow="overflow"/>
+                </a:tc>
+                <a:tc>
+                  <a:txBody>
+                    <a:bodyPr/>
+                    <a:lstStyle/>
+                    <a:p>
+                      <a:pPr defTabSz="914400">
+                        <a:defRPr sz="3200">
+                          <a:sym typeface="Helvetica Neue"/>
+                        </a:defRPr>
+                      </a:pPr>
+                    </a:p>
+                  </a:txBody>
+                  <a:tcPr marL="50800" marR="50800" marT="50800" marB="50800" anchor="ctr" anchorCtr="0" horzOverflow="overflow"/>
+                </a:tc>
+                <a:tc>
+                  <a:txBody>
+                    <a:bodyPr/>
+                    <a:lstStyle/>
+                    <a:p>
+                      <a:pPr defTabSz="914400">
+                        <a:defRPr sz="3200">
+                          <a:sym typeface="Helvetica Neue"/>
+                        </a:defRPr>
+                      </a:pPr>
+                    </a:p>
+                  </a:txBody>
+                  <a:tcPr marL="50800" marR="50800" marT="50800" marB="50800" anchor="ctr" anchorCtr="0" horzOverflow="overflow"/>
+                </a:tc>
+                <a:tc>
+                  <a:txBody>
+                    <a:bodyPr/>
+                    <a:lstStyle/>
+                    <a:p>
+                      <a:pPr defTabSz="914400">
+                        <a:defRPr sz="3200">
+                          <a:sym typeface="Helvetica Neue"/>
+                        </a:defRPr>
+                      </a:pPr>
+                    </a:p>
+                  </a:txBody>
+                  <a:tcPr marL="50800" marR="50800" marT="50800" marB="50800" anchor="ctr" anchorCtr="0" horzOverflow="overflow"/>
+                </a:tc>
+                <a:tc>
+                  <a:txBody>
+                    <a:bodyPr/>
+                    <a:lstStyle/>
+                    <a:p>
+                      <a:pPr defTabSz="914400">
+                        <a:defRPr sz="3200">
+                          <a:sym typeface="Helvetica Neue"/>
+                        </a:defRPr>
+                      </a:pPr>
+                    </a:p>
+                  </a:txBody>
+                  <a:tcPr marL="50800" marR="50800" marT="50800" marB="50800" anchor="ctr" anchorCtr="0" horzOverflow="overflow"/>
+                </a:tc>
+              </a:tr>
+              <a:tr h="647755">
+                <a:tc>
+                  <a:txBody>
+                    <a:bodyPr/>
+                    <a:lstStyle/>
+                    <a:p>
+                      <a:pPr defTabSz="914400">
+                        <a:defRPr sz="1800"/>
+                      </a:pPr>
+                      <a:r>
+                        <a:rPr sz="3200">
+                          <a:sym typeface="Helvetica Neue"/>
+                        </a:rPr>
+                        <a:t>+(双目)</a:t>
+                      </a:r>
+                    </a:p>
+                  </a:txBody>
+                  <a:tcPr marL="50800" marR="50800" marT="50800" marB="50800" anchor="ctr" anchorCtr="0" horzOverflow="overflow"/>
+                </a:tc>
+                <a:tc>
+                  <a:txBody>
+                    <a:bodyPr/>
+                    <a:lstStyle/>
+                    <a:p>
+                      <a:pPr defTabSz="914400">
+                        <a:defRPr sz="1800"/>
+                      </a:pPr>
+                      <a:r>
+                        <a:rPr sz="3200">
+                          <a:sym typeface="Helvetica Neue"/>
+                        </a:rPr>
+                        <a:t>-(双目)</a:t>
+                      </a:r>
+                    </a:p>
+                  </a:txBody>
+                  <a:tcPr marL="50800" marR="50800" marT="50800" marB="50800" anchor="ctr" anchorCtr="0" horzOverflow="overflow"/>
+                </a:tc>
+                <a:tc>
+                  <a:txBody>
+                    <a:bodyPr/>
+                    <a:lstStyle/>
+                    <a:p>
+                      <a:pPr defTabSz="914400">
+                        <a:defRPr sz="3200">
+                          <a:sym typeface="Helvetica Neue"/>
+                        </a:defRPr>
+                      </a:pPr>
+                    </a:p>
+                  </a:txBody>
+                  <a:tcPr marL="50800" marR="50800" marT="50800" marB="50800" anchor="ctr" anchorCtr="0" horzOverflow="overflow"/>
+                </a:tc>
+                <a:tc>
+                  <a:txBody>
+                    <a:bodyPr/>
+                    <a:lstStyle/>
+                    <a:p>
+                      <a:pPr defTabSz="914400">
+                        <a:defRPr sz="3200">
+                          <a:sym typeface="Helvetica Neue"/>
+                        </a:defRPr>
+                      </a:pPr>
+                    </a:p>
+                  </a:txBody>
+                  <a:tcPr marL="50800" marR="50800" marT="50800" marB="50800" anchor="ctr" anchorCtr="0" horzOverflow="overflow"/>
+                </a:tc>
+                <a:tc>
+                  <a:txBody>
+                    <a:bodyPr/>
+                    <a:lstStyle/>
+                    <a:p>
+                      <a:pPr defTabSz="914400">
+                        <a:defRPr sz="3200">
+                          <a:sym typeface="Helvetica Neue"/>
+                        </a:defRPr>
+                      </a:pPr>
+                    </a:p>
+                  </a:txBody>
+                  <a:tcPr marL="50800" marR="50800" marT="50800" marB="50800" anchor="ctr" anchorCtr="0" horzOverflow="overflow"/>
+                </a:tc>
+                <a:tc>
+                  <a:txBody>
+                    <a:bodyPr/>
+                    <a:lstStyle/>
+                    <a:p>
+                      <a:pPr defTabSz="914400">
+                        <a:defRPr sz="3200">
+                          <a:sym typeface="Helvetica Neue"/>
+                        </a:defRPr>
+                      </a:pPr>
+                    </a:p>
+                  </a:txBody>
+                  <a:tcPr marL="50800" marR="50800" marT="50800" marB="50800" anchor="ctr" anchorCtr="0" horzOverflow="overflow"/>
+                </a:tc>
+                <a:tc>
+                  <a:txBody>
+                    <a:bodyPr/>
+                    <a:lstStyle/>
+                    <a:p>
+                      <a:pPr defTabSz="914400">
+                        <a:defRPr sz="3200">
+                          <a:sym typeface="Helvetica Neue"/>
+                        </a:defRPr>
+                      </a:pPr>
+                    </a:p>
+                  </a:txBody>
+                  <a:tcPr marL="50800" marR="50800" marT="50800" marB="50800" anchor="ctr" anchorCtr="0" horzOverflow="overflow"/>
+                </a:tc>
+                <a:tc>
+                  <a:txBody>
+                    <a:bodyPr/>
+                    <a:lstStyle/>
+                    <a:p>
+                      <a:pPr defTabSz="914400">
+                        <a:defRPr sz="3200">
+                          <a:sym typeface="Helvetica Neue"/>
+                        </a:defRPr>
+                      </a:pPr>
+                    </a:p>
+                  </a:txBody>
+                  <a:tcPr marL="50800" marR="50800" marT="50800" marB="50800" anchor="ctr" anchorCtr="0" horzOverflow="overflow"/>
+                </a:tc>
+                <a:tc>
+                  <a:txBody>
+                    <a:bodyPr/>
+                    <a:lstStyle/>
+                    <a:p>
+                      <a:pPr defTabSz="914400">
+                        <a:defRPr sz="3200">
+                          <a:sym typeface="Helvetica Neue"/>
+                        </a:defRPr>
+                      </a:pPr>
+                    </a:p>
+                  </a:txBody>
+                  <a:tcPr marL="50800" marR="50800" marT="50800" marB="50800" anchor="ctr" anchorCtr="0" horzOverflow="overflow"/>
+                </a:tc>
+                <a:tc>
+                  <a:txBody>
+                    <a:bodyPr/>
+                    <a:lstStyle/>
+                    <a:p>
+                      <a:pPr defTabSz="914400">
+                        <a:defRPr sz="3200">
+                          <a:sym typeface="Helvetica Neue"/>
+                        </a:defRPr>
+                      </a:pPr>
+                    </a:p>
+                  </a:txBody>
+                  <a:tcPr marL="50800" marR="50800" marT="50800" marB="50800" anchor="ctr" anchorCtr="0" horzOverflow="overflow"/>
+                </a:tc>
+                <a:tc>
+                  <a:txBody>
+                    <a:bodyPr/>
+                    <a:lstStyle/>
+                    <a:p>
+                      <a:pPr defTabSz="914400">
+                        <a:defRPr sz="3200">
+                          <a:sym typeface="Helvetica Neue"/>
+                        </a:defRPr>
+                      </a:pPr>
+                    </a:p>
+                  </a:txBody>
+                  <a:tcPr marL="50800" marR="50800" marT="50800" marB="50800" anchor="ctr" anchorCtr="0" horzOverflow="overflow"/>
+                </a:tc>
+                <a:tc>
+                  <a:txBody>
+                    <a:bodyPr/>
+                    <a:lstStyle/>
+                    <a:p>
+                      <a:pPr defTabSz="914400">
+                        <a:defRPr sz="3200">
+                          <a:sym typeface="Helvetica Neue"/>
+                        </a:defRPr>
+                      </a:pPr>
+                    </a:p>
+                  </a:txBody>
+                  <a:tcPr marL="50800" marR="50800" marT="50800" marB="50800" anchor="ctr" anchorCtr="0" horzOverflow="overflow"/>
+                </a:tc>
+              </a:tr>
+              <a:tr h="647755">
+                <a:tc>
+                  <a:txBody>
+                    <a:bodyPr/>
+                    <a:lstStyle/>
+                    <a:p>
+                      <a:pPr defTabSz="914400">
+                        <a:defRPr sz="1800"/>
+                      </a:pPr>
+                      <a:r>
+                        <a:rPr sz="3200">
+                          <a:sym typeface="Helvetica Neue"/>
+                        </a:rPr>
+                        <a:t>&lt;&lt;</a:t>
+                      </a:r>
+                    </a:p>
+                  </a:txBody>
+                  <a:tcPr marL="50800" marR="50800" marT="50800" marB="50800" anchor="ctr" anchorCtr="0" horzOverflow="overflow"/>
+                </a:tc>
+                <a:tc>
+                  <a:txBody>
+                    <a:bodyPr/>
+                    <a:lstStyle/>
+                    <a:p>
+                      <a:pPr defTabSz="914400">
+                        <a:defRPr sz="1800"/>
+                      </a:pPr>
+                      <a:r>
+                        <a:rPr sz="3200">
+                          <a:sym typeface="Helvetica Neue"/>
+                        </a:rPr>
+                        <a:t>&gt;&gt;</a:t>
+                      </a:r>
+                    </a:p>
+                  </a:txBody>
+                  <a:tcPr marL="50800" marR="50800" marT="50800" marB="50800" anchor="ctr" anchorCtr="0" horzOverflow="overflow"/>
+                </a:tc>
+                <a:tc>
+                  <a:txBody>
+                    <a:bodyPr/>
+                    <a:lstStyle/>
+                    <a:p>
+                      <a:pPr defTabSz="914400">
+                        <a:defRPr sz="1800"/>
+                      </a:pPr>
+                      <a:r>
+                        <a:rPr sz="3200">
+                          <a:sym typeface="Helvetica Neue"/>
+                        </a:rPr>
+                        <a:t>&gt;&gt;&gt;</a:t>
+                      </a:r>
+                    </a:p>
+                  </a:txBody>
+                  <a:tcPr marL="50800" marR="50800" marT="50800" marB="50800" anchor="ctr" anchorCtr="0" horzOverflow="overflow"/>
+                </a:tc>
+                <a:tc>
+                  <a:txBody>
+                    <a:bodyPr/>
+                    <a:lstStyle/>
+                    <a:p>
+                      <a:pPr defTabSz="914400">
+                        <a:defRPr sz="3200">
+                          <a:sym typeface="Helvetica Neue"/>
+                        </a:defRPr>
+                      </a:pPr>
+                    </a:p>
+                  </a:txBody>
+                  <a:tcPr marL="50800" marR="50800" marT="50800" marB="50800" anchor="ctr" anchorCtr="0" horzOverflow="overflow"/>
+                </a:tc>
+                <a:tc>
+                  <a:txBody>
+                    <a:bodyPr/>
+                    <a:lstStyle/>
+                    <a:p>
+                      <a:pPr defTabSz="914400">
+                        <a:defRPr sz="3200">
+                          <a:sym typeface="Helvetica Neue"/>
+                        </a:defRPr>
+                      </a:pPr>
+                    </a:p>
+                  </a:txBody>
+                  <a:tcPr marL="50800" marR="50800" marT="50800" marB="50800" anchor="ctr" anchorCtr="0" horzOverflow="overflow"/>
+                </a:tc>
+                <a:tc>
+                  <a:txBody>
+                    <a:bodyPr/>
+                    <a:lstStyle/>
+                    <a:p>
+                      <a:pPr defTabSz="914400">
+                        <a:defRPr sz="3200">
+                          <a:sym typeface="Helvetica Neue"/>
+                        </a:defRPr>
+                      </a:pPr>
+                    </a:p>
+                  </a:txBody>
+                  <a:tcPr marL="50800" marR="50800" marT="50800" marB="50800" anchor="ctr" anchorCtr="0" horzOverflow="overflow"/>
+                </a:tc>
+                <a:tc>
+                  <a:txBody>
+                    <a:bodyPr/>
+                    <a:lstStyle/>
+                    <a:p>
+                      <a:pPr defTabSz="914400">
+                        <a:defRPr sz="3200">
+                          <a:sym typeface="Helvetica Neue"/>
+                        </a:defRPr>
+                      </a:pPr>
+                    </a:p>
+                  </a:txBody>
+                  <a:tcPr marL="50800" marR="50800" marT="50800" marB="50800" anchor="ctr" anchorCtr="0" horzOverflow="overflow"/>
+                </a:tc>
+                <a:tc>
+                  <a:txBody>
+                    <a:bodyPr/>
+                    <a:lstStyle/>
+                    <a:p>
+                      <a:pPr defTabSz="914400">
+                        <a:defRPr sz="3200">
+                          <a:sym typeface="Helvetica Neue"/>
+                        </a:defRPr>
+                      </a:pPr>
+                    </a:p>
+                  </a:txBody>
+                  <a:tcPr marL="50800" marR="50800" marT="50800" marB="50800" anchor="ctr" anchorCtr="0" horzOverflow="overflow"/>
+                </a:tc>
+                <a:tc>
+                  <a:txBody>
+                    <a:bodyPr/>
+                    <a:lstStyle/>
+                    <a:p>
+                      <a:pPr defTabSz="914400">
+                        <a:defRPr sz="3200">
+                          <a:sym typeface="Helvetica Neue"/>
+                        </a:defRPr>
+                      </a:pPr>
+                    </a:p>
+                  </a:txBody>
+                  <a:tcPr marL="50800" marR="50800" marT="50800" marB="50800" anchor="ctr" anchorCtr="0" horzOverflow="overflow"/>
+                </a:tc>
+                <a:tc>
+                  <a:txBody>
+                    <a:bodyPr/>
+                    <a:lstStyle/>
+                    <a:p>
+                      <a:pPr defTabSz="914400">
+                        <a:defRPr sz="3200">
+                          <a:sym typeface="Helvetica Neue"/>
+                        </a:defRPr>
+                      </a:pPr>
+                    </a:p>
+                  </a:txBody>
+                  <a:tcPr marL="50800" marR="50800" marT="50800" marB="50800" anchor="ctr" anchorCtr="0" horzOverflow="overflow"/>
+                </a:tc>
+                <a:tc>
+                  <a:txBody>
+                    <a:bodyPr/>
+                    <a:lstStyle/>
+                    <a:p>
+                      <a:pPr defTabSz="914400">
+                        <a:defRPr sz="3200">
+                          <a:sym typeface="Helvetica Neue"/>
+                        </a:defRPr>
+                      </a:pPr>
+                    </a:p>
+                  </a:txBody>
+                  <a:tcPr marL="50800" marR="50800" marT="50800" marB="50800" anchor="ctr" anchorCtr="0" horzOverflow="overflow"/>
+                </a:tc>
+                <a:tc>
+                  <a:txBody>
+                    <a:bodyPr/>
+                    <a:lstStyle/>
+                    <a:p>
+                      <a:pPr defTabSz="914400">
+                        <a:defRPr sz="3200">
+                          <a:sym typeface="Helvetica Neue"/>
+                        </a:defRPr>
+                      </a:pPr>
+                    </a:p>
+                  </a:txBody>
+                  <a:tcPr marL="50800" marR="50800" marT="50800" marB="50800" anchor="ctr" anchorCtr="0" horzOverflow="overflow"/>
+                </a:tc>
+              </a:tr>
+              <a:tr h="647755">
+                <a:tc>
+                  <a:txBody>
+                    <a:bodyPr/>
+                    <a:lstStyle/>
+                    <a:p>
+                      <a:pPr defTabSz="914400">
+                        <a:defRPr sz="1800"/>
+                      </a:pPr>
+                      <a:r>
+                        <a:rPr sz="3200">
+                          <a:sym typeface="Helvetica Neue"/>
+                        </a:rPr>
+                        <a:t>&lt;</a:t>
+                      </a:r>
+                    </a:p>
+                  </a:txBody>
+                  <a:tcPr marL="50800" marR="50800" marT="50800" marB="50800" anchor="ctr" anchorCtr="0" horzOverflow="overflow"/>
+                </a:tc>
+                <a:tc>
+                  <a:txBody>
+                    <a:bodyPr/>
+                    <a:lstStyle/>
+                    <a:p>
+                      <a:pPr defTabSz="914400">
+                        <a:defRPr sz="1800"/>
+                      </a:pPr>
+                      <a:r>
+                        <a:rPr sz="3200">
+                          <a:sym typeface="Helvetica Neue"/>
+                        </a:rPr>
+                        <a:t>&lt;=</a:t>
+                      </a:r>
+                    </a:p>
+                  </a:txBody>
+                  <a:tcPr marL="50800" marR="50800" marT="50800" marB="50800" anchor="ctr" anchorCtr="0" horzOverflow="overflow"/>
+                </a:tc>
+                <a:tc>
+                  <a:txBody>
+                    <a:bodyPr/>
+                    <a:lstStyle/>
+                    <a:p>
+                      <a:pPr defTabSz="914400">
+                        <a:defRPr sz="1800"/>
+                      </a:pPr>
+                      <a:r>
+                        <a:rPr sz="3200">
+                          <a:sym typeface="Helvetica Neue"/>
+                        </a:rPr>
+                        <a:t>&gt;</a:t>
+                      </a:r>
+                    </a:p>
+                  </a:txBody>
+                  <a:tcPr marL="50800" marR="50800" marT="50800" marB="50800" anchor="ctr" anchorCtr="0" horzOverflow="overflow"/>
+                </a:tc>
+                <a:tc>
+                  <a:txBody>
+                    <a:bodyPr/>
+                    <a:lstStyle/>
+                    <a:p>
+                      <a:pPr defTabSz="914400">
+                        <a:defRPr sz="1800"/>
+                      </a:pPr>
+                      <a:r>
+                        <a:rPr sz="3200">
+                          <a:sym typeface="Helvetica Neue"/>
+                        </a:rPr>
+                        <a:t>&gt;=</a:t>
+                      </a:r>
+                    </a:p>
+                  </a:txBody>
+                  <a:tcPr marL="50800" marR="50800" marT="50800" marB="50800" anchor="ctr" anchorCtr="0" horzOverflow="overflow"/>
+                </a:tc>
+                <a:tc>
+                  <a:txBody>
+                    <a:bodyPr/>
+                    <a:lstStyle/>
+                    <a:p>
+                      <a:pPr defTabSz="914400">
+                        <a:defRPr sz="3200">
+                          <a:sym typeface="Helvetica Neue"/>
+                        </a:defRPr>
+                      </a:pPr>
+                    </a:p>
+                  </a:txBody>
+                  <a:tcPr marL="50800" marR="50800" marT="50800" marB="50800" anchor="ctr" anchorCtr="0" horzOverflow="overflow"/>
+                </a:tc>
+                <a:tc>
+                  <a:txBody>
+                    <a:bodyPr/>
+                    <a:lstStyle/>
+                    <a:p>
+                      <a:pPr defTabSz="914400">
+                        <a:defRPr sz="3200">
+                          <a:sym typeface="Helvetica Neue"/>
+                        </a:defRPr>
+                      </a:pPr>
+                    </a:p>
+                  </a:txBody>
+                  <a:tcPr marL="50800" marR="50800" marT="50800" marB="50800" anchor="ctr" anchorCtr="0" horzOverflow="overflow"/>
+                </a:tc>
+                <a:tc>
+                  <a:txBody>
+                    <a:bodyPr/>
+                    <a:lstStyle/>
+                    <a:p>
+                      <a:pPr defTabSz="914400">
+                        <a:defRPr sz="3200">
+                          <a:sym typeface="Helvetica Neue"/>
+                        </a:defRPr>
+                      </a:pPr>
+                    </a:p>
+                  </a:txBody>
+                  <a:tcPr marL="50800" marR="50800" marT="50800" marB="50800" anchor="ctr" anchorCtr="0" horzOverflow="overflow"/>
+                </a:tc>
+                <a:tc>
+                  <a:txBody>
+                    <a:bodyPr/>
+                    <a:lstStyle/>
+                    <a:p>
+                      <a:pPr defTabSz="914400">
+                        <a:defRPr sz="3200">
+                          <a:sym typeface="Helvetica Neue"/>
+                        </a:defRPr>
+                      </a:pPr>
+                    </a:p>
+                  </a:txBody>
+                  <a:tcPr marL="50800" marR="50800" marT="50800" marB="50800" anchor="ctr" anchorCtr="0" horzOverflow="overflow"/>
+                </a:tc>
+                <a:tc>
+                  <a:txBody>
+                    <a:bodyPr/>
+                    <a:lstStyle/>
+                    <a:p>
+                      <a:pPr defTabSz="914400">
+                        <a:defRPr sz="3200">
+                          <a:sym typeface="Helvetica Neue"/>
+                        </a:defRPr>
+                      </a:pPr>
+                    </a:p>
+                  </a:txBody>
+                  <a:tcPr marL="50800" marR="50800" marT="50800" marB="50800" anchor="ctr" anchorCtr="0" horzOverflow="overflow"/>
+                </a:tc>
+                <a:tc>
+                  <a:txBody>
+                    <a:bodyPr/>
+                    <a:lstStyle/>
+                    <a:p>
+                      <a:pPr defTabSz="914400">
+                        <a:defRPr sz="3200">
+                          <a:sym typeface="Helvetica Neue"/>
+                        </a:defRPr>
+                      </a:pPr>
+                    </a:p>
+                  </a:txBody>
+                  <a:tcPr marL="50800" marR="50800" marT="50800" marB="50800" anchor="ctr" anchorCtr="0" horzOverflow="overflow"/>
+                </a:tc>
+                <a:tc>
+                  <a:txBody>
+                    <a:bodyPr/>
+                    <a:lstStyle/>
+                    <a:p>
+                      <a:pPr defTabSz="914400">
+                        <a:defRPr sz="3200">
+                          <a:sym typeface="Helvetica Neue"/>
+                        </a:defRPr>
+                      </a:pPr>
+                    </a:p>
+                  </a:txBody>
+                  <a:tcPr marL="50800" marR="50800" marT="50800" marB="50800" anchor="ctr" anchorCtr="0" horzOverflow="overflow"/>
+                </a:tc>
+                <a:tc>
+                  <a:txBody>
+                    <a:bodyPr/>
+                    <a:lstStyle/>
+                    <a:p>
+                      <a:pPr defTabSz="914400">
+                        <a:defRPr sz="3200">
+                          <a:sym typeface="Helvetica Neue"/>
+                        </a:defRPr>
+                      </a:pPr>
+                    </a:p>
+                  </a:txBody>
+                  <a:tcPr marL="50800" marR="50800" marT="50800" marB="50800" anchor="ctr" anchorCtr="0" horzOverflow="overflow"/>
+                </a:tc>
+              </a:tr>
+              <a:tr h="647755">
+                <a:tc>
+                  <a:txBody>
+                    <a:bodyPr/>
+                    <a:lstStyle/>
+                    <a:p>
+                      <a:pPr defTabSz="914400">
+                        <a:defRPr sz="1800"/>
+                      </a:pPr>
+                      <a:r>
+                        <a:rPr sz="3200">
+                          <a:sym typeface="Helvetica Neue"/>
+                        </a:rPr>
+                        <a:t> ==</a:t>
+                      </a:r>
+                    </a:p>
+                  </a:txBody>
+                  <a:tcPr marL="50800" marR="50800" marT="50800" marB="50800" anchor="ctr" anchorCtr="0" horzOverflow="overflow"/>
+                </a:tc>
+                <a:tc>
+                  <a:txBody>
+                    <a:bodyPr/>
+                    <a:lstStyle/>
+                    <a:p>
+                      <a:pPr defTabSz="914400">
+                        <a:defRPr sz="1800"/>
+                      </a:pPr>
+                      <a:r>
+                        <a:rPr sz="3200">
+                          <a:sym typeface="Helvetica Neue"/>
+                        </a:rPr>
+                        <a:t>!==</a:t>
+                      </a:r>
+                    </a:p>
+                  </a:txBody>
+                  <a:tcPr marL="50800" marR="50800" marT="50800" marB="50800" anchor="ctr" anchorCtr="0" horzOverflow="overflow"/>
+                </a:tc>
+                <a:tc>
+                  <a:txBody>
+                    <a:bodyPr/>
+                    <a:lstStyle/>
+                    <a:p>
+                      <a:pPr defTabSz="914400">
+                        <a:defRPr sz="1800"/>
+                      </a:pPr>
+                      <a:r>
+                        <a:rPr sz="3200">
+                          <a:sym typeface="Helvetica Neue"/>
+                        </a:rPr>
+                        <a:t> ===</a:t>
+                      </a:r>
+                    </a:p>
+                  </a:txBody>
+                  <a:tcPr marL="50800" marR="50800" marT="50800" marB="50800" anchor="ctr" anchorCtr="0" horzOverflow="overflow"/>
+                </a:tc>
+                <a:tc>
+                  <a:txBody>
+                    <a:bodyPr/>
+                    <a:lstStyle/>
+                    <a:p>
+                      <a:pPr defTabSz="914400">
+                        <a:defRPr sz="3200">
+                          <a:sym typeface="Helvetica Neue"/>
+                        </a:defRPr>
+                      </a:pPr>
+                    </a:p>
+                  </a:txBody>
+                  <a:tcPr marL="50800" marR="50800" marT="50800" marB="50800" anchor="ctr" anchorCtr="0" horzOverflow="overflow"/>
+                </a:tc>
+                <a:tc>
+                  <a:txBody>
+                    <a:bodyPr/>
+                    <a:lstStyle/>
+                    <a:p>
+                      <a:pPr defTabSz="914400">
+                        <a:defRPr sz="3200">
+                          <a:sym typeface="Helvetica Neue"/>
+                        </a:defRPr>
+                      </a:pPr>
+                    </a:p>
+                  </a:txBody>
+                  <a:tcPr marL="50800" marR="50800" marT="50800" marB="50800" anchor="ctr" anchorCtr="0" horzOverflow="overflow"/>
+                </a:tc>
+                <a:tc>
+                  <a:txBody>
+                    <a:bodyPr/>
+                    <a:lstStyle/>
+                    <a:p>
+                      <a:pPr defTabSz="914400">
+                        <a:defRPr sz="3200">
+                          <a:sym typeface="Helvetica Neue"/>
+                        </a:defRPr>
+                      </a:pPr>
+                    </a:p>
+                  </a:txBody>
+                  <a:tcPr marL="50800" marR="50800" marT="50800" marB="50800" anchor="ctr" anchorCtr="0" horzOverflow="overflow"/>
+                </a:tc>
+                <a:tc>
+                  <a:txBody>
+                    <a:bodyPr/>
+                    <a:lstStyle/>
+                    <a:p>
+                      <a:pPr defTabSz="914400">
+                        <a:defRPr sz="3200">
+                          <a:sym typeface="Helvetica Neue"/>
+                        </a:defRPr>
+                      </a:pPr>
+                    </a:p>
+                  </a:txBody>
+                  <a:tcPr marL="50800" marR="50800" marT="50800" marB="50800" anchor="ctr" anchorCtr="0" horzOverflow="overflow"/>
+                </a:tc>
+                <a:tc>
+                  <a:txBody>
+                    <a:bodyPr/>
+                    <a:lstStyle/>
+                    <a:p>
+                      <a:pPr defTabSz="914400">
+                        <a:defRPr sz="3200">
+                          <a:sym typeface="Helvetica Neue"/>
+                        </a:defRPr>
+                      </a:pPr>
+                    </a:p>
+                  </a:txBody>
+                  <a:tcPr marL="50800" marR="50800" marT="50800" marB="50800" anchor="ctr" anchorCtr="0" horzOverflow="overflow"/>
+                </a:tc>
+                <a:tc>
+                  <a:txBody>
+                    <a:bodyPr/>
+                    <a:lstStyle/>
+                    <a:p>
+                      <a:pPr defTabSz="914400">
+                        <a:defRPr sz="3200">
+                          <a:sym typeface="Helvetica Neue"/>
+                        </a:defRPr>
+                      </a:pPr>
+                    </a:p>
+                  </a:txBody>
+                  <a:tcPr marL="50800" marR="50800" marT="50800" marB="50800" anchor="ctr" anchorCtr="0" horzOverflow="overflow"/>
+                </a:tc>
+                <a:tc>
+                  <a:txBody>
+                    <a:bodyPr/>
+                    <a:lstStyle/>
+                    <a:p>
+                      <a:pPr defTabSz="914400">
+                        <a:defRPr sz="3200">
+                          <a:sym typeface="Helvetica Neue"/>
+                        </a:defRPr>
+                      </a:pPr>
+                    </a:p>
+                  </a:txBody>
+                  <a:tcPr marL="50800" marR="50800" marT="50800" marB="50800" anchor="ctr" anchorCtr="0" horzOverflow="overflow"/>
+                </a:tc>
+                <a:tc>
+                  <a:txBody>
+                    <a:bodyPr/>
+                    <a:lstStyle/>
+                    <a:p>
+                      <a:pPr defTabSz="914400">
+                        <a:defRPr sz="3200">
+                          <a:sym typeface="Helvetica Neue"/>
+                        </a:defRPr>
+                      </a:pPr>
+                    </a:p>
+                  </a:txBody>
+                  <a:tcPr marL="50800" marR="50800" marT="50800" marB="50800" anchor="ctr" anchorCtr="0" horzOverflow="overflow"/>
+                </a:tc>
+                <a:tc>
+                  <a:txBody>
+                    <a:bodyPr/>
+                    <a:lstStyle/>
+                    <a:p>
+                      <a:pPr defTabSz="914400">
+                        <a:defRPr sz="3200">
+                          <a:sym typeface="Helvetica Neue"/>
+                        </a:defRPr>
+                      </a:pPr>
+                    </a:p>
+                  </a:txBody>
+                  <a:tcPr marL="50800" marR="50800" marT="50800" marB="50800" anchor="ctr" anchorCtr="0" horzOverflow="overflow"/>
+                </a:tc>
+              </a:tr>
+              <a:tr h="647755">
+                <a:tc>
+                  <a:txBody>
+                    <a:bodyPr/>
+                    <a:lstStyle/>
+                    <a:p>
+                      <a:pPr defTabSz="914400">
+                        <a:defRPr sz="1800"/>
+                      </a:pPr>
+                      <a:r>
+                        <a:rPr sz="3200">
+                          <a:sym typeface="Helvetica Neue"/>
+                        </a:rPr>
+                        <a:t>&amp;</a:t>
+                      </a:r>
+                    </a:p>
+                  </a:txBody>
+                  <a:tcPr marL="50800" marR="50800" marT="50800" marB="50800" anchor="ctr" anchorCtr="0" horzOverflow="overflow"/>
+                </a:tc>
+                <a:tc>
+                  <a:txBody>
+                    <a:bodyPr/>
+                    <a:lstStyle/>
+                    <a:p>
+                      <a:pPr defTabSz="914400">
+                        <a:defRPr sz="3200">
+                          <a:sym typeface="Helvetica Neue"/>
+                        </a:defRPr>
+                      </a:pPr>
+                    </a:p>
+                  </a:txBody>
+                  <a:tcPr marL="50800" marR="50800" marT="50800" marB="50800" anchor="ctr" anchorCtr="0" horzOverflow="overflow"/>
+                </a:tc>
+                <a:tc>
+                  <a:txBody>
+                    <a:bodyPr/>
+                    <a:lstStyle/>
+                    <a:p>
+                      <a:pPr defTabSz="914400">
+                        <a:defRPr sz="3200">
+                          <a:sym typeface="Helvetica Neue"/>
+                        </a:defRPr>
+                      </a:pPr>
+                    </a:p>
+                  </a:txBody>
+                  <a:tcPr marL="50800" marR="50800" marT="50800" marB="50800" anchor="ctr" anchorCtr="0" horzOverflow="overflow"/>
+                </a:tc>
+                <a:tc>
+                  <a:txBody>
+                    <a:bodyPr/>
+                    <a:lstStyle/>
+                    <a:p>
+                      <a:pPr defTabSz="914400">
+                        <a:defRPr sz="3200">
+                          <a:sym typeface="Helvetica Neue"/>
+                        </a:defRPr>
+                      </a:pPr>
+                    </a:p>
+                  </a:txBody>
+                  <a:tcPr marL="50800" marR="50800" marT="50800" marB="50800" anchor="ctr" anchorCtr="0" horzOverflow="overflow"/>
+                </a:tc>
+                <a:tc>
+                  <a:txBody>
+                    <a:bodyPr/>
+                    <a:lstStyle/>
+                    <a:p>
+                      <a:pPr defTabSz="914400">
+                        <a:defRPr sz="3200">
+                          <a:sym typeface="Helvetica Neue"/>
+                        </a:defRPr>
+                      </a:pPr>
+                    </a:p>
+                  </a:txBody>
+                  <a:tcPr marL="50800" marR="50800" marT="50800" marB="50800" anchor="ctr" anchorCtr="0" horzOverflow="overflow"/>
+                </a:tc>
+                <a:tc>
+                  <a:txBody>
+                    <a:bodyPr/>
+                    <a:lstStyle/>
+                    <a:p>
+                      <a:pPr defTabSz="914400">
+                        <a:defRPr sz="3200">
+                          <a:sym typeface="Helvetica Neue"/>
+                        </a:defRPr>
+                      </a:pPr>
+                    </a:p>
+                  </a:txBody>
+                  <a:tcPr marL="50800" marR="50800" marT="50800" marB="50800" anchor="ctr" anchorCtr="0" horzOverflow="overflow"/>
+                </a:tc>
+                <a:tc>
+                  <a:txBody>
+                    <a:bodyPr/>
+                    <a:lstStyle/>
+                    <a:p>
+                      <a:pPr defTabSz="914400">
+                        <a:defRPr sz="3200">
+                          <a:sym typeface="Helvetica Neue"/>
+                        </a:defRPr>
+                      </a:pPr>
+                    </a:p>
+                  </a:txBody>
+                  <a:tcPr marL="50800" marR="50800" marT="50800" marB="50800" anchor="ctr" anchorCtr="0" horzOverflow="overflow"/>
+                </a:tc>
+                <a:tc>
+                  <a:txBody>
+                    <a:bodyPr/>
+                    <a:lstStyle/>
+                    <a:p>
+                      <a:pPr defTabSz="914400">
+                        <a:defRPr sz="3200">
+                          <a:sym typeface="Helvetica Neue"/>
+                        </a:defRPr>
+                      </a:pPr>
+                    </a:p>
+                  </a:txBody>
+                  <a:tcPr marL="50800" marR="50800" marT="50800" marB="50800" anchor="ctr" anchorCtr="0" horzOverflow="overflow"/>
+                </a:tc>
+                <a:tc>
+                  <a:txBody>
+                    <a:bodyPr/>
+                    <a:lstStyle/>
+                    <a:p>
+                      <a:pPr defTabSz="914400">
+                        <a:defRPr sz="3200">
+                          <a:sym typeface="Helvetica Neue"/>
+                        </a:defRPr>
+                      </a:pPr>
+                    </a:p>
+                  </a:txBody>
+                  <a:tcPr marL="50800" marR="50800" marT="50800" marB="50800" anchor="ctr" anchorCtr="0" horzOverflow="overflow"/>
+                </a:tc>
+                <a:tc>
+                  <a:txBody>
+                    <a:bodyPr/>
+                    <a:lstStyle/>
+                    <a:p>
+                      <a:pPr defTabSz="914400">
+                        <a:defRPr sz="3200">
+                          <a:sym typeface="Helvetica Neue"/>
+                        </a:defRPr>
+                      </a:pPr>
+                    </a:p>
+                  </a:txBody>
+                  <a:tcPr marL="50800" marR="50800" marT="50800" marB="50800" anchor="ctr" anchorCtr="0" horzOverflow="overflow"/>
+                </a:tc>
+                <a:tc>
+                  <a:txBody>
+                    <a:bodyPr/>
+                    <a:lstStyle/>
+                    <a:p>
+                      <a:pPr defTabSz="914400">
+                        <a:defRPr sz="3200">
+                          <a:sym typeface="Helvetica Neue"/>
+                        </a:defRPr>
+                      </a:pPr>
+                    </a:p>
+                  </a:txBody>
+                  <a:tcPr marL="50800" marR="50800" marT="50800" marB="50800" anchor="ctr" anchorCtr="0" horzOverflow="overflow"/>
+                </a:tc>
+                <a:tc>
+                  <a:txBody>
+                    <a:bodyPr/>
+                    <a:lstStyle/>
+                    <a:p>
+                      <a:pPr defTabSz="914400">
+                        <a:defRPr sz="3200">
+                          <a:sym typeface="Helvetica Neue"/>
+                        </a:defRPr>
+                      </a:pPr>
+                    </a:p>
+                  </a:txBody>
+                  <a:tcPr marL="50800" marR="50800" marT="50800" marB="50800" anchor="ctr" anchorCtr="0" horzOverflow="overflow"/>
+                </a:tc>
+              </a:tr>
+              <a:tr h="647755">
+                <a:tc>
+                  <a:txBody>
+                    <a:bodyPr/>
+                    <a:lstStyle/>
+                    <a:p>
+                      <a:pPr defTabSz="914400">
+                        <a:defRPr sz="1800"/>
+                      </a:pPr>
+                      <a:r>
+                        <a:rPr sz="3200">
+                          <a:sym typeface="Helvetica Neue"/>
+                        </a:rPr>
+                        <a:t>^</a:t>
+                      </a:r>
+                    </a:p>
+                  </a:txBody>
+                  <a:tcPr marL="50800" marR="50800" marT="50800" marB="50800" anchor="ctr" anchorCtr="0" horzOverflow="overflow"/>
+                </a:tc>
+                <a:tc>
+                  <a:txBody>
+                    <a:bodyPr/>
+                    <a:lstStyle/>
+                    <a:p>
+                      <a:pPr defTabSz="914400">
+                        <a:defRPr sz="3200">
+                          <a:sym typeface="Helvetica Neue"/>
+                        </a:defRPr>
+                      </a:pPr>
+                    </a:p>
+                  </a:txBody>
+                  <a:tcPr marL="50800" marR="50800" marT="50800" marB="50800" anchor="ctr" anchorCtr="0" horzOverflow="overflow"/>
+                </a:tc>
+                <a:tc>
+                  <a:txBody>
+                    <a:bodyPr/>
+                    <a:lstStyle/>
+                    <a:p>
+                      <a:pPr defTabSz="914400">
+                        <a:defRPr sz="3200">
+                          <a:sym typeface="Helvetica Neue"/>
+                        </a:defRPr>
+                      </a:pPr>
+                    </a:p>
+                  </a:txBody>
+                  <a:tcPr marL="50800" marR="50800" marT="50800" marB="50800" anchor="ctr" anchorCtr="0" horzOverflow="overflow"/>
+                </a:tc>
+                <a:tc>
+                  <a:txBody>
+                    <a:bodyPr/>
+                    <a:lstStyle/>
+                    <a:p>
+                      <a:pPr defTabSz="914400">
+                        <a:defRPr sz="3200">
+                          <a:sym typeface="Helvetica Neue"/>
+                        </a:defRPr>
+                      </a:pPr>
+                    </a:p>
+                  </a:txBody>
+                  <a:tcPr marL="50800" marR="50800" marT="50800" marB="50800" anchor="ctr" anchorCtr="0" horzOverflow="overflow"/>
+                </a:tc>
+                <a:tc>
+                  <a:txBody>
+                    <a:bodyPr/>
+                    <a:lstStyle/>
+                    <a:p>
+                      <a:pPr defTabSz="914400">
+                        <a:defRPr sz="3200">
+                          <a:sym typeface="Helvetica Neue"/>
+                        </a:defRPr>
+                      </a:pPr>
+                    </a:p>
+                  </a:txBody>
+                  <a:tcPr marL="50800" marR="50800" marT="50800" marB="50800" anchor="ctr" anchorCtr="0" horzOverflow="overflow"/>
+                </a:tc>
+                <a:tc>
+                  <a:txBody>
+                    <a:bodyPr/>
+                    <a:lstStyle/>
+                    <a:p>
+                      <a:pPr defTabSz="914400">
+                        <a:defRPr sz="3200">
+                          <a:sym typeface="Helvetica Neue"/>
+                        </a:defRPr>
+                      </a:pPr>
+                    </a:p>
+                  </a:txBody>
+                  <a:tcPr marL="50800" marR="50800" marT="50800" marB="50800" anchor="ctr" anchorCtr="0" horzOverflow="overflow"/>
+                </a:tc>
+                <a:tc>
+                  <a:txBody>
+                    <a:bodyPr/>
+                    <a:lstStyle/>
+                    <a:p>
+                      <a:pPr defTabSz="914400">
+                        <a:defRPr sz="3200">
+                          <a:sym typeface="Helvetica Neue"/>
+                        </a:defRPr>
+                      </a:pPr>
+                    </a:p>
+                  </a:txBody>
+                  <a:tcPr marL="50800" marR="50800" marT="50800" marB="50800" anchor="ctr" anchorCtr="0" horzOverflow="overflow"/>
+                </a:tc>
+                <a:tc>
+                  <a:txBody>
+                    <a:bodyPr/>
+                    <a:lstStyle/>
+                    <a:p>
+                      <a:pPr defTabSz="914400">
+                        <a:defRPr sz="3200">
+                          <a:sym typeface="Helvetica Neue"/>
+                        </a:defRPr>
+                      </a:pPr>
+                    </a:p>
+                  </a:txBody>
+                  <a:tcPr marL="50800" marR="50800" marT="50800" marB="50800" anchor="ctr" anchorCtr="0" horzOverflow="overflow"/>
+                </a:tc>
+                <a:tc>
+                  <a:txBody>
+                    <a:bodyPr/>
+                    <a:lstStyle/>
+                    <a:p>
+                      <a:pPr defTabSz="914400">
+                        <a:defRPr sz="3200">
+                          <a:sym typeface="Helvetica Neue"/>
+                        </a:defRPr>
+                      </a:pPr>
+                    </a:p>
+                  </a:txBody>
+                  <a:tcPr marL="50800" marR="50800" marT="50800" marB="50800" anchor="ctr" anchorCtr="0" horzOverflow="overflow"/>
+                </a:tc>
+                <a:tc>
+                  <a:txBody>
+                    <a:bodyPr/>
+                    <a:lstStyle/>
+                    <a:p>
+                      <a:pPr defTabSz="914400">
+                        <a:defRPr sz="3200">
+                          <a:sym typeface="Helvetica Neue"/>
+                        </a:defRPr>
+                      </a:pPr>
+                    </a:p>
+                  </a:txBody>
+                  <a:tcPr marL="50800" marR="50800" marT="50800" marB="50800" anchor="ctr" anchorCtr="0" horzOverflow="overflow"/>
+                </a:tc>
+                <a:tc>
+                  <a:txBody>
+                    <a:bodyPr/>
+                    <a:lstStyle/>
+                    <a:p>
+                      <a:pPr defTabSz="914400">
+                        <a:defRPr sz="3200">
+                          <a:sym typeface="Helvetica Neue"/>
+                        </a:defRPr>
+                      </a:pPr>
+                    </a:p>
+                  </a:txBody>
+                  <a:tcPr marL="50800" marR="50800" marT="50800" marB="50800" anchor="ctr" anchorCtr="0" horzOverflow="overflow"/>
+                </a:tc>
+                <a:tc>
+                  <a:txBody>
+                    <a:bodyPr/>
+                    <a:lstStyle/>
+                    <a:p>
+                      <a:pPr defTabSz="914400">
+                        <a:defRPr sz="3200">
+                          <a:sym typeface="Helvetica Neue"/>
+                        </a:defRPr>
+                      </a:pPr>
+                    </a:p>
+                  </a:txBody>
+                  <a:tcPr marL="50800" marR="50800" marT="50800" marB="50800" anchor="ctr" anchorCtr="0" horzOverflow="overflow"/>
+                </a:tc>
+              </a:tr>
+              <a:tr h="647755">
+                <a:tc>
+                  <a:txBody>
+                    <a:bodyPr/>
+                    <a:lstStyle/>
+                    <a:p>
+                      <a:pPr defTabSz="914400">
+                        <a:defRPr sz="1800"/>
+                      </a:pPr>
+                      <a:r>
+                        <a:rPr sz="3200">
+                          <a:sym typeface="Helvetica Neue"/>
+                        </a:rPr>
+                        <a:t>|</a:t>
+                      </a:r>
+                    </a:p>
+                  </a:txBody>
+                  <a:tcPr marL="50800" marR="50800" marT="50800" marB="50800" anchor="ctr" anchorCtr="0" horzOverflow="overflow"/>
+                </a:tc>
+                <a:tc>
+                  <a:txBody>
+                    <a:bodyPr/>
+                    <a:lstStyle/>
+                    <a:p>
+                      <a:pPr defTabSz="914400">
+                        <a:defRPr sz="3200">
+                          <a:sym typeface="Helvetica Neue"/>
+                        </a:defRPr>
+                      </a:pPr>
+                    </a:p>
+                  </a:txBody>
+                  <a:tcPr marL="50800" marR="50800" marT="50800" marB="50800" anchor="ctr" anchorCtr="0" horzOverflow="overflow"/>
+                </a:tc>
+                <a:tc>
+                  <a:txBody>
+                    <a:bodyPr/>
+                    <a:lstStyle/>
+                    <a:p>
+                      <a:pPr defTabSz="914400">
+                        <a:defRPr sz="3200">
+                          <a:sym typeface="Helvetica Neue"/>
+                        </a:defRPr>
+                      </a:pPr>
+                    </a:p>
+                  </a:txBody>
+                  <a:tcPr marL="50800" marR="50800" marT="50800" marB="50800" anchor="ctr" anchorCtr="0" horzOverflow="overflow"/>
+                </a:tc>
+                <a:tc>
+                  <a:txBody>
+                    <a:bodyPr/>
+                    <a:lstStyle/>
+                    <a:p>
+                      <a:pPr defTabSz="914400">
+                        <a:defRPr sz="3200">
+                          <a:sym typeface="Helvetica Neue"/>
+                        </a:defRPr>
+                      </a:pPr>
+                    </a:p>
+                  </a:txBody>
+                  <a:tcPr marL="50800" marR="50800" marT="50800" marB="50800" anchor="ctr" anchorCtr="0" horzOverflow="overflow"/>
+                </a:tc>
+                <a:tc>
+                  <a:txBody>
+                    <a:bodyPr/>
+                    <a:lstStyle/>
+                    <a:p>
+                      <a:pPr defTabSz="914400">
+                        <a:defRPr sz="3200">
+                          <a:sym typeface="Helvetica Neue"/>
+                        </a:defRPr>
+                      </a:pPr>
+                    </a:p>
+                  </a:txBody>
+                  <a:tcPr marL="50800" marR="50800" marT="50800" marB="50800" anchor="ctr" anchorCtr="0" horzOverflow="overflow"/>
+                </a:tc>
+                <a:tc>
+                  <a:txBody>
+                    <a:bodyPr/>
+                    <a:lstStyle/>
+                    <a:p>
+                      <a:pPr defTabSz="914400">
+                        <a:defRPr sz="3200">
+                          <a:sym typeface="Helvetica Neue"/>
+                        </a:defRPr>
+                      </a:pPr>
+                    </a:p>
+                  </a:txBody>
+                  <a:tcPr marL="50800" marR="50800" marT="50800" marB="50800" anchor="ctr" anchorCtr="0" horzOverflow="overflow"/>
+                </a:tc>
+                <a:tc>
+                  <a:txBody>
+                    <a:bodyPr/>
+                    <a:lstStyle/>
+                    <a:p>
+                      <a:pPr defTabSz="914400">
+                        <a:defRPr sz="3200">
+                          <a:sym typeface="Helvetica Neue"/>
+                        </a:defRPr>
+                      </a:pPr>
+                    </a:p>
+                  </a:txBody>
+                  <a:tcPr marL="50800" marR="50800" marT="50800" marB="50800" anchor="ctr" anchorCtr="0" horzOverflow="overflow"/>
+                </a:tc>
+                <a:tc>
+                  <a:txBody>
+                    <a:bodyPr/>
+                    <a:lstStyle/>
+                    <a:p>
+                      <a:pPr defTabSz="914400">
+                        <a:defRPr sz="3200">
+                          <a:sym typeface="Helvetica Neue"/>
+                        </a:defRPr>
+                      </a:pPr>
+                    </a:p>
+                  </a:txBody>
+                  <a:tcPr marL="50800" marR="50800" marT="50800" marB="50800" anchor="ctr" anchorCtr="0" horzOverflow="overflow"/>
+                </a:tc>
+                <a:tc>
+                  <a:txBody>
+                    <a:bodyPr/>
+                    <a:lstStyle/>
+                    <a:p>
+                      <a:pPr defTabSz="914400">
+                        <a:defRPr sz="3200">
+                          <a:sym typeface="Helvetica Neue"/>
+                        </a:defRPr>
+                      </a:pPr>
+                    </a:p>
+                  </a:txBody>
+                  <a:tcPr marL="50800" marR="50800" marT="50800" marB="50800" anchor="ctr" anchorCtr="0" horzOverflow="overflow"/>
+                </a:tc>
+                <a:tc>
+                  <a:txBody>
+                    <a:bodyPr/>
+                    <a:lstStyle/>
+                    <a:p>
+                      <a:pPr defTabSz="914400">
+                        <a:defRPr sz="3200">
+                          <a:sym typeface="Helvetica Neue"/>
+                        </a:defRPr>
+                      </a:pPr>
+                    </a:p>
+                  </a:txBody>
+                  <a:tcPr marL="50800" marR="50800" marT="50800" marB="50800" anchor="ctr" anchorCtr="0" horzOverflow="overflow"/>
+                </a:tc>
+                <a:tc>
+                  <a:txBody>
+                    <a:bodyPr/>
+                    <a:lstStyle/>
+                    <a:p>
+                      <a:pPr defTabSz="914400">
+                        <a:defRPr sz="3200">
+                          <a:sym typeface="Helvetica Neue"/>
+                        </a:defRPr>
+                      </a:pPr>
+                    </a:p>
+                  </a:txBody>
+                  <a:tcPr marL="50800" marR="50800" marT="50800" marB="50800" anchor="ctr" anchorCtr="0" horzOverflow="overflow"/>
+                </a:tc>
+                <a:tc>
+                  <a:txBody>
+                    <a:bodyPr/>
+                    <a:lstStyle/>
+                    <a:p>
+                      <a:pPr defTabSz="914400">
+                        <a:defRPr sz="3200">
+                          <a:sym typeface="Helvetica Neue"/>
+                        </a:defRPr>
+                      </a:pPr>
+                    </a:p>
+                  </a:txBody>
+                  <a:tcPr marL="50800" marR="50800" marT="50800" marB="50800" anchor="ctr" anchorCtr="0" horzOverflow="overflow"/>
+                </a:tc>
+              </a:tr>
+              <a:tr h="647755">
+                <a:tc>
+                  <a:txBody>
+                    <a:bodyPr/>
+                    <a:lstStyle/>
+                    <a:p>
+                      <a:pPr defTabSz="914400">
+                        <a:defRPr sz="1800"/>
+                      </a:pPr>
+                      <a:r>
+                        <a:rPr sz="3200">
+                          <a:sym typeface="Helvetica Neue"/>
+                        </a:rPr>
+                        <a:t>&amp;&amp;</a:t>
+                      </a:r>
+                    </a:p>
+                  </a:txBody>
+                  <a:tcPr marL="50800" marR="50800" marT="50800" marB="50800" anchor="ctr" anchorCtr="0" horzOverflow="overflow"/>
+                </a:tc>
+                <a:tc>
+                  <a:txBody>
+                    <a:bodyPr/>
+                    <a:lstStyle/>
+                    <a:p>
+                      <a:pPr defTabSz="914400">
+                        <a:defRPr sz="3200">
+                          <a:sym typeface="Helvetica Neue"/>
+                        </a:defRPr>
+                      </a:pPr>
+                    </a:p>
+                  </a:txBody>
+                  <a:tcPr marL="50800" marR="50800" marT="50800" marB="50800" anchor="ctr" anchorCtr="0" horzOverflow="overflow"/>
+                </a:tc>
+                <a:tc>
+                  <a:txBody>
+                    <a:bodyPr/>
+                    <a:lstStyle/>
+                    <a:p>
+                      <a:pPr defTabSz="914400">
+                        <a:defRPr sz="3200">
+                          <a:sym typeface="Helvetica Neue"/>
+                        </a:defRPr>
+                      </a:pPr>
+                    </a:p>
+                  </a:txBody>
+                  <a:tcPr marL="50800" marR="50800" marT="50800" marB="50800" anchor="ctr" anchorCtr="0" horzOverflow="overflow"/>
+                </a:tc>
+                <a:tc>
+                  <a:txBody>
+                    <a:bodyPr/>
+                    <a:lstStyle/>
+                    <a:p>
+                      <a:pPr defTabSz="914400">
+                        <a:defRPr sz="3200">
+                          <a:sym typeface="Helvetica Neue"/>
+                        </a:defRPr>
+                      </a:pPr>
+                    </a:p>
+                  </a:txBody>
+                  <a:tcPr marL="50800" marR="50800" marT="50800" marB="50800" anchor="ctr" anchorCtr="0" horzOverflow="overflow"/>
+                </a:tc>
+                <a:tc>
+                  <a:txBody>
+                    <a:bodyPr/>
+                    <a:lstStyle/>
+                    <a:p>
+                      <a:pPr defTabSz="914400">
+                        <a:defRPr sz="3200">
+                          <a:sym typeface="Helvetica Neue"/>
+                        </a:defRPr>
+                      </a:pPr>
+                    </a:p>
+                  </a:txBody>
+                  <a:tcPr marL="50800" marR="50800" marT="50800" marB="50800" anchor="ctr" anchorCtr="0" horzOverflow="overflow"/>
+                </a:tc>
+                <a:tc>
+                  <a:txBody>
+                    <a:bodyPr/>
+                    <a:lstStyle/>
+                    <a:p>
+                      <a:pPr defTabSz="914400">
+                        <a:defRPr sz="3200">
+                          <a:sym typeface="Helvetica Neue"/>
+                        </a:defRPr>
+                      </a:pPr>
+                    </a:p>
+                  </a:txBody>
+                  <a:tcPr marL="50800" marR="50800" marT="50800" marB="50800" anchor="ctr" anchorCtr="0" horzOverflow="overflow"/>
+                </a:tc>
+                <a:tc>
+                  <a:txBody>
+                    <a:bodyPr/>
+                    <a:lstStyle/>
+                    <a:p>
+                      <a:pPr defTabSz="914400">
+                        <a:defRPr sz="3200">
+                          <a:sym typeface="Helvetica Neue"/>
+                        </a:defRPr>
+                      </a:pPr>
+                    </a:p>
+                  </a:txBody>
+                  <a:tcPr marL="50800" marR="50800" marT="50800" marB="50800" anchor="ctr" anchorCtr="0" horzOverflow="overflow"/>
+                </a:tc>
+                <a:tc>
+                  <a:txBody>
+                    <a:bodyPr/>
+                    <a:lstStyle/>
+                    <a:p>
+                      <a:pPr defTabSz="914400">
+                        <a:defRPr sz="3200">
+                          <a:sym typeface="Helvetica Neue"/>
+                        </a:defRPr>
+                      </a:pPr>
+                    </a:p>
+                  </a:txBody>
+                  <a:tcPr marL="50800" marR="50800" marT="50800" marB="50800" anchor="ctr" anchorCtr="0" horzOverflow="overflow"/>
+                </a:tc>
+                <a:tc>
+                  <a:txBody>
+                    <a:bodyPr/>
+                    <a:lstStyle/>
+                    <a:p>
+                      <a:pPr defTabSz="914400">
+                        <a:defRPr sz="3200">
+                          <a:sym typeface="Helvetica Neue"/>
+                        </a:defRPr>
+                      </a:pPr>
+                    </a:p>
+                  </a:txBody>
+                  <a:tcPr marL="50800" marR="50800" marT="50800" marB="50800" anchor="ctr" anchorCtr="0" horzOverflow="overflow"/>
+                </a:tc>
+                <a:tc>
+                  <a:txBody>
+                    <a:bodyPr/>
+                    <a:lstStyle/>
+                    <a:p>
+                      <a:pPr defTabSz="914400">
+                        <a:defRPr sz="3200">
+                          <a:sym typeface="Helvetica Neue"/>
+                        </a:defRPr>
+                      </a:pPr>
+                    </a:p>
+                  </a:txBody>
+                  <a:tcPr marL="50800" marR="50800" marT="50800" marB="50800" anchor="ctr" anchorCtr="0" horzOverflow="overflow"/>
+                </a:tc>
+                <a:tc>
+                  <a:txBody>
+                    <a:bodyPr/>
+                    <a:lstStyle/>
+                    <a:p>
+                      <a:pPr defTabSz="914400">
+                        <a:defRPr sz="3200">
+                          <a:sym typeface="Helvetica Neue"/>
+                        </a:defRPr>
+                      </a:pPr>
+                    </a:p>
+                  </a:txBody>
+                  <a:tcPr marL="50800" marR="50800" marT="50800" marB="50800" anchor="ctr" anchorCtr="0" horzOverflow="overflow"/>
+                </a:tc>
+                <a:tc>
+                  <a:txBody>
+                    <a:bodyPr/>
+                    <a:lstStyle/>
+                    <a:p>
+                      <a:pPr defTabSz="914400">
+                        <a:defRPr sz="3200">
+                          <a:sym typeface="Helvetica Neue"/>
+                        </a:defRPr>
+                      </a:pPr>
+                    </a:p>
+                  </a:txBody>
+                  <a:tcPr marL="50800" marR="50800" marT="50800" marB="50800" anchor="ctr" anchorCtr="0" horzOverflow="overflow"/>
+                </a:tc>
+              </a:tr>
+              <a:tr h="647755">
+                <a:tc>
+                  <a:txBody>
+                    <a:bodyPr/>
+                    <a:lstStyle/>
+                    <a:p>
+                      <a:pPr defTabSz="914400">
+                        <a:defRPr sz="1800"/>
+                      </a:pPr>
+                      <a:r>
+                        <a:rPr sz="3200">
+                          <a:sym typeface="Helvetica Neue"/>
+                        </a:rPr>
+                        <a:t>||</a:t>
+                      </a:r>
+                    </a:p>
+                  </a:txBody>
+                  <a:tcPr marL="50800" marR="50800" marT="50800" marB="50800" anchor="ctr" anchorCtr="0" horzOverflow="overflow"/>
+                </a:tc>
+                <a:tc>
+                  <a:txBody>
+                    <a:bodyPr/>
+                    <a:lstStyle/>
+                    <a:p>
+                      <a:pPr defTabSz="914400">
+                        <a:defRPr sz="3200">
+                          <a:sym typeface="Helvetica Neue"/>
+                        </a:defRPr>
+                      </a:pPr>
+                    </a:p>
+                  </a:txBody>
+                  <a:tcPr marL="50800" marR="50800" marT="50800" marB="50800" anchor="ctr" anchorCtr="0" horzOverflow="overflow"/>
+                </a:tc>
+                <a:tc>
+                  <a:txBody>
+                    <a:bodyPr/>
+                    <a:lstStyle/>
+                    <a:p>
+                      <a:pPr defTabSz="914400">
+                        <a:defRPr sz="3200">
+                          <a:sym typeface="Helvetica Neue"/>
+                        </a:defRPr>
+                      </a:pPr>
+                    </a:p>
+                  </a:txBody>
+                  <a:tcPr marL="50800" marR="50800" marT="50800" marB="50800" anchor="ctr" anchorCtr="0" horzOverflow="overflow"/>
+                </a:tc>
+                <a:tc>
+                  <a:txBody>
+                    <a:bodyPr/>
+                    <a:lstStyle/>
+                    <a:p>
+                      <a:pPr defTabSz="914400">
+                        <a:defRPr sz="3200">
+                          <a:sym typeface="Helvetica Neue"/>
+                        </a:defRPr>
+                      </a:pPr>
+                    </a:p>
+                  </a:txBody>
+                  <a:tcPr marL="50800" marR="50800" marT="50800" marB="50800" anchor="ctr" anchorCtr="0" horzOverflow="overflow"/>
+                </a:tc>
+                <a:tc>
+                  <a:txBody>
+                    <a:bodyPr/>
+                    <a:lstStyle/>
+                    <a:p>
+                      <a:pPr defTabSz="914400">
+                        <a:defRPr sz="3200">
+                          <a:sym typeface="Helvetica Neue"/>
+                        </a:defRPr>
+                      </a:pPr>
+                    </a:p>
+                  </a:txBody>
+                  <a:tcPr marL="50800" marR="50800" marT="50800" marB="50800" anchor="ctr" anchorCtr="0" horzOverflow="overflow"/>
+                </a:tc>
+                <a:tc>
+                  <a:txBody>
+                    <a:bodyPr/>
+                    <a:lstStyle/>
+                    <a:p>
+                      <a:pPr defTabSz="914400">
+                        <a:defRPr sz="3200">
+                          <a:sym typeface="Helvetica Neue"/>
+                        </a:defRPr>
+                      </a:pPr>
+                    </a:p>
+                  </a:txBody>
+                  <a:tcPr marL="50800" marR="50800" marT="50800" marB="50800" anchor="ctr" anchorCtr="0" horzOverflow="overflow"/>
+                </a:tc>
+                <a:tc>
+                  <a:txBody>
+                    <a:bodyPr/>
+                    <a:lstStyle/>
+                    <a:p>
+                      <a:pPr defTabSz="914400">
+                        <a:defRPr sz="3200">
+                          <a:sym typeface="Helvetica Neue"/>
+                        </a:defRPr>
+                      </a:pPr>
+                    </a:p>
+                  </a:txBody>
+                  <a:tcPr marL="50800" marR="50800" marT="50800" marB="50800" anchor="ctr" anchorCtr="0" horzOverflow="overflow"/>
+                </a:tc>
+                <a:tc>
+                  <a:txBody>
+                    <a:bodyPr/>
+                    <a:lstStyle/>
+                    <a:p>
+                      <a:pPr defTabSz="914400">
+                        <a:defRPr sz="3200">
+                          <a:sym typeface="Helvetica Neue"/>
+                        </a:defRPr>
+                      </a:pPr>
+                    </a:p>
+                  </a:txBody>
+                  <a:tcPr marL="50800" marR="50800" marT="50800" marB="50800" anchor="ctr" anchorCtr="0" horzOverflow="overflow"/>
+                </a:tc>
+                <a:tc>
+                  <a:txBody>
+                    <a:bodyPr/>
+                    <a:lstStyle/>
+                    <a:p>
+                      <a:pPr defTabSz="914400">
+                        <a:defRPr sz="3200">
+                          <a:sym typeface="Helvetica Neue"/>
+                        </a:defRPr>
+                      </a:pPr>
+                    </a:p>
+                  </a:txBody>
+                  <a:tcPr marL="50800" marR="50800" marT="50800" marB="50800" anchor="ctr" anchorCtr="0" horzOverflow="overflow"/>
+                </a:tc>
+                <a:tc>
+                  <a:txBody>
+                    <a:bodyPr/>
+                    <a:lstStyle/>
+                    <a:p>
+                      <a:pPr defTabSz="914400">
+                        <a:defRPr sz="3200">
+                          <a:sym typeface="Helvetica Neue"/>
+                        </a:defRPr>
+                      </a:pPr>
+                    </a:p>
+                  </a:txBody>
+                  <a:tcPr marL="50800" marR="50800" marT="50800" marB="50800" anchor="ctr" anchorCtr="0" horzOverflow="overflow"/>
+                </a:tc>
+                <a:tc>
+                  <a:txBody>
+                    <a:bodyPr/>
+                    <a:lstStyle/>
+                    <a:p>
+                      <a:pPr defTabSz="914400">
+                        <a:defRPr sz="3200">
+                          <a:sym typeface="Helvetica Neue"/>
+                        </a:defRPr>
+                      </a:pPr>
+                    </a:p>
+                  </a:txBody>
+                  <a:tcPr marL="50800" marR="50800" marT="50800" marB="50800" anchor="ctr" anchorCtr="0" horzOverflow="overflow"/>
+                </a:tc>
+                <a:tc>
+                  <a:txBody>
+                    <a:bodyPr/>
+                    <a:lstStyle/>
+                    <a:p>
+                      <a:pPr defTabSz="914400">
+                        <a:defRPr sz="3200">
+                          <a:sym typeface="Helvetica Neue"/>
+                        </a:defRPr>
+                      </a:pPr>
+                    </a:p>
+                  </a:txBody>
+                  <a:tcPr marL="50800" marR="50800" marT="50800" marB="50800" anchor="ctr" anchorCtr="0" horzOverflow="overflow"/>
+                </a:tc>
+              </a:tr>
+              <a:tr h="647755">
+                <a:tc>
+                  <a:txBody>
+                    <a:bodyPr/>
+                    <a:lstStyle/>
+                    <a:p>
+                      <a:pPr defTabSz="914400">
+                        <a:defRPr sz="1800"/>
+                      </a:pPr>
+                      <a:r>
+                        <a:rPr sz="3200">
+                          <a:sym typeface="Helvetica Neue"/>
+                        </a:rPr>
+                        <a:t>? : (三目)</a:t>
+                      </a:r>
+                    </a:p>
+                  </a:txBody>
+                  <a:tcPr marL="50800" marR="50800" marT="50800" marB="50800" anchor="ctr" anchorCtr="0" horzOverflow="overflow"/>
+                </a:tc>
+                <a:tc>
+                  <a:txBody>
+                    <a:bodyPr/>
+                    <a:lstStyle/>
+                    <a:p>
+                      <a:pPr defTabSz="914400">
+                        <a:defRPr sz="3200">
+                          <a:sym typeface="Helvetica Neue"/>
+                        </a:defRPr>
+                      </a:pPr>
+                    </a:p>
+                  </a:txBody>
+                  <a:tcPr marL="50800" marR="50800" marT="50800" marB="50800" anchor="ctr" anchorCtr="0" horzOverflow="overflow"/>
+                </a:tc>
+                <a:tc>
+                  <a:txBody>
+                    <a:bodyPr/>
+                    <a:lstStyle/>
+                    <a:p>
+                      <a:pPr defTabSz="914400">
+                        <a:defRPr sz="3200">
+                          <a:sym typeface="Helvetica Neue"/>
+                        </a:defRPr>
+                      </a:pPr>
+                    </a:p>
+                  </a:txBody>
+                  <a:tcPr marL="50800" marR="50800" marT="50800" marB="50800" anchor="ctr" anchorCtr="0" horzOverflow="overflow"/>
+                </a:tc>
+                <a:tc>
+                  <a:txBody>
+                    <a:bodyPr/>
+                    <a:lstStyle/>
+                    <a:p>
+                      <a:pPr defTabSz="914400">
+                        <a:defRPr sz="3200">
+                          <a:sym typeface="Helvetica Neue"/>
+                        </a:defRPr>
+                      </a:pPr>
+                    </a:p>
+                  </a:txBody>
+                  <a:tcPr marL="50800" marR="50800" marT="50800" marB="50800" anchor="ctr" anchorCtr="0" horzOverflow="overflow"/>
+                </a:tc>
+                <a:tc>
+                  <a:txBody>
+                    <a:bodyPr/>
+                    <a:lstStyle/>
+                    <a:p>
+                      <a:pPr defTabSz="914400">
+                        <a:defRPr sz="3200">
+                          <a:sym typeface="Helvetica Neue"/>
+                        </a:defRPr>
+                      </a:pPr>
+                    </a:p>
+                  </a:txBody>
+                  <a:tcPr marL="50800" marR="50800" marT="50800" marB="50800" anchor="ctr" anchorCtr="0" horzOverflow="overflow"/>
+                </a:tc>
+                <a:tc>
+                  <a:txBody>
+                    <a:bodyPr/>
+                    <a:lstStyle/>
+                    <a:p>
+                      <a:pPr defTabSz="914400">
+                        <a:defRPr sz="3200">
+                          <a:sym typeface="Helvetica Neue"/>
+                        </a:defRPr>
+                      </a:pPr>
+                    </a:p>
+                  </a:txBody>
+                  <a:tcPr marL="50800" marR="50800" marT="50800" marB="50800" anchor="ctr" anchorCtr="0" horzOverflow="overflow"/>
+                </a:tc>
+                <a:tc>
+                  <a:txBody>
+                    <a:bodyPr/>
+                    <a:lstStyle/>
+                    <a:p>
+                      <a:pPr defTabSz="914400">
+                        <a:defRPr sz="3200">
+                          <a:sym typeface="Helvetica Neue"/>
+                        </a:defRPr>
+                      </a:pPr>
+                    </a:p>
+                  </a:txBody>
+                  <a:tcPr marL="50800" marR="50800" marT="50800" marB="50800" anchor="ctr" anchorCtr="0" horzOverflow="overflow"/>
+                </a:tc>
+                <a:tc>
+                  <a:txBody>
+                    <a:bodyPr/>
+                    <a:lstStyle/>
+                    <a:p>
+                      <a:pPr defTabSz="914400">
+                        <a:defRPr sz="3200">
+                          <a:sym typeface="Helvetica Neue"/>
+                        </a:defRPr>
+                      </a:pPr>
+                    </a:p>
+                  </a:txBody>
+                  <a:tcPr marL="50800" marR="50800" marT="50800" marB="50800" anchor="ctr" anchorCtr="0" horzOverflow="overflow"/>
+                </a:tc>
+                <a:tc>
+                  <a:txBody>
+                    <a:bodyPr/>
+                    <a:lstStyle/>
+                    <a:p>
+                      <a:pPr defTabSz="914400">
+                        <a:defRPr sz="3200">
+                          <a:sym typeface="Helvetica Neue"/>
+                        </a:defRPr>
+                      </a:pPr>
+                    </a:p>
+                  </a:txBody>
+                  <a:tcPr marL="50800" marR="50800" marT="50800" marB="50800" anchor="ctr" anchorCtr="0" horzOverflow="overflow"/>
+                </a:tc>
+                <a:tc>
+                  <a:txBody>
+                    <a:bodyPr/>
+                    <a:lstStyle/>
+                    <a:p>
+                      <a:pPr defTabSz="914400">
+                        <a:defRPr sz="3200">
+                          <a:sym typeface="Helvetica Neue"/>
+                        </a:defRPr>
+                      </a:pPr>
+                    </a:p>
+                  </a:txBody>
+                  <a:tcPr marL="50800" marR="50800" marT="50800" marB="50800" anchor="ctr" anchorCtr="0" horzOverflow="overflow"/>
+                </a:tc>
+                <a:tc>
+                  <a:txBody>
+                    <a:bodyPr/>
+                    <a:lstStyle/>
+                    <a:p>
+                      <a:pPr defTabSz="914400">
+                        <a:defRPr sz="3200">
+                          <a:sym typeface="Helvetica Neue"/>
+                        </a:defRPr>
+                      </a:pPr>
+                    </a:p>
+                  </a:txBody>
+                  <a:tcPr marL="50800" marR="50800" marT="50800" marB="50800" anchor="ctr" anchorCtr="0" horzOverflow="overflow"/>
+                </a:tc>
+                <a:tc>
+                  <a:txBody>
+                    <a:bodyPr/>
+                    <a:lstStyle/>
+                    <a:p>
+                      <a:pPr defTabSz="914400">
+                        <a:defRPr sz="3200">
+                          <a:sym typeface="Helvetica Neue"/>
+                        </a:defRPr>
+                      </a:pPr>
+                    </a:p>
+                  </a:txBody>
+                  <a:tcPr marL="50800" marR="50800" marT="50800" marB="50800" anchor="ctr" anchorCtr="0" horzOverflow="overflow"/>
+                </a:tc>
+              </a:tr>
+              <a:tr h="647755">
+                <a:tc>
+                  <a:txBody>
+                    <a:bodyPr/>
+                    <a:lstStyle/>
+                    <a:p>
+                      <a:pPr defTabSz="914400">
+                        <a:defRPr sz="1800"/>
+                      </a:pPr>
+                      <a:r>
+                        <a:rPr sz="3200">
+                          <a:sym typeface="Helvetica Neue"/>
+                        </a:rPr>
+                        <a:t> =</a:t>
+                      </a:r>
+                    </a:p>
+                  </a:txBody>
+                  <a:tcPr marL="50800" marR="50800" marT="50800" marB="50800" anchor="ctr" anchorCtr="0" horzOverflow="overflow"/>
+                </a:tc>
+                <a:tc>
+                  <a:txBody>
+                    <a:bodyPr/>
+                    <a:lstStyle/>
+                    <a:p>
+                      <a:pPr defTabSz="914400">
+                        <a:defRPr sz="1800"/>
+                      </a:pPr>
+                      <a:r>
+                        <a:rPr sz="3200">
+                          <a:sym typeface="Helvetica Neue"/>
+                        </a:rPr>
+                        <a:t>+=</a:t>
+                      </a:r>
+                    </a:p>
+                  </a:txBody>
+                  <a:tcPr marL="50800" marR="50800" marT="50800" marB="50800" anchor="ctr" anchorCtr="0" horzOverflow="overflow"/>
+                </a:tc>
+                <a:tc>
+                  <a:txBody>
+                    <a:bodyPr/>
+                    <a:lstStyle/>
+                    <a:p>
+                      <a:pPr defTabSz="914400">
+                        <a:defRPr sz="1800"/>
+                      </a:pPr>
+                      <a:r>
+                        <a:rPr sz="3200">
+                          <a:sym typeface="Helvetica Neue"/>
+                        </a:rPr>
+                        <a:t> -=</a:t>
+                      </a:r>
+                    </a:p>
+                  </a:txBody>
+                  <a:tcPr marL="50800" marR="50800" marT="50800" marB="50800" anchor="ctr" anchorCtr="0" horzOverflow="overflow"/>
+                </a:tc>
+                <a:tc>
+                  <a:txBody>
+                    <a:bodyPr/>
+                    <a:lstStyle/>
+                    <a:p>
+                      <a:pPr defTabSz="914400">
+                        <a:defRPr sz="1800"/>
+                      </a:pPr>
+                      <a:r>
+                        <a:rPr sz="3200">
+                          <a:sym typeface="Helvetica Neue"/>
+                        </a:rPr>
+                        <a:t> *=</a:t>
+                      </a:r>
+                    </a:p>
+                  </a:txBody>
+                  <a:tcPr marL="50800" marR="50800" marT="50800" marB="50800" anchor="ctr" anchorCtr="0" horzOverflow="overflow"/>
+                </a:tc>
+                <a:tc>
+                  <a:txBody>
+                    <a:bodyPr/>
+                    <a:lstStyle/>
+                    <a:p>
+                      <a:pPr defTabSz="914400">
+                        <a:defRPr sz="1800"/>
+                      </a:pPr>
+                      <a:r>
+                        <a:rPr sz="3200">
+                          <a:sym typeface="Helvetica Neue"/>
+                        </a:rPr>
+                        <a:t>/=</a:t>
+                      </a:r>
+                    </a:p>
+                  </a:txBody>
+                  <a:tcPr marL="50800" marR="50800" marT="50800" marB="50800" anchor="ctr" anchorCtr="0" horzOverflow="overflow"/>
+                </a:tc>
+                <a:tc>
+                  <a:txBody>
+                    <a:bodyPr/>
+                    <a:lstStyle/>
+                    <a:p>
+                      <a:pPr defTabSz="914400">
+                        <a:defRPr sz="1800"/>
+                      </a:pPr>
+                      <a:r>
+                        <a:rPr sz="3200">
+                          <a:sym typeface="Helvetica Neue"/>
+                        </a:rPr>
+                        <a:t>%=</a:t>
+                      </a:r>
+                    </a:p>
+                  </a:txBody>
+                  <a:tcPr marL="50800" marR="50800" marT="50800" marB="50800" anchor="ctr" anchorCtr="0" horzOverflow="overflow"/>
+                </a:tc>
+                <a:tc>
+                  <a:txBody>
+                    <a:bodyPr/>
+                    <a:lstStyle/>
+                    <a:p>
+                      <a:pPr defTabSz="914400">
+                        <a:defRPr sz="1800"/>
+                      </a:pPr>
+                      <a:r>
+                        <a:rPr sz="3200">
+                          <a:sym typeface="Helvetica Neue"/>
+                        </a:rPr>
+                        <a:t>&lt;&lt;=</a:t>
+                      </a:r>
+                    </a:p>
+                  </a:txBody>
+                  <a:tcPr marL="50800" marR="50800" marT="50800" marB="50800" anchor="ctr" anchorCtr="0" horzOverflow="overflow"/>
+                </a:tc>
+                <a:tc>
+                  <a:txBody>
+                    <a:bodyPr/>
+                    <a:lstStyle/>
+                    <a:p>
+                      <a:pPr defTabSz="914400">
+                        <a:defRPr sz="1800"/>
+                      </a:pPr>
+                      <a:r>
+                        <a:rPr sz="3200">
+                          <a:sym typeface="Helvetica Neue"/>
+                        </a:rPr>
+                        <a:t>&gt;&gt;=</a:t>
+                      </a:r>
+                    </a:p>
+                  </a:txBody>
+                  <a:tcPr marL="50800" marR="50800" marT="50800" marB="50800" anchor="ctr" anchorCtr="0" horzOverflow="overflow"/>
+                </a:tc>
+                <a:tc>
+                  <a:txBody>
+                    <a:bodyPr/>
+                    <a:lstStyle/>
+                    <a:p>
+                      <a:pPr defTabSz="914400">
+                        <a:defRPr sz="1800"/>
+                      </a:pPr>
+                      <a:r>
+                        <a:rPr sz="3200">
+                          <a:sym typeface="Helvetica Neue"/>
+                        </a:rPr>
+                        <a:t>&gt;&gt;&gt;=</a:t>
+                      </a:r>
+                    </a:p>
+                  </a:txBody>
+                  <a:tcPr marL="50800" marR="50800" marT="50800" marB="50800" anchor="ctr" anchorCtr="0" horzOverflow="overflow"/>
+                </a:tc>
+                <a:tc>
+                  <a:txBody>
+                    <a:bodyPr/>
+                    <a:lstStyle/>
+                    <a:p>
+                      <a:pPr defTabSz="914400">
+                        <a:defRPr sz="1800"/>
+                      </a:pPr>
+                      <a:r>
+                        <a:rPr sz="3200">
+                          <a:sym typeface="Helvetica Neue"/>
+                        </a:rPr>
+                        <a:t>&amp;=</a:t>
+                      </a:r>
+                    </a:p>
+                  </a:txBody>
+                  <a:tcPr marL="50800" marR="50800" marT="50800" marB="50800" anchor="ctr" anchorCtr="0" horzOverflow="overflow"/>
+                </a:tc>
+                <a:tc>
+                  <a:txBody>
+                    <a:bodyPr/>
+                    <a:lstStyle/>
+                    <a:p>
+                      <a:pPr defTabSz="914400">
+                        <a:defRPr sz="1800"/>
+                      </a:pPr>
+                      <a:r>
+                        <a:rPr sz="3200">
+                          <a:sym typeface="Helvetica Neue"/>
+                        </a:rPr>
+                        <a:t>^=</a:t>
+                      </a:r>
+                    </a:p>
+                  </a:txBody>
+                  <a:tcPr marL="50800" marR="50800" marT="50800" marB="50800" anchor="ctr" anchorCtr="0" horzOverflow="overflow"/>
+                </a:tc>
+                <a:tc>
+                  <a:txBody>
+                    <a:bodyPr/>
+                    <a:lstStyle/>
+                    <a:p>
+                      <a:pPr defTabSz="914400">
+                        <a:defRPr sz="1800"/>
+                      </a:pPr>
+                      <a:r>
+                        <a:rPr sz="3200">
+                          <a:sym typeface="Helvetica Neue"/>
+                        </a:rPr>
+                        <a:t>|=</a:t>
+                      </a:r>
+                    </a:p>
+                  </a:txBody>
+                  <a:tcPr marL="50800" marR="50800" marT="50800" marB="50800" anchor="ctr" anchorCtr="0" horzOverflow="overflow"/>
+                </a:tc>
+              </a:tr>
+              <a:tr h="647755">
+                <a:tc>
+                  <a:txBody>
+                    <a:bodyPr/>
+                    <a:lstStyle/>
+                    <a:p>
+                      <a:pPr defTabSz="914400">
+                        <a:defRPr sz="1800"/>
+                      </a:pPr>
+                      <a:r>
+                        <a:rPr sz="3200">
+                          <a:sym typeface="Helvetica Neue"/>
+                        </a:rPr>
+                        <a:t>,</a:t>
+                      </a:r>
+                    </a:p>
+                  </a:txBody>
+                  <a:tcPr marL="50800" marR="50800" marT="50800" marB="50800" anchor="ctr" anchorCtr="0" horzOverflow="overflow"/>
+                </a:tc>
+                <a:tc>
+                  <a:txBody>
+                    <a:bodyPr/>
+                    <a:lstStyle/>
+                    <a:p>
+                      <a:pPr defTabSz="914400">
+                        <a:defRPr sz="3200">
+                          <a:sym typeface="Helvetica Neue"/>
+                        </a:defRPr>
+                      </a:pPr>
+                    </a:p>
+                  </a:txBody>
+                  <a:tcPr marL="50800" marR="50800" marT="50800" marB="50800" anchor="ctr" anchorCtr="0" horzOverflow="overflow"/>
+                </a:tc>
+                <a:tc>
+                  <a:txBody>
+                    <a:bodyPr/>
+                    <a:lstStyle/>
+                    <a:p>
+                      <a:pPr defTabSz="914400">
+                        <a:defRPr sz="3200">
+                          <a:sym typeface="Helvetica Neue"/>
+                        </a:defRPr>
+                      </a:pPr>
+                    </a:p>
+                  </a:txBody>
+                  <a:tcPr marL="50800" marR="50800" marT="50800" marB="50800" anchor="ctr" anchorCtr="0" horzOverflow="overflow"/>
+                </a:tc>
+                <a:tc>
+                  <a:txBody>
+                    <a:bodyPr/>
+                    <a:lstStyle/>
+                    <a:p>
+                      <a:pPr defTabSz="914400">
+                        <a:defRPr sz="3200">
+                          <a:sym typeface="Helvetica Neue"/>
+                        </a:defRPr>
+                      </a:pPr>
+                    </a:p>
+                  </a:txBody>
+                  <a:tcPr marL="50800" marR="50800" marT="50800" marB="50800" anchor="ctr" anchorCtr="0" horzOverflow="overflow"/>
+                </a:tc>
+                <a:tc>
+                  <a:txBody>
+                    <a:bodyPr/>
+                    <a:lstStyle/>
+                    <a:p>
+                      <a:pPr defTabSz="914400">
+                        <a:defRPr sz="3200">
+                          <a:sym typeface="Helvetica Neue"/>
+                        </a:defRPr>
+                      </a:pPr>
+                    </a:p>
+                  </a:txBody>
+                  <a:tcPr marL="50800" marR="50800" marT="50800" marB="50800" anchor="ctr" anchorCtr="0" horzOverflow="overflow"/>
+                </a:tc>
+                <a:tc>
+                  <a:txBody>
+                    <a:bodyPr/>
+                    <a:lstStyle/>
+                    <a:p>
+                      <a:pPr defTabSz="914400">
+                        <a:defRPr sz="3200">
+                          <a:sym typeface="Helvetica Neue"/>
+                        </a:defRPr>
+                      </a:pPr>
+                    </a:p>
+                  </a:txBody>
+                  <a:tcPr marL="50800" marR="50800" marT="50800" marB="50800" anchor="ctr" anchorCtr="0" horzOverflow="overflow"/>
+                </a:tc>
+                <a:tc>
+                  <a:txBody>
+                    <a:bodyPr/>
+                    <a:lstStyle/>
+                    <a:p>
+                      <a:pPr defTabSz="914400">
+                        <a:defRPr sz="3200">
+                          <a:sym typeface="Helvetica Neue"/>
+                        </a:defRPr>
+                      </a:pPr>
+                    </a:p>
+                  </a:txBody>
+                  <a:tcPr marL="50800" marR="50800" marT="50800" marB="50800" anchor="ctr" anchorCtr="0" horzOverflow="overflow"/>
+                </a:tc>
+                <a:tc>
+                  <a:txBody>
+                    <a:bodyPr/>
+                    <a:lstStyle/>
+                    <a:p>
+                      <a:pPr defTabSz="914400">
+                        <a:defRPr sz="3200">
+                          <a:sym typeface="Helvetica Neue"/>
+                        </a:defRPr>
+                      </a:pPr>
+                    </a:p>
+                  </a:txBody>
+                  <a:tcPr marL="50800" marR="50800" marT="50800" marB="50800" anchor="ctr" anchorCtr="0" horzOverflow="overflow"/>
+                </a:tc>
+                <a:tc>
+                  <a:txBody>
+                    <a:bodyPr/>
+                    <a:lstStyle/>
+                    <a:p>
+                      <a:pPr defTabSz="914400">
+                        <a:defRPr sz="3200">
+                          <a:sym typeface="Helvetica Neue"/>
+                        </a:defRPr>
+                      </a:pPr>
+                    </a:p>
+                  </a:txBody>
+                  <a:tcPr marL="50800" marR="50800" marT="50800" marB="50800" anchor="ctr" anchorCtr="0" horzOverflow="overflow"/>
+                </a:tc>
+                <a:tc>
+                  <a:txBody>
+                    <a:bodyPr/>
+                    <a:lstStyle/>
+                    <a:p>
+                      <a:pPr defTabSz="914400">
+                        <a:defRPr sz="3200">
+                          <a:sym typeface="Helvetica Neue"/>
+                        </a:defRPr>
+                      </a:pPr>
+                    </a:p>
+                  </a:txBody>
+                  <a:tcPr marL="50800" marR="50800" marT="50800" marB="50800" anchor="ctr" anchorCtr="0" horzOverflow="overflow"/>
+                </a:tc>
+                <a:tc>
+                  <a:txBody>
+                    <a:bodyPr/>
+                    <a:lstStyle/>
+                    <a:p>
+                      <a:pPr defTabSz="914400">
+                        <a:defRPr sz="3200">
+                          <a:sym typeface="Helvetica Neue"/>
+                        </a:defRPr>
+                      </a:pPr>
+                    </a:p>
+                  </a:txBody>
+                  <a:tcPr marL="50800" marR="50800" marT="50800" marB="50800" anchor="ctr" anchorCtr="0" horzOverflow="overflow"/>
+                </a:tc>
+                <a:tc>
+                  <a:txBody>
+                    <a:bodyPr/>
+                    <a:lstStyle/>
+                    <a:p>
+                      <a:pPr defTabSz="914400">
+                        <a:defRPr sz="3200">
+                          <a:sym typeface="Helvetica Neue"/>
+                        </a:defRPr>
+                      </a:pPr>
+                    </a:p>
+                  </a:txBody>
+                  <a:tcPr marL="50800" marR="50800" marT="50800" marB="50800" anchor="ctr" anchorCtr="0" horzOverflow="overflow"/>
+                </a:tc>
+              </a:tr>
+            </a:tbl>
+          </a:graphicData>
+        </a:graphic>
+      </p:graphicFrame>
     </p:spTree>
   </p:cSld>
   <p:clrMapOvr>
@@ -3248,7 +6371,7 @@
       </p:grpSpPr>
       <p:sp>
         <p:nvSpPr>
-          <p:cNvPr id="150" name="运算符"/>
+          <p:cNvPr id="152" name="逗号运算符"/>
           <p:cNvSpPr txBox="1"/>
           <p:nvPr>
             <p:ph type="title"/>
@@ -3277,14 +6400,14 @@
           <a:p>
             <a:pPr/>
             <a:r>
-              <a:t>运算符</a:t>
+              <a:t>逗号运算符</a:t>
             </a:r>
           </a:p>
         </p:txBody>
       </p:sp>
       <p:sp>
         <p:nvSpPr>
-          <p:cNvPr id="151" name="正文"/>
+          <p:cNvPr id="153" name="逗号运算符的作用是将若干表达式连接起来。它的优先级是所有运算符中最低的，结合方向是自左至右"/>
           <p:cNvSpPr txBox="1"/>
           <p:nvPr>
             <p:ph type="body" idx="1"/>
@@ -3310,3121 +6433,19 @@
                 </a:solidFill>
               </a:defRPr>
             </a:pPr>
+            <a:r>
+              <a:t> 逗号运算符的作用是将若干表达式连接起来。它的优先级是所有运算符中</a:t>
+            </a:r>
+            <a:r>
+              <a:rPr b="1"/>
+              <a:t>最低</a:t>
+            </a:r>
+            <a:r>
+              <a:t>的，结合方向是自左至右</a:t>
+            </a:r>
           </a:p>
         </p:txBody>
       </p:sp>
-      <p:graphicFrame>
-        <p:nvGraphicFramePr>
-          <p:cNvPr id="152" name="表格"/>
-          <p:cNvGraphicFramePr/>
-          <p:nvPr/>
-        </p:nvGraphicFramePr>
-        <p:xfrm>
-          <a:off x="1551347" y="2525352"/>
-          <a:ext cx="21281306" cy="11011835"/>
-        </p:xfrm>
-        <a:graphic xmlns:a="http://schemas.openxmlformats.org/drawingml/2006/main">
-          <a:graphicData uri="http://schemas.openxmlformats.org/drawingml/2006/table">
-            <a:tbl>
-              <a:tblPr firstCol="0" firstRow="0" lastCol="0" lastRow="0" bandCol="0" bandRow="1" rtl="0">
-                <a:tableStyleId>{4C3C2611-4C71-4FC5-86AE-919BDF0F9419}</a:tableStyleId>
-              </a:tblPr>
-              <a:tblGrid>
-                <a:gridCol w="1773442"/>
-                <a:gridCol w="1773442"/>
-                <a:gridCol w="1773442"/>
-                <a:gridCol w="1773442"/>
-                <a:gridCol w="1773442"/>
-                <a:gridCol w="1773442"/>
-                <a:gridCol w="1773442"/>
-                <a:gridCol w="1773442"/>
-                <a:gridCol w="1773442"/>
-                <a:gridCol w="1773442"/>
-                <a:gridCol w="1773442"/>
-                <a:gridCol w="1773442"/>
-              </a:tblGrid>
-              <a:tr h="647755">
-                <a:tc>
-                  <a:txBody>
-                    <a:bodyPr/>
-                    <a:lstStyle/>
-                    <a:p>
-                      <a:pPr defTabSz="914400">
-                        <a:defRPr sz="1800"/>
-                      </a:pPr>
-                      <a:r>
-                        <a:rPr sz="3200">
-                          <a:sym typeface="Helvetica Neue"/>
-                        </a:rPr>
-                        <a:t>.</a:t>
-                      </a:r>
-                    </a:p>
-                  </a:txBody>
-                  <a:tcPr marL="50800" marR="50800" marT="50800" marB="50800" anchor="ctr" anchorCtr="0" horzOverflow="overflow"/>
-                </a:tc>
-                <a:tc>
-                  <a:txBody>
-                    <a:bodyPr/>
-                    <a:lstStyle/>
-                    <a:p>
-                      <a:pPr defTabSz="914400">
-                        <a:defRPr sz="1800"/>
-                      </a:pPr>
-                      <a:r>
-                        <a:rPr sz="3200">
-                          <a:sym typeface="Helvetica Neue"/>
-                        </a:rPr>
-                        <a:t>[]</a:t>
-                      </a:r>
-                    </a:p>
-                  </a:txBody>
-                  <a:tcPr marL="50800" marR="50800" marT="50800" marB="50800" anchor="ctr" anchorCtr="0" horzOverflow="overflow"/>
-                </a:tc>
-                <a:tc>
-                  <a:txBody>
-                    <a:bodyPr/>
-                    <a:lstStyle/>
-                    <a:p>
-                      <a:pPr defTabSz="914400">
-                        <a:defRPr sz="1800"/>
-                      </a:pPr>
-                      <a:r>
-                        <a:rPr sz="3200">
-                          <a:sym typeface="Helvetica Neue"/>
-                        </a:rPr>
-                        <a:t>New</a:t>
-                      </a:r>
-                    </a:p>
-                  </a:txBody>
-                  <a:tcPr marL="50800" marR="50800" marT="50800" marB="50800" anchor="ctr" anchorCtr="0" horzOverflow="overflow"/>
-                </a:tc>
-                <a:tc>
-                  <a:txBody>
-                    <a:bodyPr/>
-                    <a:lstStyle/>
-                    <a:p>
-                      <a:pPr defTabSz="914400">
-                        <a:defRPr sz="3200">
-                          <a:sym typeface="Helvetica Neue"/>
-                        </a:defRPr>
-                      </a:pPr>
-                    </a:p>
-                  </a:txBody>
-                  <a:tcPr marL="50800" marR="50800" marT="50800" marB="50800" anchor="ctr" anchorCtr="0" horzOverflow="overflow"/>
-                </a:tc>
-                <a:tc>
-                  <a:txBody>
-                    <a:bodyPr/>
-                    <a:lstStyle/>
-                    <a:p>
-                      <a:pPr defTabSz="914400">
-                        <a:defRPr sz="3200">
-                          <a:sym typeface="Helvetica Neue"/>
-                        </a:defRPr>
-                      </a:pPr>
-                    </a:p>
-                  </a:txBody>
-                  <a:tcPr marL="50800" marR="50800" marT="50800" marB="50800" anchor="ctr" anchorCtr="0" horzOverflow="overflow"/>
-                </a:tc>
-                <a:tc>
-                  <a:txBody>
-                    <a:bodyPr/>
-                    <a:lstStyle/>
-                    <a:p>
-                      <a:pPr defTabSz="914400">
-                        <a:defRPr sz="3200">
-                          <a:sym typeface="Helvetica Neue"/>
-                        </a:defRPr>
-                      </a:pPr>
-                    </a:p>
-                  </a:txBody>
-                  <a:tcPr marL="50800" marR="50800" marT="50800" marB="50800" anchor="ctr" anchorCtr="0" horzOverflow="overflow"/>
-                </a:tc>
-                <a:tc>
-                  <a:txBody>
-                    <a:bodyPr/>
-                    <a:lstStyle/>
-                    <a:p>
-                      <a:pPr defTabSz="914400">
-                        <a:defRPr sz="3200">
-                          <a:sym typeface="Helvetica Neue"/>
-                        </a:defRPr>
-                      </a:pPr>
-                    </a:p>
-                  </a:txBody>
-                  <a:tcPr marL="50800" marR="50800" marT="50800" marB="50800" anchor="ctr" anchorCtr="0" horzOverflow="overflow"/>
-                </a:tc>
-                <a:tc>
-                  <a:txBody>
-                    <a:bodyPr/>
-                    <a:lstStyle/>
-                    <a:p>
-                      <a:pPr defTabSz="914400">
-                        <a:defRPr sz="3200">
-                          <a:sym typeface="Helvetica Neue"/>
-                        </a:defRPr>
-                      </a:pPr>
-                    </a:p>
-                  </a:txBody>
-                  <a:tcPr marL="50800" marR="50800" marT="50800" marB="50800" anchor="ctr" anchorCtr="0" horzOverflow="overflow"/>
-                </a:tc>
-                <a:tc>
-                  <a:txBody>
-                    <a:bodyPr/>
-                    <a:lstStyle/>
-                    <a:p>
-                      <a:pPr defTabSz="914400">
-                        <a:defRPr sz="3200">
-                          <a:sym typeface="Helvetica Neue"/>
-                        </a:defRPr>
-                      </a:pPr>
-                    </a:p>
-                  </a:txBody>
-                  <a:tcPr marL="50800" marR="50800" marT="50800" marB="50800" anchor="ctr" anchorCtr="0" horzOverflow="overflow"/>
-                </a:tc>
-                <a:tc>
-                  <a:txBody>
-                    <a:bodyPr/>
-                    <a:lstStyle/>
-                    <a:p>
-                      <a:pPr defTabSz="914400">
-                        <a:defRPr sz="3200">
-                          <a:sym typeface="Helvetica Neue"/>
-                        </a:defRPr>
-                      </a:pPr>
-                    </a:p>
-                  </a:txBody>
-                  <a:tcPr marL="50800" marR="50800" marT="50800" marB="50800" anchor="ctr" anchorCtr="0" horzOverflow="overflow"/>
-                </a:tc>
-                <a:tc>
-                  <a:txBody>
-                    <a:bodyPr/>
-                    <a:lstStyle/>
-                    <a:p>
-                      <a:pPr defTabSz="914400">
-                        <a:defRPr sz="3200">
-                          <a:sym typeface="Helvetica Neue"/>
-                        </a:defRPr>
-                      </a:pPr>
-                    </a:p>
-                  </a:txBody>
-                  <a:tcPr marL="50800" marR="50800" marT="50800" marB="50800" anchor="ctr" anchorCtr="0" horzOverflow="overflow"/>
-                </a:tc>
-                <a:tc>
-                  <a:txBody>
-                    <a:bodyPr/>
-                    <a:lstStyle/>
-                    <a:p>
-                      <a:pPr defTabSz="914400">
-                        <a:defRPr sz="3200">
-                          <a:sym typeface="Helvetica Neue"/>
-                        </a:defRPr>
-                      </a:pPr>
-                    </a:p>
-                  </a:txBody>
-                  <a:tcPr marL="50800" marR="50800" marT="50800" marB="50800" anchor="ctr" anchorCtr="0" horzOverflow="overflow"/>
-                </a:tc>
-              </a:tr>
-              <a:tr h="647755">
-                <a:tc>
-                  <a:txBody>
-                    <a:bodyPr/>
-                    <a:lstStyle/>
-                    <a:p>
-                      <a:pPr defTabSz="914400">
-                        <a:defRPr sz="1800"/>
-                      </a:pPr>
-                      <a:r>
-                        <a:rPr sz="3200">
-                          <a:sym typeface="Helvetica Neue"/>
-                        </a:rPr>
-                        <a:t>()</a:t>
-                      </a:r>
-                    </a:p>
-                  </a:txBody>
-                  <a:tcPr marL="50800" marR="50800" marT="50800" marB="50800" anchor="ctr" anchorCtr="0" horzOverflow="overflow"/>
-                </a:tc>
-                <a:tc>
-                  <a:txBody>
-                    <a:bodyPr/>
-                    <a:lstStyle/>
-                    <a:p>
-                      <a:pPr defTabSz="914400">
-                        <a:defRPr sz="3200">
-                          <a:sym typeface="Helvetica Neue"/>
-                        </a:defRPr>
-                      </a:pPr>
-                    </a:p>
-                  </a:txBody>
-                  <a:tcPr marL="50800" marR="50800" marT="50800" marB="50800" anchor="ctr" anchorCtr="0" horzOverflow="overflow"/>
-                </a:tc>
-                <a:tc>
-                  <a:txBody>
-                    <a:bodyPr/>
-                    <a:lstStyle/>
-                    <a:p>
-                      <a:pPr defTabSz="914400">
-                        <a:defRPr sz="3200">
-                          <a:sym typeface="Helvetica Neue"/>
-                        </a:defRPr>
-                      </a:pPr>
-                    </a:p>
-                  </a:txBody>
-                  <a:tcPr marL="50800" marR="50800" marT="50800" marB="50800" anchor="ctr" anchorCtr="0" horzOverflow="overflow"/>
-                </a:tc>
-                <a:tc>
-                  <a:txBody>
-                    <a:bodyPr/>
-                    <a:lstStyle/>
-                    <a:p>
-                      <a:pPr defTabSz="914400">
-                        <a:defRPr sz="3200">
-                          <a:sym typeface="Helvetica Neue"/>
-                        </a:defRPr>
-                      </a:pPr>
-                    </a:p>
-                  </a:txBody>
-                  <a:tcPr marL="50800" marR="50800" marT="50800" marB="50800" anchor="ctr" anchorCtr="0" horzOverflow="overflow"/>
-                </a:tc>
-                <a:tc>
-                  <a:txBody>
-                    <a:bodyPr/>
-                    <a:lstStyle/>
-                    <a:p>
-                      <a:pPr defTabSz="914400">
-                        <a:defRPr sz="3200">
-                          <a:sym typeface="Helvetica Neue"/>
-                        </a:defRPr>
-                      </a:pPr>
-                    </a:p>
-                  </a:txBody>
-                  <a:tcPr marL="50800" marR="50800" marT="50800" marB="50800" anchor="ctr" anchorCtr="0" horzOverflow="overflow"/>
-                </a:tc>
-                <a:tc>
-                  <a:txBody>
-                    <a:bodyPr/>
-                    <a:lstStyle/>
-                    <a:p>
-                      <a:pPr defTabSz="914400">
-                        <a:defRPr sz="3200">
-                          <a:sym typeface="Helvetica Neue"/>
-                        </a:defRPr>
-                      </a:pPr>
-                    </a:p>
-                  </a:txBody>
-                  <a:tcPr marL="50800" marR="50800" marT="50800" marB="50800" anchor="ctr" anchorCtr="0" horzOverflow="overflow"/>
-                </a:tc>
-                <a:tc>
-                  <a:txBody>
-                    <a:bodyPr/>
-                    <a:lstStyle/>
-                    <a:p>
-                      <a:pPr defTabSz="914400">
-                        <a:defRPr sz="3200">
-                          <a:sym typeface="Helvetica Neue"/>
-                        </a:defRPr>
-                      </a:pPr>
-                    </a:p>
-                  </a:txBody>
-                  <a:tcPr marL="50800" marR="50800" marT="50800" marB="50800" anchor="ctr" anchorCtr="0" horzOverflow="overflow"/>
-                </a:tc>
-                <a:tc>
-                  <a:txBody>
-                    <a:bodyPr/>
-                    <a:lstStyle/>
-                    <a:p>
-                      <a:pPr defTabSz="914400">
-                        <a:defRPr sz="3200">
-                          <a:sym typeface="Helvetica Neue"/>
-                        </a:defRPr>
-                      </a:pPr>
-                    </a:p>
-                  </a:txBody>
-                  <a:tcPr marL="50800" marR="50800" marT="50800" marB="50800" anchor="ctr" anchorCtr="0" horzOverflow="overflow"/>
-                </a:tc>
-                <a:tc>
-                  <a:txBody>
-                    <a:bodyPr/>
-                    <a:lstStyle/>
-                    <a:p>
-                      <a:pPr defTabSz="914400">
-                        <a:defRPr sz="3200">
-                          <a:sym typeface="Helvetica Neue"/>
-                        </a:defRPr>
-                      </a:pPr>
-                    </a:p>
-                  </a:txBody>
-                  <a:tcPr marL="50800" marR="50800" marT="50800" marB="50800" anchor="ctr" anchorCtr="0" horzOverflow="overflow"/>
-                </a:tc>
-                <a:tc>
-                  <a:txBody>
-                    <a:bodyPr/>
-                    <a:lstStyle/>
-                    <a:p>
-                      <a:pPr defTabSz="914400">
-                        <a:defRPr sz="3200">
-                          <a:sym typeface="Helvetica Neue"/>
-                        </a:defRPr>
-                      </a:pPr>
-                    </a:p>
-                  </a:txBody>
-                  <a:tcPr marL="50800" marR="50800" marT="50800" marB="50800" anchor="ctr" anchorCtr="0" horzOverflow="overflow"/>
-                </a:tc>
-                <a:tc>
-                  <a:txBody>
-                    <a:bodyPr/>
-                    <a:lstStyle/>
-                    <a:p>
-                      <a:pPr defTabSz="914400">
-                        <a:defRPr sz="3200">
-                          <a:sym typeface="Helvetica Neue"/>
-                        </a:defRPr>
-                      </a:pPr>
-                    </a:p>
-                  </a:txBody>
-                  <a:tcPr marL="50800" marR="50800" marT="50800" marB="50800" anchor="ctr" anchorCtr="0" horzOverflow="overflow"/>
-                </a:tc>
-                <a:tc>
-                  <a:txBody>
-                    <a:bodyPr/>
-                    <a:lstStyle/>
-                    <a:p>
-                      <a:pPr defTabSz="914400">
-                        <a:defRPr sz="3200">
-                          <a:sym typeface="Helvetica Neue"/>
-                        </a:defRPr>
-                      </a:pPr>
-                    </a:p>
-                  </a:txBody>
-                  <a:tcPr marL="50800" marR="50800" marT="50800" marB="50800" anchor="ctr" anchorCtr="0" horzOverflow="overflow"/>
-                </a:tc>
-              </a:tr>
-              <a:tr h="647755">
-                <a:tc>
-                  <a:txBody>
-                    <a:bodyPr/>
-                    <a:lstStyle/>
-                    <a:p>
-                      <a:pPr defTabSz="914400">
-                        <a:defRPr sz="1800"/>
-                      </a:pPr>
-                      <a:r>
-                        <a:rPr sz="3200">
-                          <a:sym typeface="Helvetica Neue"/>
-                        </a:rPr>
-                        <a:t>++</a:t>
-                      </a:r>
-                    </a:p>
-                  </a:txBody>
-                  <a:tcPr marL="50800" marR="50800" marT="50800" marB="50800" anchor="ctr" anchorCtr="0" horzOverflow="overflow"/>
-                </a:tc>
-                <a:tc>
-                  <a:txBody>
-                    <a:bodyPr/>
-                    <a:lstStyle/>
-                    <a:p>
-                      <a:pPr defTabSz="914400">
-                        <a:defRPr sz="1800"/>
-                      </a:pPr>
-                      <a:r>
-                        <a:rPr sz="3200">
-                          <a:sym typeface="Helvetica Neue"/>
-                        </a:rPr>
-                        <a:t>—</a:t>
-                      </a:r>
-                    </a:p>
-                  </a:txBody>
-                  <a:tcPr marL="50800" marR="50800" marT="50800" marB="50800" anchor="ctr" anchorCtr="0" horzOverflow="overflow"/>
-                </a:tc>
-                <a:tc>
-                  <a:txBody>
-                    <a:bodyPr/>
-                    <a:lstStyle/>
-                    <a:p>
-                      <a:pPr defTabSz="914400">
-                        <a:defRPr sz="3200">
-                          <a:sym typeface="Helvetica Neue"/>
-                        </a:defRPr>
-                      </a:pPr>
-                    </a:p>
-                  </a:txBody>
-                  <a:tcPr marL="50800" marR="50800" marT="50800" marB="50800" anchor="ctr" anchorCtr="0" horzOverflow="overflow"/>
-                </a:tc>
-                <a:tc>
-                  <a:txBody>
-                    <a:bodyPr/>
-                    <a:lstStyle/>
-                    <a:p>
-                      <a:pPr defTabSz="914400">
-                        <a:defRPr sz="3200">
-                          <a:sym typeface="Helvetica Neue"/>
-                        </a:defRPr>
-                      </a:pPr>
-                    </a:p>
-                  </a:txBody>
-                  <a:tcPr marL="50800" marR="50800" marT="50800" marB="50800" anchor="ctr" anchorCtr="0" horzOverflow="overflow"/>
-                </a:tc>
-                <a:tc>
-                  <a:txBody>
-                    <a:bodyPr/>
-                    <a:lstStyle/>
-                    <a:p>
-                      <a:pPr defTabSz="914400">
-                        <a:defRPr sz="3200">
-                          <a:sym typeface="Helvetica Neue"/>
-                        </a:defRPr>
-                      </a:pPr>
-                    </a:p>
-                  </a:txBody>
-                  <a:tcPr marL="50800" marR="50800" marT="50800" marB="50800" anchor="ctr" anchorCtr="0" horzOverflow="overflow"/>
-                </a:tc>
-                <a:tc>
-                  <a:txBody>
-                    <a:bodyPr/>
-                    <a:lstStyle/>
-                    <a:p>
-                      <a:pPr defTabSz="914400">
-                        <a:defRPr sz="3200">
-                          <a:sym typeface="Helvetica Neue"/>
-                        </a:defRPr>
-                      </a:pPr>
-                    </a:p>
-                  </a:txBody>
-                  <a:tcPr marL="50800" marR="50800" marT="50800" marB="50800" anchor="ctr" anchorCtr="0" horzOverflow="overflow"/>
-                </a:tc>
-                <a:tc>
-                  <a:txBody>
-                    <a:bodyPr/>
-                    <a:lstStyle/>
-                    <a:p>
-                      <a:pPr defTabSz="914400">
-                        <a:defRPr sz="3200">
-                          <a:sym typeface="Helvetica Neue"/>
-                        </a:defRPr>
-                      </a:pPr>
-                    </a:p>
-                  </a:txBody>
-                  <a:tcPr marL="50800" marR="50800" marT="50800" marB="50800" anchor="ctr" anchorCtr="0" horzOverflow="overflow"/>
-                </a:tc>
-                <a:tc>
-                  <a:txBody>
-                    <a:bodyPr/>
-                    <a:lstStyle/>
-                    <a:p>
-                      <a:pPr defTabSz="914400">
-                        <a:defRPr sz="3200">
-                          <a:sym typeface="Helvetica Neue"/>
-                        </a:defRPr>
-                      </a:pPr>
-                    </a:p>
-                  </a:txBody>
-                  <a:tcPr marL="50800" marR="50800" marT="50800" marB="50800" anchor="ctr" anchorCtr="0" horzOverflow="overflow"/>
-                </a:tc>
-                <a:tc>
-                  <a:txBody>
-                    <a:bodyPr/>
-                    <a:lstStyle/>
-                    <a:p>
-                      <a:pPr defTabSz="914400">
-                        <a:defRPr sz="3200">
-                          <a:sym typeface="Helvetica Neue"/>
-                        </a:defRPr>
-                      </a:pPr>
-                    </a:p>
-                  </a:txBody>
-                  <a:tcPr marL="50800" marR="50800" marT="50800" marB="50800" anchor="ctr" anchorCtr="0" horzOverflow="overflow"/>
-                </a:tc>
-                <a:tc>
-                  <a:txBody>
-                    <a:bodyPr/>
-                    <a:lstStyle/>
-                    <a:p>
-                      <a:pPr defTabSz="914400">
-                        <a:defRPr sz="3200">
-                          <a:sym typeface="Helvetica Neue"/>
-                        </a:defRPr>
-                      </a:pPr>
-                    </a:p>
-                  </a:txBody>
-                  <a:tcPr marL="50800" marR="50800" marT="50800" marB="50800" anchor="ctr" anchorCtr="0" horzOverflow="overflow"/>
-                </a:tc>
-                <a:tc>
-                  <a:txBody>
-                    <a:bodyPr/>
-                    <a:lstStyle/>
-                    <a:p>
-                      <a:pPr defTabSz="914400">
-                        <a:defRPr sz="3200">
-                          <a:sym typeface="Helvetica Neue"/>
-                        </a:defRPr>
-                      </a:pPr>
-                    </a:p>
-                  </a:txBody>
-                  <a:tcPr marL="50800" marR="50800" marT="50800" marB="50800" anchor="ctr" anchorCtr="0" horzOverflow="overflow"/>
-                </a:tc>
-                <a:tc>
-                  <a:txBody>
-                    <a:bodyPr/>
-                    <a:lstStyle/>
-                    <a:p>
-                      <a:pPr defTabSz="914400">
-                        <a:defRPr sz="3200">
-                          <a:sym typeface="Helvetica Neue"/>
-                        </a:defRPr>
-                      </a:pPr>
-                    </a:p>
-                  </a:txBody>
-                  <a:tcPr marL="50800" marR="50800" marT="50800" marB="50800" anchor="ctr" anchorCtr="0" horzOverflow="overflow"/>
-                </a:tc>
-              </a:tr>
-              <a:tr h="647755">
-                <a:tc>
-                  <a:txBody>
-                    <a:bodyPr/>
-                    <a:lstStyle/>
-                    <a:p>
-                      <a:pPr defTabSz="914400">
-                        <a:defRPr sz="1800"/>
-                      </a:pPr>
-                      <a:r>
-                        <a:rPr sz="3200">
-                          <a:sym typeface="Helvetica Neue"/>
-                        </a:rPr>
-                        <a:t>!</a:t>
-                      </a:r>
-                    </a:p>
-                  </a:txBody>
-                  <a:tcPr marL="50800" marR="50800" marT="50800" marB="50800" anchor="ctr" anchorCtr="0" horzOverflow="overflow"/>
-                </a:tc>
-                <a:tc>
-                  <a:txBody>
-                    <a:bodyPr/>
-                    <a:lstStyle/>
-                    <a:p>
-                      <a:pPr defTabSz="914400">
-                        <a:defRPr sz="1800"/>
-                      </a:pPr>
-                      <a:r>
-                        <a:rPr sz="3200">
-                          <a:sym typeface="Helvetica Neue"/>
-                        </a:rPr>
-                        <a:t>~</a:t>
-                      </a:r>
-                    </a:p>
-                  </a:txBody>
-                  <a:tcPr marL="50800" marR="50800" marT="50800" marB="50800" anchor="ctr" anchorCtr="0" horzOverflow="overflow"/>
-                </a:tc>
-                <a:tc>
-                  <a:txBody>
-                    <a:bodyPr/>
-                    <a:lstStyle/>
-                    <a:p>
-                      <a:pPr defTabSz="914400">
-                        <a:defRPr sz="1800"/>
-                      </a:pPr>
-                      <a:r>
-                        <a:rPr sz="3200">
-                          <a:sym typeface="Helvetica Neue"/>
-                        </a:rPr>
-                        <a:t>+(单目)</a:t>
-                      </a:r>
-                    </a:p>
-                  </a:txBody>
-                  <a:tcPr marL="50800" marR="50800" marT="50800" marB="50800" anchor="ctr" anchorCtr="0" horzOverflow="overflow"/>
-                </a:tc>
-                <a:tc>
-                  <a:txBody>
-                    <a:bodyPr/>
-                    <a:lstStyle/>
-                    <a:p>
-                      <a:pPr defTabSz="914400">
-                        <a:defRPr sz="1800"/>
-                      </a:pPr>
-                      <a:r>
-                        <a:rPr sz="3200">
-                          <a:sym typeface="Helvetica Neue"/>
-                        </a:rPr>
-                        <a:t>-(单目)</a:t>
-                      </a:r>
-                    </a:p>
-                  </a:txBody>
-                  <a:tcPr marL="50800" marR="50800" marT="50800" marB="50800" anchor="ctr" anchorCtr="0" horzOverflow="overflow"/>
-                </a:tc>
-                <a:tc>
-                  <a:txBody>
-                    <a:bodyPr/>
-                    <a:lstStyle/>
-                    <a:p>
-                      <a:pPr defTabSz="914400">
-                        <a:defRPr sz="1800"/>
-                      </a:pPr>
-                      <a:r>
-                        <a:rPr sz="3200">
-                          <a:sym typeface="Helvetica Neue"/>
-                        </a:rPr>
-                        <a:t>typeof</a:t>
-                      </a:r>
-                    </a:p>
-                  </a:txBody>
-                  <a:tcPr marL="50800" marR="50800" marT="50800" marB="50800" anchor="ctr" anchorCtr="0" horzOverflow="overflow"/>
-                </a:tc>
-                <a:tc>
-                  <a:txBody>
-                    <a:bodyPr/>
-                    <a:lstStyle/>
-                    <a:p>
-                      <a:pPr defTabSz="914400">
-                        <a:defRPr sz="1800"/>
-                      </a:pPr>
-                      <a:r>
-                        <a:rPr sz="3200">
-                          <a:sym typeface="Helvetica Neue"/>
-                        </a:rPr>
-                        <a:t>void</a:t>
-                      </a:r>
-                    </a:p>
-                  </a:txBody>
-                  <a:tcPr marL="50800" marR="50800" marT="50800" marB="50800" anchor="ctr" anchorCtr="0" horzOverflow="overflow"/>
-                </a:tc>
-                <a:tc>
-                  <a:txBody>
-                    <a:bodyPr/>
-                    <a:lstStyle/>
-                    <a:p>
-                      <a:pPr defTabSz="914400">
-                        <a:defRPr sz="1800"/>
-                      </a:pPr>
-                      <a:r>
-                        <a:rPr sz="3200">
-                          <a:sym typeface="Helvetica Neue"/>
-                        </a:rPr>
-                        <a:t>delete</a:t>
-                      </a:r>
-                    </a:p>
-                  </a:txBody>
-                  <a:tcPr marL="50800" marR="50800" marT="50800" marB="50800" anchor="ctr" anchorCtr="0" horzOverflow="overflow"/>
-                </a:tc>
-                <a:tc>
-                  <a:txBody>
-                    <a:bodyPr/>
-                    <a:lstStyle/>
-                    <a:p>
-                      <a:pPr defTabSz="914400">
-                        <a:defRPr sz="3200">
-                          <a:sym typeface="Helvetica Neue"/>
-                        </a:defRPr>
-                      </a:pPr>
-                    </a:p>
-                  </a:txBody>
-                  <a:tcPr marL="50800" marR="50800" marT="50800" marB="50800" anchor="ctr" anchorCtr="0" horzOverflow="overflow"/>
-                </a:tc>
-                <a:tc>
-                  <a:txBody>
-                    <a:bodyPr/>
-                    <a:lstStyle/>
-                    <a:p>
-                      <a:pPr defTabSz="914400">
-                        <a:defRPr sz="3200">
-                          <a:sym typeface="Helvetica Neue"/>
-                        </a:defRPr>
-                      </a:pPr>
-                    </a:p>
-                  </a:txBody>
-                  <a:tcPr marL="50800" marR="50800" marT="50800" marB="50800" anchor="ctr" anchorCtr="0" horzOverflow="overflow"/>
-                </a:tc>
-                <a:tc>
-                  <a:txBody>
-                    <a:bodyPr/>
-                    <a:lstStyle/>
-                    <a:p>
-                      <a:pPr defTabSz="914400">
-                        <a:defRPr sz="3200">
-                          <a:sym typeface="Helvetica Neue"/>
-                        </a:defRPr>
-                      </a:pPr>
-                    </a:p>
-                  </a:txBody>
-                  <a:tcPr marL="50800" marR="50800" marT="50800" marB="50800" anchor="ctr" anchorCtr="0" horzOverflow="overflow"/>
-                </a:tc>
-                <a:tc>
-                  <a:txBody>
-                    <a:bodyPr/>
-                    <a:lstStyle/>
-                    <a:p>
-                      <a:pPr defTabSz="914400">
-                        <a:defRPr sz="3200">
-                          <a:sym typeface="Helvetica Neue"/>
-                        </a:defRPr>
-                      </a:pPr>
-                    </a:p>
-                  </a:txBody>
-                  <a:tcPr marL="50800" marR="50800" marT="50800" marB="50800" anchor="ctr" anchorCtr="0" horzOverflow="overflow"/>
-                </a:tc>
-                <a:tc>
-                  <a:txBody>
-                    <a:bodyPr/>
-                    <a:lstStyle/>
-                    <a:p>
-                      <a:pPr defTabSz="914400">
-                        <a:defRPr sz="3200">
-                          <a:sym typeface="Helvetica Neue"/>
-                        </a:defRPr>
-                      </a:pPr>
-                    </a:p>
-                  </a:txBody>
-                  <a:tcPr marL="50800" marR="50800" marT="50800" marB="50800" anchor="ctr" anchorCtr="0" horzOverflow="overflow"/>
-                </a:tc>
-              </a:tr>
-              <a:tr h="647755">
-                <a:tc>
-                  <a:txBody>
-                    <a:bodyPr/>
-                    <a:lstStyle/>
-                    <a:p>
-                      <a:pPr defTabSz="914400">
-                        <a:defRPr sz="1800"/>
-                      </a:pPr>
-                      <a:r>
-                        <a:rPr sz="3200">
-                          <a:sym typeface="Helvetica Neue"/>
-                        </a:rPr>
-                        <a:t>%</a:t>
-                      </a:r>
-                    </a:p>
-                  </a:txBody>
-                  <a:tcPr marL="50800" marR="50800" marT="50800" marB="50800" anchor="ctr" anchorCtr="0" horzOverflow="overflow"/>
-                </a:tc>
-                <a:tc>
-                  <a:txBody>
-                    <a:bodyPr/>
-                    <a:lstStyle/>
-                    <a:p>
-                      <a:pPr defTabSz="914400">
-                        <a:defRPr sz="1800"/>
-                      </a:pPr>
-                      <a:r>
-                        <a:rPr sz="3200">
-                          <a:sym typeface="Helvetica Neue"/>
-                        </a:rPr>
-                        <a:t>*</a:t>
-                      </a:r>
-                    </a:p>
-                  </a:txBody>
-                  <a:tcPr marL="50800" marR="50800" marT="50800" marB="50800" anchor="ctr" anchorCtr="0" horzOverflow="overflow"/>
-                </a:tc>
-                <a:tc>
-                  <a:txBody>
-                    <a:bodyPr/>
-                    <a:lstStyle/>
-                    <a:p>
-                      <a:pPr defTabSz="914400">
-                        <a:defRPr sz="1800"/>
-                      </a:pPr>
-                      <a:r>
-                        <a:rPr sz="3200">
-                          <a:sym typeface="Helvetica Neue"/>
-                        </a:rPr>
-                        <a:t>/</a:t>
-                      </a:r>
-                    </a:p>
-                  </a:txBody>
-                  <a:tcPr marL="50800" marR="50800" marT="50800" marB="50800" anchor="ctr" anchorCtr="0" horzOverflow="overflow"/>
-                </a:tc>
-                <a:tc>
-                  <a:txBody>
-                    <a:bodyPr/>
-                    <a:lstStyle/>
-                    <a:p>
-                      <a:pPr defTabSz="914400">
-                        <a:defRPr sz="3200">
-                          <a:sym typeface="Helvetica Neue"/>
-                        </a:defRPr>
-                      </a:pPr>
-                    </a:p>
-                  </a:txBody>
-                  <a:tcPr marL="50800" marR="50800" marT="50800" marB="50800" anchor="ctr" anchorCtr="0" horzOverflow="overflow"/>
-                </a:tc>
-                <a:tc>
-                  <a:txBody>
-                    <a:bodyPr/>
-                    <a:lstStyle/>
-                    <a:p>
-                      <a:pPr defTabSz="914400">
-                        <a:defRPr sz="3200">
-                          <a:sym typeface="Helvetica Neue"/>
-                        </a:defRPr>
-                      </a:pPr>
-                    </a:p>
-                  </a:txBody>
-                  <a:tcPr marL="50800" marR="50800" marT="50800" marB="50800" anchor="ctr" anchorCtr="0" horzOverflow="overflow"/>
-                </a:tc>
-                <a:tc>
-                  <a:txBody>
-                    <a:bodyPr/>
-                    <a:lstStyle/>
-                    <a:p>
-                      <a:pPr defTabSz="914400">
-                        <a:defRPr sz="3200">
-                          <a:sym typeface="Helvetica Neue"/>
-                        </a:defRPr>
-                      </a:pPr>
-                    </a:p>
-                  </a:txBody>
-                  <a:tcPr marL="50800" marR="50800" marT="50800" marB="50800" anchor="ctr" anchorCtr="0" horzOverflow="overflow"/>
-                </a:tc>
-                <a:tc>
-                  <a:txBody>
-                    <a:bodyPr/>
-                    <a:lstStyle/>
-                    <a:p>
-                      <a:pPr defTabSz="914400">
-                        <a:defRPr sz="3200">
-                          <a:sym typeface="Helvetica Neue"/>
-                        </a:defRPr>
-                      </a:pPr>
-                    </a:p>
-                  </a:txBody>
-                  <a:tcPr marL="50800" marR="50800" marT="50800" marB="50800" anchor="ctr" anchorCtr="0" horzOverflow="overflow"/>
-                </a:tc>
-                <a:tc>
-                  <a:txBody>
-                    <a:bodyPr/>
-                    <a:lstStyle/>
-                    <a:p>
-                      <a:pPr defTabSz="914400">
-                        <a:defRPr sz="3200">
-                          <a:sym typeface="Helvetica Neue"/>
-                        </a:defRPr>
-                      </a:pPr>
-                    </a:p>
-                  </a:txBody>
-                  <a:tcPr marL="50800" marR="50800" marT="50800" marB="50800" anchor="ctr" anchorCtr="0" horzOverflow="overflow"/>
-                </a:tc>
-                <a:tc>
-                  <a:txBody>
-                    <a:bodyPr/>
-                    <a:lstStyle/>
-                    <a:p>
-                      <a:pPr defTabSz="914400">
-                        <a:defRPr sz="3200">
-                          <a:sym typeface="Helvetica Neue"/>
-                        </a:defRPr>
-                      </a:pPr>
-                    </a:p>
-                  </a:txBody>
-                  <a:tcPr marL="50800" marR="50800" marT="50800" marB="50800" anchor="ctr" anchorCtr="0" horzOverflow="overflow"/>
-                </a:tc>
-                <a:tc>
-                  <a:txBody>
-                    <a:bodyPr/>
-                    <a:lstStyle/>
-                    <a:p>
-                      <a:pPr defTabSz="914400">
-                        <a:defRPr sz="3200">
-                          <a:sym typeface="Helvetica Neue"/>
-                        </a:defRPr>
-                      </a:pPr>
-                    </a:p>
-                  </a:txBody>
-                  <a:tcPr marL="50800" marR="50800" marT="50800" marB="50800" anchor="ctr" anchorCtr="0" horzOverflow="overflow"/>
-                </a:tc>
-                <a:tc>
-                  <a:txBody>
-                    <a:bodyPr/>
-                    <a:lstStyle/>
-                    <a:p>
-                      <a:pPr defTabSz="914400">
-                        <a:defRPr sz="3200">
-                          <a:sym typeface="Helvetica Neue"/>
-                        </a:defRPr>
-                      </a:pPr>
-                    </a:p>
-                  </a:txBody>
-                  <a:tcPr marL="50800" marR="50800" marT="50800" marB="50800" anchor="ctr" anchorCtr="0" horzOverflow="overflow"/>
-                </a:tc>
-                <a:tc>
-                  <a:txBody>
-                    <a:bodyPr/>
-                    <a:lstStyle/>
-                    <a:p>
-                      <a:pPr defTabSz="914400">
-                        <a:defRPr sz="3200">
-                          <a:sym typeface="Helvetica Neue"/>
-                        </a:defRPr>
-                      </a:pPr>
-                    </a:p>
-                  </a:txBody>
-                  <a:tcPr marL="50800" marR="50800" marT="50800" marB="50800" anchor="ctr" anchorCtr="0" horzOverflow="overflow"/>
-                </a:tc>
-              </a:tr>
-              <a:tr h="647755">
-                <a:tc>
-                  <a:txBody>
-                    <a:bodyPr/>
-                    <a:lstStyle/>
-                    <a:p>
-                      <a:pPr defTabSz="914400">
-                        <a:defRPr sz="1800"/>
-                      </a:pPr>
-                      <a:r>
-                        <a:rPr sz="3200">
-                          <a:sym typeface="Helvetica Neue"/>
-                        </a:rPr>
-                        <a:t>+(双目)</a:t>
-                      </a:r>
-                    </a:p>
-                  </a:txBody>
-                  <a:tcPr marL="50800" marR="50800" marT="50800" marB="50800" anchor="ctr" anchorCtr="0" horzOverflow="overflow"/>
-                </a:tc>
-                <a:tc>
-                  <a:txBody>
-                    <a:bodyPr/>
-                    <a:lstStyle/>
-                    <a:p>
-                      <a:pPr defTabSz="914400">
-                        <a:defRPr sz="1800"/>
-                      </a:pPr>
-                      <a:r>
-                        <a:rPr sz="3200">
-                          <a:sym typeface="Helvetica Neue"/>
-                        </a:rPr>
-                        <a:t>-(双目)</a:t>
-                      </a:r>
-                    </a:p>
-                  </a:txBody>
-                  <a:tcPr marL="50800" marR="50800" marT="50800" marB="50800" anchor="ctr" anchorCtr="0" horzOverflow="overflow"/>
-                </a:tc>
-                <a:tc>
-                  <a:txBody>
-                    <a:bodyPr/>
-                    <a:lstStyle/>
-                    <a:p>
-                      <a:pPr defTabSz="914400">
-                        <a:defRPr sz="3200">
-                          <a:sym typeface="Helvetica Neue"/>
-                        </a:defRPr>
-                      </a:pPr>
-                    </a:p>
-                  </a:txBody>
-                  <a:tcPr marL="50800" marR="50800" marT="50800" marB="50800" anchor="ctr" anchorCtr="0" horzOverflow="overflow"/>
-                </a:tc>
-                <a:tc>
-                  <a:txBody>
-                    <a:bodyPr/>
-                    <a:lstStyle/>
-                    <a:p>
-                      <a:pPr defTabSz="914400">
-                        <a:defRPr sz="3200">
-                          <a:sym typeface="Helvetica Neue"/>
-                        </a:defRPr>
-                      </a:pPr>
-                    </a:p>
-                  </a:txBody>
-                  <a:tcPr marL="50800" marR="50800" marT="50800" marB="50800" anchor="ctr" anchorCtr="0" horzOverflow="overflow"/>
-                </a:tc>
-                <a:tc>
-                  <a:txBody>
-                    <a:bodyPr/>
-                    <a:lstStyle/>
-                    <a:p>
-                      <a:pPr defTabSz="914400">
-                        <a:defRPr sz="3200">
-                          <a:sym typeface="Helvetica Neue"/>
-                        </a:defRPr>
-                      </a:pPr>
-                    </a:p>
-                  </a:txBody>
-                  <a:tcPr marL="50800" marR="50800" marT="50800" marB="50800" anchor="ctr" anchorCtr="0" horzOverflow="overflow"/>
-                </a:tc>
-                <a:tc>
-                  <a:txBody>
-                    <a:bodyPr/>
-                    <a:lstStyle/>
-                    <a:p>
-                      <a:pPr defTabSz="914400">
-                        <a:defRPr sz="3200">
-                          <a:sym typeface="Helvetica Neue"/>
-                        </a:defRPr>
-                      </a:pPr>
-                    </a:p>
-                  </a:txBody>
-                  <a:tcPr marL="50800" marR="50800" marT="50800" marB="50800" anchor="ctr" anchorCtr="0" horzOverflow="overflow"/>
-                </a:tc>
-                <a:tc>
-                  <a:txBody>
-                    <a:bodyPr/>
-                    <a:lstStyle/>
-                    <a:p>
-                      <a:pPr defTabSz="914400">
-                        <a:defRPr sz="3200">
-                          <a:sym typeface="Helvetica Neue"/>
-                        </a:defRPr>
-                      </a:pPr>
-                    </a:p>
-                  </a:txBody>
-                  <a:tcPr marL="50800" marR="50800" marT="50800" marB="50800" anchor="ctr" anchorCtr="0" horzOverflow="overflow"/>
-                </a:tc>
-                <a:tc>
-                  <a:txBody>
-                    <a:bodyPr/>
-                    <a:lstStyle/>
-                    <a:p>
-                      <a:pPr defTabSz="914400">
-                        <a:defRPr sz="3200">
-                          <a:sym typeface="Helvetica Neue"/>
-                        </a:defRPr>
-                      </a:pPr>
-                    </a:p>
-                  </a:txBody>
-                  <a:tcPr marL="50800" marR="50800" marT="50800" marB="50800" anchor="ctr" anchorCtr="0" horzOverflow="overflow"/>
-                </a:tc>
-                <a:tc>
-                  <a:txBody>
-                    <a:bodyPr/>
-                    <a:lstStyle/>
-                    <a:p>
-                      <a:pPr defTabSz="914400">
-                        <a:defRPr sz="3200">
-                          <a:sym typeface="Helvetica Neue"/>
-                        </a:defRPr>
-                      </a:pPr>
-                    </a:p>
-                  </a:txBody>
-                  <a:tcPr marL="50800" marR="50800" marT="50800" marB="50800" anchor="ctr" anchorCtr="0" horzOverflow="overflow"/>
-                </a:tc>
-                <a:tc>
-                  <a:txBody>
-                    <a:bodyPr/>
-                    <a:lstStyle/>
-                    <a:p>
-                      <a:pPr defTabSz="914400">
-                        <a:defRPr sz="3200">
-                          <a:sym typeface="Helvetica Neue"/>
-                        </a:defRPr>
-                      </a:pPr>
-                    </a:p>
-                  </a:txBody>
-                  <a:tcPr marL="50800" marR="50800" marT="50800" marB="50800" anchor="ctr" anchorCtr="0" horzOverflow="overflow"/>
-                </a:tc>
-                <a:tc>
-                  <a:txBody>
-                    <a:bodyPr/>
-                    <a:lstStyle/>
-                    <a:p>
-                      <a:pPr defTabSz="914400">
-                        <a:defRPr sz="3200">
-                          <a:sym typeface="Helvetica Neue"/>
-                        </a:defRPr>
-                      </a:pPr>
-                    </a:p>
-                  </a:txBody>
-                  <a:tcPr marL="50800" marR="50800" marT="50800" marB="50800" anchor="ctr" anchorCtr="0" horzOverflow="overflow"/>
-                </a:tc>
-                <a:tc>
-                  <a:txBody>
-                    <a:bodyPr/>
-                    <a:lstStyle/>
-                    <a:p>
-                      <a:pPr defTabSz="914400">
-                        <a:defRPr sz="3200">
-                          <a:sym typeface="Helvetica Neue"/>
-                        </a:defRPr>
-                      </a:pPr>
-                    </a:p>
-                  </a:txBody>
-                  <a:tcPr marL="50800" marR="50800" marT="50800" marB="50800" anchor="ctr" anchorCtr="0" horzOverflow="overflow"/>
-                </a:tc>
-              </a:tr>
-              <a:tr h="647755">
-                <a:tc>
-                  <a:txBody>
-                    <a:bodyPr/>
-                    <a:lstStyle/>
-                    <a:p>
-                      <a:pPr defTabSz="914400">
-                        <a:defRPr sz="1800"/>
-                      </a:pPr>
-                      <a:r>
-                        <a:rPr sz="3200">
-                          <a:sym typeface="Helvetica Neue"/>
-                        </a:rPr>
-                        <a:t>&lt;&lt;</a:t>
-                      </a:r>
-                    </a:p>
-                  </a:txBody>
-                  <a:tcPr marL="50800" marR="50800" marT="50800" marB="50800" anchor="ctr" anchorCtr="0" horzOverflow="overflow"/>
-                </a:tc>
-                <a:tc>
-                  <a:txBody>
-                    <a:bodyPr/>
-                    <a:lstStyle/>
-                    <a:p>
-                      <a:pPr defTabSz="914400">
-                        <a:defRPr sz="1800"/>
-                      </a:pPr>
-                      <a:r>
-                        <a:rPr sz="3200">
-                          <a:sym typeface="Helvetica Neue"/>
-                        </a:rPr>
-                        <a:t>&gt;&gt;</a:t>
-                      </a:r>
-                    </a:p>
-                  </a:txBody>
-                  <a:tcPr marL="50800" marR="50800" marT="50800" marB="50800" anchor="ctr" anchorCtr="0" horzOverflow="overflow"/>
-                </a:tc>
-                <a:tc>
-                  <a:txBody>
-                    <a:bodyPr/>
-                    <a:lstStyle/>
-                    <a:p>
-                      <a:pPr defTabSz="914400">
-                        <a:defRPr sz="1800"/>
-                      </a:pPr>
-                      <a:r>
-                        <a:rPr sz="3200">
-                          <a:sym typeface="Helvetica Neue"/>
-                        </a:rPr>
-                        <a:t>&gt;&gt;&gt;</a:t>
-                      </a:r>
-                    </a:p>
-                  </a:txBody>
-                  <a:tcPr marL="50800" marR="50800" marT="50800" marB="50800" anchor="ctr" anchorCtr="0" horzOverflow="overflow"/>
-                </a:tc>
-                <a:tc>
-                  <a:txBody>
-                    <a:bodyPr/>
-                    <a:lstStyle/>
-                    <a:p>
-                      <a:pPr defTabSz="914400">
-                        <a:defRPr sz="3200">
-                          <a:sym typeface="Helvetica Neue"/>
-                        </a:defRPr>
-                      </a:pPr>
-                    </a:p>
-                  </a:txBody>
-                  <a:tcPr marL="50800" marR="50800" marT="50800" marB="50800" anchor="ctr" anchorCtr="0" horzOverflow="overflow"/>
-                </a:tc>
-                <a:tc>
-                  <a:txBody>
-                    <a:bodyPr/>
-                    <a:lstStyle/>
-                    <a:p>
-                      <a:pPr defTabSz="914400">
-                        <a:defRPr sz="3200">
-                          <a:sym typeface="Helvetica Neue"/>
-                        </a:defRPr>
-                      </a:pPr>
-                    </a:p>
-                  </a:txBody>
-                  <a:tcPr marL="50800" marR="50800" marT="50800" marB="50800" anchor="ctr" anchorCtr="0" horzOverflow="overflow"/>
-                </a:tc>
-                <a:tc>
-                  <a:txBody>
-                    <a:bodyPr/>
-                    <a:lstStyle/>
-                    <a:p>
-                      <a:pPr defTabSz="914400">
-                        <a:defRPr sz="3200">
-                          <a:sym typeface="Helvetica Neue"/>
-                        </a:defRPr>
-                      </a:pPr>
-                    </a:p>
-                  </a:txBody>
-                  <a:tcPr marL="50800" marR="50800" marT="50800" marB="50800" anchor="ctr" anchorCtr="0" horzOverflow="overflow"/>
-                </a:tc>
-                <a:tc>
-                  <a:txBody>
-                    <a:bodyPr/>
-                    <a:lstStyle/>
-                    <a:p>
-                      <a:pPr defTabSz="914400">
-                        <a:defRPr sz="3200">
-                          <a:sym typeface="Helvetica Neue"/>
-                        </a:defRPr>
-                      </a:pPr>
-                    </a:p>
-                  </a:txBody>
-                  <a:tcPr marL="50800" marR="50800" marT="50800" marB="50800" anchor="ctr" anchorCtr="0" horzOverflow="overflow"/>
-                </a:tc>
-                <a:tc>
-                  <a:txBody>
-                    <a:bodyPr/>
-                    <a:lstStyle/>
-                    <a:p>
-                      <a:pPr defTabSz="914400">
-                        <a:defRPr sz="3200">
-                          <a:sym typeface="Helvetica Neue"/>
-                        </a:defRPr>
-                      </a:pPr>
-                    </a:p>
-                  </a:txBody>
-                  <a:tcPr marL="50800" marR="50800" marT="50800" marB="50800" anchor="ctr" anchorCtr="0" horzOverflow="overflow"/>
-                </a:tc>
-                <a:tc>
-                  <a:txBody>
-                    <a:bodyPr/>
-                    <a:lstStyle/>
-                    <a:p>
-                      <a:pPr defTabSz="914400">
-                        <a:defRPr sz="3200">
-                          <a:sym typeface="Helvetica Neue"/>
-                        </a:defRPr>
-                      </a:pPr>
-                    </a:p>
-                  </a:txBody>
-                  <a:tcPr marL="50800" marR="50800" marT="50800" marB="50800" anchor="ctr" anchorCtr="0" horzOverflow="overflow"/>
-                </a:tc>
-                <a:tc>
-                  <a:txBody>
-                    <a:bodyPr/>
-                    <a:lstStyle/>
-                    <a:p>
-                      <a:pPr defTabSz="914400">
-                        <a:defRPr sz="3200">
-                          <a:sym typeface="Helvetica Neue"/>
-                        </a:defRPr>
-                      </a:pPr>
-                    </a:p>
-                  </a:txBody>
-                  <a:tcPr marL="50800" marR="50800" marT="50800" marB="50800" anchor="ctr" anchorCtr="0" horzOverflow="overflow"/>
-                </a:tc>
-                <a:tc>
-                  <a:txBody>
-                    <a:bodyPr/>
-                    <a:lstStyle/>
-                    <a:p>
-                      <a:pPr defTabSz="914400">
-                        <a:defRPr sz="3200">
-                          <a:sym typeface="Helvetica Neue"/>
-                        </a:defRPr>
-                      </a:pPr>
-                    </a:p>
-                  </a:txBody>
-                  <a:tcPr marL="50800" marR="50800" marT="50800" marB="50800" anchor="ctr" anchorCtr="0" horzOverflow="overflow"/>
-                </a:tc>
-                <a:tc>
-                  <a:txBody>
-                    <a:bodyPr/>
-                    <a:lstStyle/>
-                    <a:p>
-                      <a:pPr defTabSz="914400">
-                        <a:defRPr sz="3200">
-                          <a:sym typeface="Helvetica Neue"/>
-                        </a:defRPr>
-                      </a:pPr>
-                    </a:p>
-                  </a:txBody>
-                  <a:tcPr marL="50800" marR="50800" marT="50800" marB="50800" anchor="ctr" anchorCtr="0" horzOverflow="overflow"/>
-                </a:tc>
-              </a:tr>
-              <a:tr h="647755">
-                <a:tc>
-                  <a:txBody>
-                    <a:bodyPr/>
-                    <a:lstStyle/>
-                    <a:p>
-                      <a:pPr defTabSz="914400">
-                        <a:defRPr sz="1800"/>
-                      </a:pPr>
-                      <a:r>
-                        <a:rPr sz="3200">
-                          <a:sym typeface="Helvetica Neue"/>
-                        </a:rPr>
-                        <a:t>&lt;</a:t>
-                      </a:r>
-                    </a:p>
-                  </a:txBody>
-                  <a:tcPr marL="50800" marR="50800" marT="50800" marB="50800" anchor="ctr" anchorCtr="0" horzOverflow="overflow"/>
-                </a:tc>
-                <a:tc>
-                  <a:txBody>
-                    <a:bodyPr/>
-                    <a:lstStyle/>
-                    <a:p>
-                      <a:pPr defTabSz="914400">
-                        <a:defRPr sz="1800"/>
-                      </a:pPr>
-                      <a:r>
-                        <a:rPr sz="3200">
-                          <a:sym typeface="Helvetica Neue"/>
-                        </a:rPr>
-                        <a:t>&lt;=</a:t>
-                      </a:r>
-                    </a:p>
-                  </a:txBody>
-                  <a:tcPr marL="50800" marR="50800" marT="50800" marB="50800" anchor="ctr" anchorCtr="0" horzOverflow="overflow"/>
-                </a:tc>
-                <a:tc>
-                  <a:txBody>
-                    <a:bodyPr/>
-                    <a:lstStyle/>
-                    <a:p>
-                      <a:pPr defTabSz="914400">
-                        <a:defRPr sz="1800"/>
-                      </a:pPr>
-                      <a:r>
-                        <a:rPr sz="3200">
-                          <a:sym typeface="Helvetica Neue"/>
-                        </a:rPr>
-                        <a:t>&gt;</a:t>
-                      </a:r>
-                    </a:p>
-                  </a:txBody>
-                  <a:tcPr marL="50800" marR="50800" marT="50800" marB="50800" anchor="ctr" anchorCtr="0" horzOverflow="overflow"/>
-                </a:tc>
-                <a:tc>
-                  <a:txBody>
-                    <a:bodyPr/>
-                    <a:lstStyle/>
-                    <a:p>
-                      <a:pPr defTabSz="914400">
-                        <a:defRPr sz="1800"/>
-                      </a:pPr>
-                      <a:r>
-                        <a:rPr sz="3200">
-                          <a:sym typeface="Helvetica Neue"/>
-                        </a:rPr>
-                        <a:t>&gt;=</a:t>
-                      </a:r>
-                    </a:p>
-                  </a:txBody>
-                  <a:tcPr marL="50800" marR="50800" marT="50800" marB="50800" anchor="ctr" anchorCtr="0" horzOverflow="overflow"/>
-                </a:tc>
-                <a:tc>
-                  <a:txBody>
-                    <a:bodyPr/>
-                    <a:lstStyle/>
-                    <a:p>
-                      <a:pPr defTabSz="914400">
-                        <a:defRPr sz="3200">
-                          <a:sym typeface="Helvetica Neue"/>
-                        </a:defRPr>
-                      </a:pPr>
-                    </a:p>
-                  </a:txBody>
-                  <a:tcPr marL="50800" marR="50800" marT="50800" marB="50800" anchor="ctr" anchorCtr="0" horzOverflow="overflow"/>
-                </a:tc>
-                <a:tc>
-                  <a:txBody>
-                    <a:bodyPr/>
-                    <a:lstStyle/>
-                    <a:p>
-                      <a:pPr defTabSz="914400">
-                        <a:defRPr sz="3200">
-                          <a:sym typeface="Helvetica Neue"/>
-                        </a:defRPr>
-                      </a:pPr>
-                    </a:p>
-                  </a:txBody>
-                  <a:tcPr marL="50800" marR="50800" marT="50800" marB="50800" anchor="ctr" anchorCtr="0" horzOverflow="overflow"/>
-                </a:tc>
-                <a:tc>
-                  <a:txBody>
-                    <a:bodyPr/>
-                    <a:lstStyle/>
-                    <a:p>
-                      <a:pPr defTabSz="914400">
-                        <a:defRPr sz="3200">
-                          <a:sym typeface="Helvetica Neue"/>
-                        </a:defRPr>
-                      </a:pPr>
-                    </a:p>
-                  </a:txBody>
-                  <a:tcPr marL="50800" marR="50800" marT="50800" marB="50800" anchor="ctr" anchorCtr="0" horzOverflow="overflow"/>
-                </a:tc>
-                <a:tc>
-                  <a:txBody>
-                    <a:bodyPr/>
-                    <a:lstStyle/>
-                    <a:p>
-                      <a:pPr defTabSz="914400">
-                        <a:defRPr sz="3200">
-                          <a:sym typeface="Helvetica Neue"/>
-                        </a:defRPr>
-                      </a:pPr>
-                    </a:p>
-                  </a:txBody>
-                  <a:tcPr marL="50800" marR="50800" marT="50800" marB="50800" anchor="ctr" anchorCtr="0" horzOverflow="overflow"/>
-                </a:tc>
-                <a:tc>
-                  <a:txBody>
-                    <a:bodyPr/>
-                    <a:lstStyle/>
-                    <a:p>
-                      <a:pPr defTabSz="914400">
-                        <a:defRPr sz="3200">
-                          <a:sym typeface="Helvetica Neue"/>
-                        </a:defRPr>
-                      </a:pPr>
-                    </a:p>
-                  </a:txBody>
-                  <a:tcPr marL="50800" marR="50800" marT="50800" marB="50800" anchor="ctr" anchorCtr="0" horzOverflow="overflow"/>
-                </a:tc>
-                <a:tc>
-                  <a:txBody>
-                    <a:bodyPr/>
-                    <a:lstStyle/>
-                    <a:p>
-                      <a:pPr defTabSz="914400">
-                        <a:defRPr sz="3200">
-                          <a:sym typeface="Helvetica Neue"/>
-                        </a:defRPr>
-                      </a:pPr>
-                    </a:p>
-                  </a:txBody>
-                  <a:tcPr marL="50800" marR="50800" marT="50800" marB="50800" anchor="ctr" anchorCtr="0" horzOverflow="overflow"/>
-                </a:tc>
-                <a:tc>
-                  <a:txBody>
-                    <a:bodyPr/>
-                    <a:lstStyle/>
-                    <a:p>
-                      <a:pPr defTabSz="914400">
-                        <a:defRPr sz="3200">
-                          <a:sym typeface="Helvetica Neue"/>
-                        </a:defRPr>
-                      </a:pPr>
-                    </a:p>
-                  </a:txBody>
-                  <a:tcPr marL="50800" marR="50800" marT="50800" marB="50800" anchor="ctr" anchorCtr="0" horzOverflow="overflow"/>
-                </a:tc>
-                <a:tc>
-                  <a:txBody>
-                    <a:bodyPr/>
-                    <a:lstStyle/>
-                    <a:p>
-                      <a:pPr defTabSz="914400">
-                        <a:defRPr sz="3200">
-                          <a:sym typeface="Helvetica Neue"/>
-                        </a:defRPr>
-                      </a:pPr>
-                    </a:p>
-                  </a:txBody>
-                  <a:tcPr marL="50800" marR="50800" marT="50800" marB="50800" anchor="ctr" anchorCtr="0" horzOverflow="overflow"/>
-                </a:tc>
-              </a:tr>
-              <a:tr h="647755">
-                <a:tc>
-                  <a:txBody>
-                    <a:bodyPr/>
-                    <a:lstStyle/>
-                    <a:p>
-                      <a:pPr defTabSz="914400">
-                        <a:defRPr sz="1800"/>
-                      </a:pPr>
-                      <a:r>
-                        <a:rPr sz="3200">
-                          <a:sym typeface="Helvetica Neue"/>
-                        </a:rPr>
-                        <a:t> ==</a:t>
-                      </a:r>
-                    </a:p>
-                  </a:txBody>
-                  <a:tcPr marL="50800" marR="50800" marT="50800" marB="50800" anchor="ctr" anchorCtr="0" horzOverflow="overflow"/>
-                </a:tc>
-                <a:tc>
-                  <a:txBody>
-                    <a:bodyPr/>
-                    <a:lstStyle/>
-                    <a:p>
-                      <a:pPr defTabSz="914400">
-                        <a:defRPr sz="1800"/>
-                      </a:pPr>
-                      <a:r>
-                        <a:rPr sz="3200">
-                          <a:sym typeface="Helvetica Neue"/>
-                        </a:rPr>
-                        <a:t>!==</a:t>
-                      </a:r>
-                    </a:p>
-                  </a:txBody>
-                  <a:tcPr marL="50800" marR="50800" marT="50800" marB="50800" anchor="ctr" anchorCtr="0" horzOverflow="overflow"/>
-                </a:tc>
-                <a:tc>
-                  <a:txBody>
-                    <a:bodyPr/>
-                    <a:lstStyle/>
-                    <a:p>
-                      <a:pPr defTabSz="914400">
-                        <a:defRPr sz="1800"/>
-                      </a:pPr>
-                      <a:r>
-                        <a:rPr sz="3200">
-                          <a:sym typeface="Helvetica Neue"/>
-                        </a:rPr>
-                        <a:t> ===</a:t>
-                      </a:r>
-                    </a:p>
-                  </a:txBody>
-                  <a:tcPr marL="50800" marR="50800" marT="50800" marB="50800" anchor="ctr" anchorCtr="0" horzOverflow="overflow"/>
-                </a:tc>
-                <a:tc>
-                  <a:txBody>
-                    <a:bodyPr/>
-                    <a:lstStyle/>
-                    <a:p>
-                      <a:pPr defTabSz="914400">
-                        <a:defRPr sz="3200">
-                          <a:sym typeface="Helvetica Neue"/>
-                        </a:defRPr>
-                      </a:pPr>
-                    </a:p>
-                  </a:txBody>
-                  <a:tcPr marL="50800" marR="50800" marT="50800" marB="50800" anchor="ctr" anchorCtr="0" horzOverflow="overflow"/>
-                </a:tc>
-                <a:tc>
-                  <a:txBody>
-                    <a:bodyPr/>
-                    <a:lstStyle/>
-                    <a:p>
-                      <a:pPr defTabSz="914400">
-                        <a:defRPr sz="3200">
-                          <a:sym typeface="Helvetica Neue"/>
-                        </a:defRPr>
-                      </a:pPr>
-                    </a:p>
-                  </a:txBody>
-                  <a:tcPr marL="50800" marR="50800" marT="50800" marB="50800" anchor="ctr" anchorCtr="0" horzOverflow="overflow"/>
-                </a:tc>
-                <a:tc>
-                  <a:txBody>
-                    <a:bodyPr/>
-                    <a:lstStyle/>
-                    <a:p>
-                      <a:pPr defTabSz="914400">
-                        <a:defRPr sz="3200">
-                          <a:sym typeface="Helvetica Neue"/>
-                        </a:defRPr>
-                      </a:pPr>
-                    </a:p>
-                  </a:txBody>
-                  <a:tcPr marL="50800" marR="50800" marT="50800" marB="50800" anchor="ctr" anchorCtr="0" horzOverflow="overflow"/>
-                </a:tc>
-                <a:tc>
-                  <a:txBody>
-                    <a:bodyPr/>
-                    <a:lstStyle/>
-                    <a:p>
-                      <a:pPr defTabSz="914400">
-                        <a:defRPr sz="3200">
-                          <a:sym typeface="Helvetica Neue"/>
-                        </a:defRPr>
-                      </a:pPr>
-                    </a:p>
-                  </a:txBody>
-                  <a:tcPr marL="50800" marR="50800" marT="50800" marB="50800" anchor="ctr" anchorCtr="0" horzOverflow="overflow"/>
-                </a:tc>
-                <a:tc>
-                  <a:txBody>
-                    <a:bodyPr/>
-                    <a:lstStyle/>
-                    <a:p>
-                      <a:pPr defTabSz="914400">
-                        <a:defRPr sz="3200">
-                          <a:sym typeface="Helvetica Neue"/>
-                        </a:defRPr>
-                      </a:pPr>
-                    </a:p>
-                  </a:txBody>
-                  <a:tcPr marL="50800" marR="50800" marT="50800" marB="50800" anchor="ctr" anchorCtr="0" horzOverflow="overflow"/>
-                </a:tc>
-                <a:tc>
-                  <a:txBody>
-                    <a:bodyPr/>
-                    <a:lstStyle/>
-                    <a:p>
-                      <a:pPr defTabSz="914400">
-                        <a:defRPr sz="3200">
-                          <a:sym typeface="Helvetica Neue"/>
-                        </a:defRPr>
-                      </a:pPr>
-                    </a:p>
-                  </a:txBody>
-                  <a:tcPr marL="50800" marR="50800" marT="50800" marB="50800" anchor="ctr" anchorCtr="0" horzOverflow="overflow"/>
-                </a:tc>
-                <a:tc>
-                  <a:txBody>
-                    <a:bodyPr/>
-                    <a:lstStyle/>
-                    <a:p>
-                      <a:pPr defTabSz="914400">
-                        <a:defRPr sz="3200">
-                          <a:sym typeface="Helvetica Neue"/>
-                        </a:defRPr>
-                      </a:pPr>
-                    </a:p>
-                  </a:txBody>
-                  <a:tcPr marL="50800" marR="50800" marT="50800" marB="50800" anchor="ctr" anchorCtr="0" horzOverflow="overflow"/>
-                </a:tc>
-                <a:tc>
-                  <a:txBody>
-                    <a:bodyPr/>
-                    <a:lstStyle/>
-                    <a:p>
-                      <a:pPr defTabSz="914400">
-                        <a:defRPr sz="3200">
-                          <a:sym typeface="Helvetica Neue"/>
-                        </a:defRPr>
-                      </a:pPr>
-                    </a:p>
-                  </a:txBody>
-                  <a:tcPr marL="50800" marR="50800" marT="50800" marB="50800" anchor="ctr" anchorCtr="0" horzOverflow="overflow"/>
-                </a:tc>
-                <a:tc>
-                  <a:txBody>
-                    <a:bodyPr/>
-                    <a:lstStyle/>
-                    <a:p>
-                      <a:pPr defTabSz="914400">
-                        <a:defRPr sz="3200">
-                          <a:sym typeface="Helvetica Neue"/>
-                        </a:defRPr>
-                      </a:pPr>
-                    </a:p>
-                  </a:txBody>
-                  <a:tcPr marL="50800" marR="50800" marT="50800" marB="50800" anchor="ctr" anchorCtr="0" horzOverflow="overflow"/>
-                </a:tc>
-              </a:tr>
-              <a:tr h="647755">
-                <a:tc>
-                  <a:txBody>
-                    <a:bodyPr/>
-                    <a:lstStyle/>
-                    <a:p>
-                      <a:pPr defTabSz="914400">
-                        <a:defRPr sz="1800"/>
-                      </a:pPr>
-                      <a:r>
-                        <a:rPr sz="3200">
-                          <a:sym typeface="Helvetica Neue"/>
-                        </a:rPr>
-                        <a:t>&amp;</a:t>
-                      </a:r>
-                    </a:p>
-                  </a:txBody>
-                  <a:tcPr marL="50800" marR="50800" marT="50800" marB="50800" anchor="ctr" anchorCtr="0" horzOverflow="overflow"/>
-                </a:tc>
-                <a:tc>
-                  <a:txBody>
-                    <a:bodyPr/>
-                    <a:lstStyle/>
-                    <a:p>
-                      <a:pPr defTabSz="914400">
-                        <a:defRPr sz="3200">
-                          <a:sym typeface="Helvetica Neue"/>
-                        </a:defRPr>
-                      </a:pPr>
-                    </a:p>
-                  </a:txBody>
-                  <a:tcPr marL="50800" marR="50800" marT="50800" marB="50800" anchor="ctr" anchorCtr="0" horzOverflow="overflow"/>
-                </a:tc>
-                <a:tc>
-                  <a:txBody>
-                    <a:bodyPr/>
-                    <a:lstStyle/>
-                    <a:p>
-                      <a:pPr defTabSz="914400">
-                        <a:defRPr sz="3200">
-                          <a:sym typeface="Helvetica Neue"/>
-                        </a:defRPr>
-                      </a:pPr>
-                    </a:p>
-                  </a:txBody>
-                  <a:tcPr marL="50800" marR="50800" marT="50800" marB="50800" anchor="ctr" anchorCtr="0" horzOverflow="overflow"/>
-                </a:tc>
-                <a:tc>
-                  <a:txBody>
-                    <a:bodyPr/>
-                    <a:lstStyle/>
-                    <a:p>
-                      <a:pPr defTabSz="914400">
-                        <a:defRPr sz="3200">
-                          <a:sym typeface="Helvetica Neue"/>
-                        </a:defRPr>
-                      </a:pPr>
-                    </a:p>
-                  </a:txBody>
-                  <a:tcPr marL="50800" marR="50800" marT="50800" marB="50800" anchor="ctr" anchorCtr="0" horzOverflow="overflow"/>
-                </a:tc>
-                <a:tc>
-                  <a:txBody>
-                    <a:bodyPr/>
-                    <a:lstStyle/>
-                    <a:p>
-                      <a:pPr defTabSz="914400">
-                        <a:defRPr sz="3200">
-                          <a:sym typeface="Helvetica Neue"/>
-                        </a:defRPr>
-                      </a:pPr>
-                    </a:p>
-                  </a:txBody>
-                  <a:tcPr marL="50800" marR="50800" marT="50800" marB="50800" anchor="ctr" anchorCtr="0" horzOverflow="overflow"/>
-                </a:tc>
-                <a:tc>
-                  <a:txBody>
-                    <a:bodyPr/>
-                    <a:lstStyle/>
-                    <a:p>
-                      <a:pPr defTabSz="914400">
-                        <a:defRPr sz="3200">
-                          <a:sym typeface="Helvetica Neue"/>
-                        </a:defRPr>
-                      </a:pPr>
-                    </a:p>
-                  </a:txBody>
-                  <a:tcPr marL="50800" marR="50800" marT="50800" marB="50800" anchor="ctr" anchorCtr="0" horzOverflow="overflow"/>
-                </a:tc>
-                <a:tc>
-                  <a:txBody>
-                    <a:bodyPr/>
-                    <a:lstStyle/>
-                    <a:p>
-                      <a:pPr defTabSz="914400">
-                        <a:defRPr sz="3200">
-                          <a:sym typeface="Helvetica Neue"/>
-                        </a:defRPr>
-                      </a:pPr>
-                    </a:p>
-                  </a:txBody>
-                  <a:tcPr marL="50800" marR="50800" marT="50800" marB="50800" anchor="ctr" anchorCtr="0" horzOverflow="overflow"/>
-                </a:tc>
-                <a:tc>
-                  <a:txBody>
-                    <a:bodyPr/>
-                    <a:lstStyle/>
-                    <a:p>
-                      <a:pPr defTabSz="914400">
-                        <a:defRPr sz="3200">
-                          <a:sym typeface="Helvetica Neue"/>
-                        </a:defRPr>
-                      </a:pPr>
-                    </a:p>
-                  </a:txBody>
-                  <a:tcPr marL="50800" marR="50800" marT="50800" marB="50800" anchor="ctr" anchorCtr="0" horzOverflow="overflow"/>
-                </a:tc>
-                <a:tc>
-                  <a:txBody>
-                    <a:bodyPr/>
-                    <a:lstStyle/>
-                    <a:p>
-                      <a:pPr defTabSz="914400">
-                        <a:defRPr sz="3200">
-                          <a:sym typeface="Helvetica Neue"/>
-                        </a:defRPr>
-                      </a:pPr>
-                    </a:p>
-                  </a:txBody>
-                  <a:tcPr marL="50800" marR="50800" marT="50800" marB="50800" anchor="ctr" anchorCtr="0" horzOverflow="overflow"/>
-                </a:tc>
-                <a:tc>
-                  <a:txBody>
-                    <a:bodyPr/>
-                    <a:lstStyle/>
-                    <a:p>
-                      <a:pPr defTabSz="914400">
-                        <a:defRPr sz="3200">
-                          <a:sym typeface="Helvetica Neue"/>
-                        </a:defRPr>
-                      </a:pPr>
-                    </a:p>
-                  </a:txBody>
-                  <a:tcPr marL="50800" marR="50800" marT="50800" marB="50800" anchor="ctr" anchorCtr="0" horzOverflow="overflow"/>
-                </a:tc>
-                <a:tc>
-                  <a:txBody>
-                    <a:bodyPr/>
-                    <a:lstStyle/>
-                    <a:p>
-                      <a:pPr defTabSz="914400">
-                        <a:defRPr sz="3200">
-                          <a:sym typeface="Helvetica Neue"/>
-                        </a:defRPr>
-                      </a:pPr>
-                    </a:p>
-                  </a:txBody>
-                  <a:tcPr marL="50800" marR="50800" marT="50800" marB="50800" anchor="ctr" anchorCtr="0" horzOverflow="overflow"/>
-                </a:tc>
-                <a:tc>
-                  <a:txBody>
-                    <a:bodyPr/>
-                    <a:lstStyle/>
-                    <a:p>
-                      <a:pPr defTabSz="914400">
-                        <a:defRPr sz="3200">
-                          <a:sym typeface="Helvetica Neue"/>
-                        </a:defRPr>
-                      </a:pPr>
-                    </a:p>
-                  </a:txBody>
-                  <a:tcPr marL="50800" marR="50800" marT="50800" marB="50800" anchor="ctr" anchorCtr="0" horzOverflow="overflow"/>
-                </a:tc>
-              </a:tr>
-              <a:tr h="647755">
-                <a:tc>
-                  <a:txBody>
-                    <a:bodyPr/>
-                    <a:lstStyle/>
-                    <a:p>
-                      <a:pPr defTabSz="914400">
-                        <a:defRPr sz="1800"/>
-                      </a:pPr>
-                      <a:r>
-                        <a:rPr sz="3200">
-                          <a:sym typeface="Helvetica Neue"/>
-                        </a:rPr>
-                        <a:t>^</a:t>
-                      </a:r>
-                    </a:p>
-                  </a:txBody>
-                  <a:tcPr marL="50800" marR="50800" marT="50800" marB="50800" anchor="ctr" anchorCtr="0" horzOverflow="overflow"/>
-                </a:tc>
-                <a:tc>
-                  <a:txBody>
-                    <a:bodyPr/>
-                    <a:lstStyle/>
-                    <a:p>
-                      <a:pPr defTabSz="914400">
-                        <a:defRPr sz="3200">
-                          <a:sym typeface="Helvetica Neue"/>
-                        </a:defRPr>
-                      </a:pPr>
-                    </a:p>
-                  </a:txBody>
-                  <a:tcPr marL="50800" marR="50800" marT="50800" marB="50800" anchor="ctr" anchorCtr="0" horzOverflow="overflow"/>
-                </a:tc>
-                <a:tc>
-                  <a:txBody>
-                    <a:bodyPr/>
-                    <a:lstStyle/>
-                    <a:p>
-                      <a:pPr defTabSz="914400">
-                        <a:defRPr sz="3200">
-                          <a:sym typeface="Helvetica Neue"/>
-                        </a:defRPr>
-                      </a:pPr>
-                    </a:p>
-                  </a:txBody>
-                  <a:tcPr marL="50800" marR="50800" marT="50800" marB="50800" anchor="ctr" anchorCtr="0" horzOverflow="overflow"/>
-                </a:tc>
-                <a:tc>
-                  <a:txBody>
-                    <a:bodyPr/>
-                    <a:lstStyle/>
-                    <a:p>
-                      <a:pPr defTabSz="914400">
-                        <a:defRPr sz="3200">
-                          <a:sym typeface="Helvetica Neue"/>
-                        </a:defRPr>
-                      </a:pPr>
-                    </a:p>
-                  </a:txBody>
-                  <a:tcPr marL="50800" marR="50800" marT="50800" marB="50800" anchor="ctr" anchorCtr="0" horzOverflow="overflow"/>
-                </a:tc>
-                <a:tc>
-                  <a:txBody>
-                    <a:bodyPr/>
-                    <a:lstStyle/>
-                    <a:p>
-                      <a:pPr defTabSz="914400">
-                        <a:defRPr sz="3200">
-                          <a:sym typeface="Helvetica Neue"/>
-                        </a:defRPr>
-                      </a:pPr>
-                    </a:p>
-                  </a:txBody>
-                  <a:tcPr marL="50800" marR="50800" marT="50800" marB="50800" anchor="ctr" anchorCtr="0" horzOverflow="overflow"/>
-                </a:tc>
-                <a:tc>
-                  <a:txBody>
-                    <a:bodyPr/>
-                    <a:lstStyle/>
-                    <a:p>
-                      <a:pPr defTabSz="914400">
-                        <a:defRPr sz="3200">
-                          <a:sym typeface="Helvetica Neue"/>
-                        </a:defRPr>
-                      </a:pPr>
-                    </a:p>
-                  </a:txBody>
-                  <a:tcPr marL="50800" marR="50800" marT="50800" marB="50800" anchor="ctr" anchorCtr="0" horzOverflow="overflow"/>
-                </a:tc>
-                <a:tc>
-                  <a:txBody>
-                    <a:bodyPr/>
-                    <a:lstStyle/>
-                    <a:p>
-                      <a:pPr defTabSz="914400">
-                        <a:defRPr sz="3200">
-                          <a:sym typeface="Helvetica Neue"/>
-                        </a:defRPr>
-                      </a:pPr>
-                    </a:p>
-                  </a:txBody>
-                  <a:tcPr marL="50800" marR="50800" marT="50800" marB="50800" anchor="ctr" anchorCtr="0" horzOverflow="overflow"/>
-                </a:tc>
-                <a:tc>
-                  <a:txBody>
-                    <a:bodyPr/>
-                    <a:lstStyle/>
-                    <a:p>
-                      <a:pPr defTabSz="914400">
-                        <a:defRPr sz="3200">
-                          <a:sym typeface="Helvetica Neue"/>
-                        </a:defRPr>
-                      </a:pPr>
-                    </a:p>
-                  </a:txBody>
-                  <a:tcPr marL="50800" marR="50800" marT="50800" marB="50800" anchor="ctr" anchorCtr="0" horzOverflow="overflow"/>
-                </a:tc>
-                <a:tc>
-                  <a:txBody>
-                    <a:bodyPr/>
-                    <a:lstStyle/>
-                    <a:p>
-                      <a:pPr defTabSz="914400">
-                        <a:defRPr sz="3200">
-                          <a:sym typeface="Helvetica Neue"/>
-                        </a:defRPr>
-                      </a:pPr>
-                    </a:p>
-                  </a:txBody>
-                  <a:tcPr marL="50800" marR="50800" marT="50800" marB="50800" anchor="ctr" anchorCtr="0" horzOverflow="overflow"/>
-                </a:tc>
-                <a:tc>
-                  <a:txBody>
-                    <a:bodyPr/>
-                    <a:lstStyle/>
-                    <a:p>
-                      <a:pPr defTabSz="914400">
-                        <a:defRPr sz="3200">
-                          <a:sym typeface="Helvetica Neue"/>
-                        </a:defRPr>
-                      </a:pPr>
-                    </a:p>
-                  </a:txBody>
-                  <a:tcPr marL="50800" marR="50800" marT="50800" marB="50800" anchor="ctr" anchorCtr="0" horzOverflow="overflow"/>
-                </a:tc>
-                <a:tc>
-                  <a:txBody>
-                    <a:bodyPr/>
-                    <a:lstStyle/>
-                    <a:p>
-                      <a:pPr defTabSz="914400">
-                        <a:defRPr sz="3200">
-                          <a:sym typeface="Helvetica Neue"/>
-                        </a:defRPr>
-                      </a:pPr>
-                    </a:p>
-                  </a:txBody>
-                  <a:tcPr marL="50800" marR="50800" marT="50800" marB="50800" anchor="ctr" anchorCtr="0" horzOverflow="overflow"/>
-                </a:tc>
-                <a:tc>
-                  <a:txBody>
-                    <a:bodyPr/>
-                    <a:lstStyle/>
-                    <a:p>
-                      <a:pPr defTabSz="914400">
-                        <a:defRPr sz="3200">
-                          <a:sym typeface="Helvetica Neue"/>
-                        </a:defRPr>
-                      </a:pPr>
-                    </a:p>
-                  </a:txBody>
-                  <a:tcPr marL="50800" marR="50800" marT="50800" marB="50800" anchor="ctr" anchorCtr="0" horzOverflow="overflow"/>
-                </a:tc>
-              </a:tr>
-              <a:tr h="647755">
-                <a:tc>
-                  <a:txBody>
-                    <a:bodyPr/>
-                    <a:lstStyle/>
-                    <a:p>
-                      <a:pPr defTabSz="914400">
-                        <a:defRPr sz="1800"/>
-                      </a:pPr>
-                      <a:r>
-                        <a:rPr sz="3200">
-                          <a:sym typeface="Helvetica Neue"/>
-                        </a:rPr>
-                        <a:t>|</a:t>
-                      </a:r>
-                    </a:p>
-                  </a:txBody>
-                  <a:tcPr marL="50800" marR="50800" marT="50800" marB="50800" anchor="ctr" anchorCtr="0" horzOverflow="overflow"/>
-                </a:tc>
-                <a:tc>
-                  <a:txBody>
-                    <a:bodyPr/>
-                    <a:lstStyle/>
-                    <a:p>
-                      <a:pPr defTabSz="914400">
-                        <a:defRPr sz="3200">
-                          <a:sym typeface="Helvetica Neue"/>
-                        </a:defRPr>
-                      </a:pPr>
-                    </a:p>
-                  </a:txBody>
-                  <a:tcPr marL="50800" marR="50800" marT="50800" marB="50800" anchor="ctr" anchorCtr="0" horzOverflow="overflow"/>
-                </a:tc>
-                <a:tc>
-                  <a:txBody>
-                    <a:bodyPr/>
-                    <a:lstStyle/>
-                    <a:p>
-                      <a:pPr defTabSz="914400">
-                        <a:defRPr sz="3200">
-                          <a:sym typeface="Helvetica Neue"/>
-                        </a:defRPr>
-                      </a:pPr>
-                    </a:p>
-                  </a:txBody>
-                  <a:tcPr marL="50800" marR="50800" marT="50800" marB="50800" anchor="ctr" anchorCtr="0" horzOverflow="overflow"/>
-                </a:tc>
-                <a:tc>
-                  <a:txBody>
-                    <a:bodyPr/>
-                    <a:lstStyle/>
-                    <a:p>
-                      <a:pPr defTabSz="914400">
-                        <a:defRPr sz="3200">
-                          <a:sym typeface="Helvetica Neue"/>
-                        </a:defRPr>
-                      </a:pPr>
-                    </a:p>
-                  </a:txBody>
-                  <a:tcPr marL="50800" marR="50800" marT="50800" marB="50800" anchor="ctr" anchorCtr="0" horzOverflow="overflow"/>
-                </a:tc>
-                <a:tc>
-                  <a:txBody>
-                    <a:bodyPr/>
-                    <a:lstStyle/>
-                    <a:p>
-                      <a:pPr defTabSz="914400">
-                        <a:defRPr sz="3200">
-                          <a:sym typeface="Helvetica Neue"/>
-                        </a:defRPr>
-                      </a:pPr>
-                    </a:p>
-                  </a:txBody>
-                  <a:tcPr marL="50800" marR="50800" marT="50800" marB="50800" anchor="ctr" anchorCtr="0" horzOverflow="overflow"/>
-                </a:tc>
-                <a:tc>
-                  <a:txBody>
-                    <a:bodyPr/>
-                    <a:lstStyle/>
-                    <a:p>
-                      <a:pPr defTabSz="914400">
-                        <a:defRPr sz="3200">
-                          <a:sym typeface="Helvetica Neue"/>
-                        </a:defRPr>
-                      </a:pPr>
-                    </a:p>
-                  </a:txBody>
-                  <a:tcPr marL="50800" marR="50800" marT="50800" marB="50800" anchor="ctr" anchorCtr="0" horzOverflow="overflow"/>
-                </a:tc>
-                <a:tc>
-                  <a:txBody>
-                    <a:bodyPr/>
-                    <a:lstStyle/>
-                    <a:p>
-                      <a:pPr defTabSz="914400">
-                        <a:defRPr sz="3200">
-                          <a:sym typeface="Helvetica Neue"/>
-                        </a:defRPr>
-                      </a:pPr>
-                    </a:p>
-                  </a:txBody>
-                  <a:tcPr marL="50800" marR="50800" marT="50800" marB="50800" anchor="ctr" anchorCtr="0" horzOverflow="overflow"/>
-                </a:tc>
-                <a:tc>
-                  <a:txBody>
-                    <a:bodyPr/>
-                    <a:lstStyle/>
-                    <a:p>
-                      <a:pPr defTabSz="914400">
-                        <a:defRPr sz="3200">
-                          <a:sym typeface="Helvetica Neue"/>
-                        </a:defRPr>
-                      </a:pPr>
-                    </a:p>
-                  </a:txBody>
-                  <a:tcPr marL="50800" marR="50800" marT="50800" marB="50800" anchor="ctr" anchorCtr="0" horzOverflow="overflow"/>
-                </a:tc>
-                <a:tc>
-                  <a:txBody>
-                    <a:bodyPr/>
-                    <a:lstStyle/>
-                    <a:p>
-                      <a:pPr defTabSz="914400">
-                        <a:defRPr sz="3200">
-                          <a:sym typeface="Helvetica Neue"/>
-                        </a:defRPr>
-                      </a:pPr>
-                    </a:p>
-                  </a:txBody>
-                  <a:tcPr marL="50800" marR="50800" marT="50800" marB="50800" anchor="ctr" anchorCtr="0" horzOverflow="overflow"/>
-                </a:tc>
-                <a:tc>
-                  <a:txBody>
-                    <a:bodyPr/>
-                    <a:lstStyle/>
-                    <a:p>
-                      <a:pPr defTabSz="914400">
-                        <a:defRPr sz="3200">
-                          <a:sym typeface="Helvetica Neue"/>
-                        </a:defRPr>
-                      </a:pPr>
-                    </a:p>
-                  </a:txBody>
-                  <a:tcPr marL="50800" marR="50800" marT="50800" marB="50800" anchor="ctr" anchorCtr="0" horzOverflow="overflow"/>
-                </a:tc>
-                <a:tc>
-                  <a:txBody>
-                    <a:bodyPr/>
-                    <a:lstStyle/>
-                    <a:p>
-                      <a:pPr defTabSz="914400">
-                        <a:defRPr sz="3200">
-                          <a:sym typeface="Helvetica Neue"/>
-                        </a:defRPr>
-                      </a:pPr>
-                    </a:p>
-                  </a:txBody>
-                  <a:tcPr marL="50800" marR="50800" marT="50800" marB="50800" anchor="ctr" anchorCtr="0" horzOverflow="overflow"/>
-                </a:tc>
-                <a:tc>
-                  <a:txBody>
-                    <a:bodyPr/>
-                    <a:lstStyle/>
-                    <a:p>
-                      <a:pPr defTabSz="914400">
-                        <a:defRPr sz="3200">
-                          <a:sym typeface="Helvetica Neue"/>
-                        </a:defRPr>
-                      </a:pPr>
-                    </a:p>
-                  </a:txBody>
-                  <a:tcPr marL="50800" marR="50800" marT="50800" marB="50800" anchor="ctr" anchorCtr="0" horzOverflow="overflow"/>
-                </a:tc>
-              </a:tr>
-              <a:tr h="647755">
-                <a:tc>
-                  <a:txBody>
-                    <a:bodyPr/>
-                    <a:lstStyle/>
-                    <a:p>
-                      <a:pPr defTabSz="914400">
-                        <a:defRPr sz="1800"/>
-                      </a:pPr>
-                      <a:r>
-                        <a:rPr sz="3200">
-                          <a:sym typeface="Helvetica Neue"/>
-                        </a:rPr>
-                        <a:t>&amp;&amp;</a:t>
-                      </a:r>
-                    </a:p>
-                  </a:txBody>
-                  <a:tcPr marL="50800" marR="50800" marT="50800" marB="50800" anchor="ctr" anchorCtr="0" horzOverflow="overflow"/>
-                </a:tc>
-                <a:tc>
-                  <a:txBody>
-                    <a:bodyPr/>
-                    <a:lstStyle/>
-                    <a:p>
-                      <a:pPr defTabSz="914400">
-                        <a:defRPr sz="3200">
-                          <a:sym typeface="Helvetica Neue"/>
-                        </a:defRPr>
-                      </a:pPr>
-                    </a:p>
-                  </a:txBody>
-                  <a:tcPr marL="50800" marR="50800" marT="50800" marB="50800" anchor="ctr" anchorCtr="0" horzOverflow="overflow"/>
-                </a:tc>
-                <a:tc>
-                  <a:txBody>
-                    <a:bodyPr/>
-                    <a:lstStyle/>
-                    <a:p>
-                      <a:pPr defTabSz="914400">
-                        <a:defRPr sz="3200">
-                          <a:sym typeface="Helvetica Neue"/>
-                        </a:defRPr>
-                      </a:pPr>
-                    </a:p>
-                  </a:txBody>
-                  <a:tcPr marL="50800" marR="50800" marT="50800" marB="50800" anchor="ctr" anchorCtr="0" horzOverflow="overflow"/>
-                </a:tc>
-                <a:tc>
-                  <a:txBody>
-                    <a:bodyPr/>
-                    <a:lstStyle/>
-                    <a:p>
-                      <a:pPr defTabSz="914400">
-                        <a:defRPr sz="3200">
-                          <a:sym typeface="Helvetica Neue"/>
-                        </a:defRPr>
-                      </a:pPr>
-                    </a:p>
-                  </a:txBody>
-                  <a:tcPr marL="50800" marR="50800" marT="50800" marB="50800" anchor="ctr" anchorCtr="0" horzOverflow="overflow"/>
-                </a:tc>
-                <a:tc>
-                  <a:txBody>
-                    <a:bodyPr/>
-                    <a:lstStyle/>
-                    <a:p>
-                      <a:pPr defTabSz="914400">
-                        <a:defRPr sz="3200">
-                          <a:sym typeface="Helvetica Neue"/>
-                        </a:defRPr>
-                      </a:pPr>
-                    </a:p>
-                  </a:txBody>
-                  <a:tcPr marL="50800" marR="50800" marT="50800" marB="50800" anchor="ctr" anchorCtr="0" horzOverflow="overflow"/>
-                </a:tc>
-                <a:tc>
-                  <a:txBody>
-                    <a:bodyPr/>
-                    <a:lstStyle/>
-                    <a:p>
-                      <a:pPr defTabSz="914400">
-                        <a:defRPr sz="3200">
-                          <a:sym typeface="Helvetica Neue"/>
-                        </a:defRPr>
-                      </a:pPr>
-                    </a:p>
-                  </a:txBody>
-                  <a:tcPr marL="50800" marR="50800" marT="50800" marB="50800" anchor="ctr" anchorCtr="0" horzOverflow="overflow"/>
-                </a:tc>
-                <a:tc>
-                  <a:txBody>
-                    <a:bodyPr/>
-                    <a:lstStyle/>
-                    <a:p>
-                      <a:pPr defTabSz="914400">
-                        <a:defRPr sz="3200">
-                          <a:sym typeface="Helvetica Neue"/>
-                        </a:defRPr>
-                      </a:pPr>
-                    </a:p>
-                  </a:txBody>
-                  <a:tcPr marL="50800" marR="50800" marT="50800" marB="50800" anchor="ctr" anchorCtr="0" horzOverflow="overflow"/>
-                </a:tc>
-                <a:tc>
-                  <a:txBody>
-                    <a:bodyPr/>
-                    <a:lstStyle/>
-                    <a:p>
-                      <a:pPr defTabSz="914400">
-                        <a:defRPr sz="3200">
-                          <a:sym typeface="Helvetica Neue"/>
-                        </a:defRPr>
-                      </a:pPr>
-                    </a:p>
-                  </a:txBody>
-                  <a:tcPr marL="50800" marR="50800" marT="50800" marB="50800" anchor="ctr" anchorCtr="0" horzOverflow="overflow"/>
-                </a:tc>
-                <a:tc>
-                  <a:txBody>
-                    <a:bodyPr/>
-                    <a:lstStyle/>
-                    <a:p>
-                      <a:pPr defTabSz="914400">
-                        <a:defRPr sz="3200">
-                          <a:sym typeface="Helvetica Neue"/>
-                        </a:defRPr>
-                      </a:pPr>
-                    </a:p>
-                  </a:txBody>
-                  <a:tcPr marL="50800" marR="50800" marT="50800" marB="50800" anchor="ctr" anchorCtr="0" horzOverflow="overflow"/>
-                </a:tc>
-                <a:tc>
-                  <a:txBody>
-                    <a:bodyPr/>
-                    <a:lstStyle/>
-                    <a:p>
-                      <a:pPr defTabSz="914400">
-                        <a:defRPr sz="3200">
-                          <a:sym typeface="Helvetica Neue"/>
-                        </a:defRPr>
-                      </a:pPr>
-                    </a:p>
-                  </a:txBody>
-                  <a:tcPr marL="50800" marR="50800" marT="50800" marB="50800" anchor="ctr" anchorCtr="0" horzOverflow="overflow"/>
-                </a:tc>
-                <a:tc>
-                  <a:txBody>
-                    <a:bodyPr/>
-                    <a:lstStyle/>
-                    <a:p>
-                      <a:pPr defTabSz="914400">
-                        <a:defRPr sz="3200">
-                          <a:sym typeface="Helvetica Neue"/>
-                        </a:defRPr>
-                      </a:pPr>
-                    </a:p>
-                  </a:txBody>
-                  <a:tcPr marL="50800" marR="50800" marT="50800" marB="50800" anchor="ctr" anchorCtr="0" horzOverflow="overflow"/>
-                </a:tc>
-                <a:tc>
-                  <a:txBody>
-                    <a:bodyPr/>
-                    <a:lstStyle/>
-                    <a:p>
-                      <a:pPr defTabSz="914400">
-                        <a:defRPr sz="3200">
-                          <a:sym typeface="Helvetica Neue"/>
-                        </a:defRPr>
-                      </a:pPr>
-                    </a:p>
-                  </a:txBody>
-                  <a:tcPr marL="50800" marR="50800" marT="50800" marB="50800" anchor="ctr" anchorCtr="0" horzOverflow="overflow"/>
-                </a:tc>
-              </a:tr>
-              <a:tr h="647755">
-                <a:tc>
-                  <a:txBody>
-                    <a:bodyPr/>
-                    <a:lstStyle/>
-                    <a:p>
-                      <a:pPr defTabSz="914400">
-                        <a:defRPr sz="1800"/>
-                      </a:pPr>
-                      <a:r>
-                        <a:rPr sz="3200">
-                          <a:sym typeface="Helvetica Neue"/>
-                        </a:rPr>
-                        <a:t>||</a:t>
-                      </a:r>
-                    </a:p>
-                  </a:txBody>
-                  <a:tcPr marL="50800" marR="50800" marT="50800" marB="50800" anchor="ctr" anchorCtr="0" horzOverflow="overflow"/>
-                </a:tc>
-                <a:tc>
-                  <a:txBody>
-                    <a:bodyPr/>
-                    <a:lstStyle/>
-                    <a:p>
-                      <a:pPr defTabSz="914400">
-                        <a:defRPr sz="3200">
-                          <a:sym typeface="Helvetica Neue"/>
-                        </a:defRPr>
-                      </a:pPr>
-                    </a:p>
-                  </a:txBody>
-                  <a:tcPr marL="50800" marR="50800" marT="50800" marB="50800" anchor="ctr" anchorCtr="0" horzOverflow="overflow"/>
-                </a:tc>
-                <a:tc>
-                  <a:txBody>
-                    <a:bodyPr/>
-                    <a:lstStyle/>
-                    <a:p>
-                      <a:pPr defTabSz="914400">
-                        <a:defRPr sz="3200">
-                          <a:sym typeface="Helvetica Neue"/>
-                        </a:defRPr>
-                      </a:pPr>
-                    </a:p>
-                  </a:txBody>
-                  <a:tcPr marL="50800" marR="50800" marT="50800" marB="50800" anchor="ctr" anchorCtr="0" horzOverflow="overflow"/>
-                </a:tc>
-                <a:tc>
-                  <a:txBody>
-                    <a:bodyPr/>
-                    <a:lstStyle/>
-                    <a:p>
-                      <a:pPr defTabSz="914400">
-                        <a:defRPr sz="3200">
-                          <a:sym typeface="Helvetica Neue"/>
-                        </a:defRPr>
-                      </a:pPr>
-                    </a:p>
-                  </a:txBody>
-                  <a:tcPr marL="50800" marR="50800" marT="50800" marB="50800" anchor="ctr" anchorCtr="0" horzOverflow="overflow"/>
-                </a:tc>
-                <a:tc>
-                  <a:txBody>
-                    <a:bodyPr/>
-                    <a:lstStyle/>
-                    <a:p>
-                      <a:pPr defTabSz="914400">
-                        <a:defRPr sz="3200">
-                          <a:sym typeface="Helvetica Neue"/>
-                        </a:defRPr>
-                      </a:pPr>
-                    </a:p>
-                  </a:txBody>
-                  <a:tcPr marL="50800" marR="50800" marT="50800" marB="50800" anchor="ctr" anchorCtr="0" horzOverflow="overflow"/>
-                </a:tc>
-                <a:tc>
-                  <a:txBody>
-                    <a:bodyPr/>
-                    <a:lstStyle/>
-                    <a:p>
-                      <a:pPr defTabSz="914400">
-                        <a:defRPr sz="3200">
-                          <a:sym typeface="Helvetica Neue"/>
-                        </a:defRPr>
-                      </a:pPr>
-                    </a:p>
-                  </a:txBody>
-                  <a:tcPr marL="50800" marR="50800" marT="50800" marB="50800" anchor="ctr" anchorCtr="0" horzOverflow="overflow"/>
-                </a:tc>
-                <a:tc>
-                  <a:txBody>
-                    <a:bodyPr/>
-                    <a:lstStyle/>
-                    <a:p>
-                      <a:pPr defTabSz="914400">
-                        <a:defRPr sz="3200">
-                          <a:sym typeface="Helvetica Neue"/>
-                        </a:defRPr>
-                      </a:pPr>
-                    </a:p>
-                  </a:txBody>
-                  <a:tcPr marL="50800" marR="50800" marT="50800" marB="50800" anchor="ctr" anchorCtr="0" horzOverflow="overflow"/>
-                </a:tc>
-                <a:tc>
-                  <a:txBody>
-                    <a:bodyPr/>
-                    <a:lstStyle/>
-                    <a:p>
-                      <a:pPr defTabSz="914400">
-                        <a:defRPr sz="3200">
-                          <a:sym typeface="Helvetica Neue"/>
-                        </a:defRPr>
-                      </a:pPr>
-                    </a:p>
-                  </a:txBody>
-                  <a:tcPr marL="50800" marR="50800" marT="50800" marB="50800" anchor="ctr" anchorCtr="0" horzOverflow="overflow"/>
-                </a:tc>
-                <a:tc>
-                  <a:txBody>
-                    <a:bodyPr/>
-                    <a:lstStyle/>
-                    <a:p>
-                      <a:pPr defTabSz="914400">
-                        <a:defRPr sz="3200">
-                          <a:sym typeface="Helvetica Neue"/>
-                        </a:defRPr>
-                      </a:pPr>
-                    </a:p>
-                  </a:txBody>
-                  <a:tcPr marL="50800" marR="50800" marT="50800" marB="50800" anchor="ctr" anchorCtr="0" horzOverflow="overflow"/>
-                </a:tc>
-                <a:tc>
-                  <a:txBody>
-                    <a:bodyPr/>
-                    <a:lstStyle/>
-                    <a:p>
-                      <a:pPr defTabSz="914400">
-                        <a:defRPr sz="3200">
-                          <a:sym typeface="Helvetica Neue"/>
-                        </a:defRPr>
-                      </a:pPr>
-                    </a:p>
-                  </a:txBody>
-                  <a:tcPr marL="50800" marR="50800" marT="50800" marB="50800" anchor="ctr" anchorCtr="0" horzOverflow="overflow"/>
-                </a:tc>
-                <a:tc>
-                  <a:txBody>
-                    <a:bodyPr/>
-                    <a:lstStyle/>
-                    <a:p>
-                      <a:pPr defTabSz="914400">
-                        <a:defRPr sz="3200">
-                          <a:sym typeface="Helvetica Neue"/>
-                        </a:defRPr>
-                      </a:pPr>
-                    </a:p>
-                  </a:txBody>
-                  <a:tcPr marL="50800" marR="50800" marT="50800" marB="50800" anchor="ctr" anchorCtr="0" horzOverflow="overflow"/>
-                </a:tc>
-                <a:tc>
-                  <a:txBody>
-                    <a:bodyPr/>
-                    <a:lstStyle/>
-                    <a:p>
-                      <a:pPr defTabSz="914400">
-                        <a:defRPr sz="3200">
-                          <a:sym typeface="Helvetica Neue"/>
-                        </a:defRPr>
-                      </a:pPr>
-                    </a:p>
-                  </a:txBody>
-                  <a:tcPr marL="50800" marR="50800" marT="50800" marB="50800" anchor="ctr" anchorCtr="0" horzOverflow="overflow"/>
-                </a:tc>
-              </a:tr>
-              <a:tr h="647755">
-                <a:tc>
-                  <a:txBody>
-                    <a:bodyPr/>
-                    <a:lstStyle/>
-                    <a:p>
-                      <a:pPr defTabSz="914400">
-                        <a:defRPr sz="1800"/>
-                      </a:pPr>
-                      <a:r>
-                        <a:rPr sz="3200">
-                          <a:sym typeface="Helvetica Neue"/>
-                        </a:rPr>
-                        <a:t>? : (三目)</a:t>
-                      </a:r>
-                    </a:p>
-                  </a:txBody>
-                  <a:tcPr marL="50800" marR="50800" marT="50800" marB="50800" anchor="ctr" anchorCtr="0" horzOverflow="overflow"/>
-                </a:tc>
-                <a:tc>
-                  <a:txBody>
-                    <a:bodyPr/>
-                    <a:lstStyle/>
-                    <a:p>
-                      <a:pPr defTabSz="914400">
-                        <a:defRPr sz="3200">
-                          <a:sym typeface="Helvetica Neue"/>
-                        </a:defRPr>
-                      </a:pPr>
-                    </a:p>
-                  </a:txBody>
-                  <a:tcPr marL="50800" marR="50800" marT="50800" marB="50800" anchor="ctr" anchorCtr="0" horzOverflow="overflow"/>
-                </a:tc>
-                <a:tc>
-                  <a:txBody>
-                    <a:bodyPr/>
-                    <a:lstStyle/>
-                    <a:p>
-                      <a:pPr defTabSz="914400">
-                        <a:defRPr sz="3200">
-                          <a:sym typeface="Helvetica Neue"/>
-                        </a:defRPr>
-                      </a:pPr>
-                    </a:p>
-                  </a:txBody>
-                  <a:tcPr marL="50800" marR="50800" marT="50800" marB="50800" anchor="ctr" anchorCtr="0" horzOverflow="overflow"/>
-                </a:tc>
-                <a:tc>
-                  <a:txBody>
-                    <a:bodyPr/>
-                    <a:lstStyle/>
-                    <a:p>
-                      <a:pPr defTabSz="914400">
-                        <a:defRPr sz="3200">
-                          <a:sym typeface="Helvetica Neue"/>
-                        </a:defRPr>
-                      </a:pPr>
-                    </a:p>
-                  </a:txBody>
-                  <a:tcPr marL="50800" marR="50800" marT="50800" marB="50800" anchor="ctr" anchorCtr="0" horzOverflow="overflow"/>
-                </a:tc>
-                <a:tc>
-                  <a:txBody>
-                    <a:bodyPr/>
-                    <a:lstStyle/>
-                    <a:p>
-                      <a:pPr defTabSz="914400">
-                        <a:defRPr sz="3200">
-                          <a:sym typeface="Helvetica Neue"/>
-                        </a:defRPr>
-                      </a:pPr>
-                    </a:p>
-                  </a:txBody>
-                  <a:tcPr marL="50800" marR="50800" marT="50800" marB="50800" anchor="ctr" anchorCtr="0" horzOverflow="overflow"/>
-                </a:tc>
-                <a:tc>
-                  <a:txBody>
-                    <a:bodyPr/>
-                    <a:lstStyle/>
-                    <a:p>
-                      <a:pPr defTabSz="914400">
-                        <a:defRPr sz="3200">
-                          <a:sym typeface="Helvetica Neue"/>
-                        </a:defRPr>
-                      </a:pPr>
-                    </a:p>
-                  </a:txBody>
-                  <a:tcPr marL="50800" marR="50800" marT="50800" marB="50800" anchor="ctr" anchorCtr="0" horzOverflow="overflow"/>
-                </a:tc>
-                <a:tc>
-                  <a:txBody>
-                    <a:bodyPr/>
-                    <a:lstStyle/>
-                    <a:p>
-                      <a:pPr defTabSz="914400">
-                        <a:defRPr sz="3200">
-                          <a:sym typeface="Helvetica Neue"/>
-                        </a:defRPr>
-                      </a:pPr>
-                    </a:p>
-                  </a:txBody>
-                  <a:tcPr marL="50800" marR="50800" marT="50800" marB="50800" anchor="ctr" anchorCtr="0" horzOverflow="overflow"/>
-                </a:tc>
-                <a:tc>
-                  <a:txBody>
-                    <a:bodyPr/>
-                    <a:lstStyle/>
-                    <a:p>
-                      <a:pPr defTabSz="914400">
-                        <a:defRPr sz="3200">
-                          <a:sym typeface="Helvetica Neue"/>
-                        </a:defRPr>
-                      </a:pPr>
-                    </a:p>
-                  </a:txBody>
-                  <a:tcPr marL="50800" marR="50800" marT="50800" marB="50800" anchor="ctr" anchorCtr="0" horzOverflow="overflow"/>
-                </a:tc>
-                <a:tc>
-                  <a:txBody>
-                    <a:bodyPr/>
-                    <a:lstStyle/>
-                    <a:p>
-                      <a:pPr defTabSz="914400">
-                        <a:defRPr sz="3200">
-                          <a:sym typeface="Helvetica Neue"/>
-                        </a:defRPr>
-                      </a:pPr>
-                    </a:p>
-                  </a:txBody>
-                  <a:tcPr marL="50800" marR="50800" marT="50800" marB="50800" anchor="ctr" anchorCtr="0" horzOverflow="overflow"/>
-                </a:tc>
-                <a:tc>
-                  <a:txBody>
-                    <a:bodyPr/>
-                    <a:lstStyle/>
-                    <a:p>
-                      <a:pPr defTabSz="914400">
-                        <a:defRPr sz="3200">
-                          <a:sym typeface="Helvetica Neue"/>
-                        </a:defRPr>
-                      </a:pPr>
-                    </a:p>
-                  </a:txBody>
-                  <a:tcPr marL="50800" marR="50800" marT="50800" marB="50800" anchor="ctr" anchorCtr="0" horzOverflow="overflow"/>
-                </a:tc>
-                <a:tc>
-                  <a:txBody>
-                    <a:bodyPr/>
-                    <a:lstStyle/>
-                    <a:p>
-                      <a:pPr defTabSz="914400">
-                        <a:defRPr sz="3200">
-                          <a:sym typeface="Helvetica Neue"/>
-                        </a:defRPr>
-                      </a:pPr>
-                    </a:p>
-                  </a:txBody>
-                  <a:tcPr marL="50800" marR="50800" marT="50800" marB="50800" anchor="ctr" anchorCtr="0" horzOverflow="overflow"/>
-                </a:tc>
-                <a:tc>
-                  <a:txBody>
-                    <a:bodyPr/>
-                    <a:lstStyle/>
-                    <a:p>
-                      <a:pPr defTabSz="914400">
-                        <a:defRPr sz="3200">
-                          <a:sym typeface="Helvetica Neue"/>
-                        </a:defRPr>
-                      </a:pPr>
-                    </a:p>
-                  </a:txBody>
-                  <a:tcPr marL="50800" marR="50800" marT="50800" marB="50800" anchor="ctr" anchorCtr="0" horzOverflow="overflow"/>
-                </a:tc>
-              </a:tr>
-              <a:tr h="647755">
-                <a:tc>
-                  <a:txBody>
-                    <a:bodyPr/>
-                    <a:lstStyle/>
-                    <a:p>
-                      <a:pPr defTabSz="914400">
-                        <a:defRPr sz="1800"/>
-                      </a:pPr>
-                      <a:r>
-                        <a:rPr sz="3200">
-                          <a:sym typeface="Helvetica Neue"/>
-                        </a:rPr>
-                        <a:t> =</a:t>
-                      </a:r>
-                    </a:p>
-                  </a:txBody>
-                  <a:tcPr marL="50800" marR="50800" marT="50800" marB="50800" anchor="ctr" anchorCtr="0" horzOverflow="overflow"/>
-                </a:tc>
-                <a:tc>
-                  <a:txBody>
-                    <a:bodyPr/>
-                    <a:lstStyle/>
-                    <a:p>
-                      <a:pPr defTabSz="914400">
-                        <a:defRPr sz="1800"/>
-                      </a:pPr>
-                      <a:r>
-                        <a:rPr sz="3200">
-                          <a:sym typeface="Helvetica Neue"/>
-                        </a:rPr>
-                        <a:t>+=</a:t>
-                      </a:r>
-                    </a:p>
-                  </a:txBody>
-                  <a:tcPr marL="50800" marR="50800" marT="50800" marB="50800" anchor="ctr" anchorCtr="0" horzOverflow="overflow"/>
-                </a:tc>
-                <a:tc>
-                  <a:txBody>
-                    <a:bodyPr/>
-                    <a:lstStyle/>
-                    <a:p>
-                      <a:pPr defTabSz="914400">
-                        <a:defRPr sz="1800"/>
-                      </a:pPr>
-                      <a:r>
-                        <a:rPr sz="3200">
-                          <a:sym typeface="Helvetica Neue"/>
-                        </a:rPr>
-                        <a:t> -=</a:t>
-                      </a:r>
-                    </a:p>
-                  </a:txBody>
-                  <a:tcPr marL="50800" marR="50800" marT="50800" marB="50800" anchor="ctr" anchorCtr="0" horzOverflow="overflow"/>
-                </a:tc>
-                <a:tc>
-                  <a:txBody>
-                    <a:bodyPr/>
-                    <a:lstStyle/>
-                    <a:p>
-                      <a:pPr defTabSz="914400">
-                        <a:defRPr sz="1800"/>
-                      </a:pPr>
-                      <a:r>
-                        <a:rPr sz="3200">
-                          <a:sym typeface="Helvetica Neue"/>
-                        </a:rPr>
-                        <a:t> *=</a:t>
-                      </a:r>
-                    </a:p>
-                  </a:txBody>
-                  <a:tcPr marL="50800" marR="50800" marT="50800" marB="50800" anchor="ctr" anchorCtr="0" horzOverflow="overflow"/>
-                </a:tc>
-                <a:tc>
-                  <a:txBody>
-                    <a:bodyPr/>
-                    <a:lstStyle/>
-                    <a:p>
-                      <a:pPr defTabSz="914400">
-                        <a:defRPr sz="1800"/>
-                      </a:pPr>
-                      <a:r>
-                        <a:rPr sz="3200">
-                          <a:sym typeface="Helvetica Neue"/>
-                        </a:rPr>
-                        <a:t>/=</a:t>
-                      </a:r>
-                    </a:p>
-                  </a:txBody>
-                  <a:tcPr marL="50800" marR="50800" marT="50800" marB="50800" anchor="ctr" anchorCtr="0" horzOverflow="overflow"/>
-                </a:tc>
-                <a:tc>
-                  <a:txBody>
-                    <a:bodyPr/>
-                    <a:lstStyle/>
-                    <a:p>
-                      <a:pPr defTabSz="914400">
-                        <a:defRPr sz="1800"/>
-                      </a:pPr>
-                      <a:r>
-                        <a:rPr sz="3200">
-                          <a:sym typeface="Helvetica Neue"/>
-                        </a:rPr>
-                        <a:t>%=</a:t>
-                      </a:r>
-                    </a:p>
-                  </a:txBody>
-                  <a:tcPr marL="50800" marR="50800" marT="50800" marB="50800" anchor="ctr" anchorCtr="0" horzOverflow="overflow"/>
-                </a:tc>
-                <a:tc>
-                  <a:txBody>
-                    <a:bodyPr/>
-                    <a:lstStyle/>
-                    <a:p>
-                      <a:pPr defTabSz="914400">
-                        <a:defRPr sz="1800"/>
-                      </a:pPr>
-                      <a:r>
-                        <a:rPr sz="3200">
-                          <a:sym typeface="Helvetica Neue"/>
-                        </a:rPr>
-                        <a:t>&lt;&lt;=</a:t>
-                      </a:r>
-                    </a:p>
-                  </a:txBody>
-                  <a:tcPr marL="50800" marR="50800" marT="50800" marB="50800" anchor="ctr" anchorCtr="0" horzOverflow="overflow"/>
-                </a:tc>
-                <a:tc>
-                  <a:txBody>
-                    <a:bodyPr/>
-                    <a:lstStyle/>
-                    <a:p>
-                      <a:pPr defTabSz="914400">
-                        <a:defRPr sz="1800"/>
-                      </a:pPr>
-                      <a:r>
-                        <a:rPr sz="3200">
-                          <a:sym typeface="Helvetica Neue"/>
-                        </a:rPr>
-                        <a:t>&gt;&gt;=</a:t>
-                      </a:r>
-                    </a:p>
-                  </a:txBody>
-                  <a:tcPr marL="50800" marR="50800" marT="50800" marB="50800" anchor="ctr" anchorCtr="0" horzOverflow="overflow"/>
-                </a:tc>
-                <a:tc>
-                  <a:txBody>
-                    <a:bodyPr/>
-                    <a:lstStyle/>
-                    <a:p>
-                      <a:pPr defTabSz="914400">
-                        <a:defRPr sz="1800"/>
-                      </a:pPr>
-                      <a:r>
-                        <a:rPr sz="3200">
-                          <a:sym typeface="Helvetica Neue"/>
-                        </a:rPr>
-                        <a:t>&gt;&gt;&gt;=</a:t>
-                      </a:r>
-                    </a:p>
-                  </a:txBody>
-                  <a:tcPr marL="50800" marR="50800" marT="50800" marB="50800" anchor="ctr" anchorCtr="0" horzOverflow="overflow"/>
-                </a:tc>
-                <a:tc>
-                  <a:txBody>
-                    <a:bodyPr/>
-                    <a:lstStyle/>
-                    <a:p>
-                      <a:pPr defTabSz="914400">
-                        <a:defRPr sz="1800"/>
-                      </a:pPr>
-                      <a:r>
-                        <a:rPr sz="3200">
-                          <a:sym typeface="Helvetica Neue"/>
-                        </a:rPr>
-                        <a:t>&amp;=</a:t>
-                      </a:r>
-                    </a:p>
-                  </a:txBody>
-                  <a:tcPr marL="50800" marR="50800" marT="50800" marB="50800" anchor="ctr" anchorCtr="0" horzOverflow="overflow"/>
-                </a:tc>
-                <a:tc>
-                  <a:txBody>
-                    <a:bodyPr/>
-                    <a:lstStyle/>
-                    <a:p>
-                      <a:pPr defTabSz="914400">
-                        <a:defRPr sz="1800"/>
-                      </a:pPr>
-                      <a:r>
-                        <a:rPr sz="3200">
-                          <a:sym typeface="Helvetica Neue"/>
-                        </a:rPr>
-                        <a:t>^=</a:t>
-                      </a:r>
-                    </a:p>
-                  </a:txBody>
-                  <a:tcPr marL="50800" marR="50800" marT="50800" marB="50800" anchor="ctr" anchorCtr="0" horzOverflow="overflow"/>
-                </a:tc>
-                <a:tc>
-                  <a:txBody>
-                    <a:bodyPr/>
-                    <a:lstStyle/>
-                    <a:p>
-                      <a:pPr defTabSz="914400">
-                        <a:defRPr sz="1800"/>
-                      </a:pPr>
-                      <a:r>
-                        <a:rPr sz="3200">
-                          <a:sym typeface="Helvetica Neue"/>
-                        </a:rPr>
-                        <a:t>|=</a:t>
-                      </a:r>
-                    </a:p>
-                  </a:txBody>
-                  <a:tcPr marL="50800" marR="50800" marT="50800" marB="50800" anchor="ctr" anchorCtr="0" horzOverflow="overflow"/>
-                </a:tc>
-              </a:tr>
-              <a:tr h="647755">
-                <a:tc>
-                  <a:txBody>
-                    <a:bodyPr/>
-                    <a:lstStyle/>
-                    <a:p>
-                      <a:pPr defTabSz="914400">
-                        <a:defRPr sz="1800"/>
-                      </a:pPr>
-                      <a:r>
-                        <a:rPr sz="3200">
-                          <a:sym typeface="Helvetica Neue"/>
-                        </a:rPr>
-                        <a:t>,</a:t>
-                      </a:r>
-                    </a:p>
-                  </a:txBody>
-                  <a:tcPr marL="50800" marR="50800" marT="50800" marB="50800" anchor="ctr" anchorCtr="0" horzOverflow="overflow"/>
-                </a:tc>
-                <a:tc>
-                  <a:txBody>
-                    <a:bodyPr/>
-                    <a:lstStyle/>
-                    <a:p>
-                      <a:pPr defTabSz="914400">
-                        <a:defRPr sz="3200">
-                          <a:sym typeface="Helvetica Neue"/>
-                        </a:defRPr>
-                      </a:pPr>
-                    </a:p>
-                  </a:txBody>
-                  <a:tcPr marL="50800" marR="50800" marT="50800" marB="50800" anchor="ctr" anchorCtr="0" horzOverflow="overflow"/>
-                </a:tc>
-                <a:tc>
-                  <a:txBody>
-                    <a:bodyPr/>
-                    <a:lstStyle/>
-                    <a:p>
-                      <a:pPr defTabSz="914400">
-                        <a:defRPr sz="3200">
-                          <a:sym typeface="Helvetica Neue"/>
-                        </a:defRPr>
-                      </a:pPr>
-                    </a:p>
-                  </a:txBody>
-                  <a:tcPr marL="50800" marR="50800" marT="50800" marB="50800" anchor="ctr" anchorCtr="0" horzOverflow="overflow"/>
-                </a:tc>
-                <a:tc>
-                  <a:txBody>
-                    <a:bodyPr/>
-                    <a:lstStyle/>
-                    <a:p>
-                      <a:pPr defTabSz="914400">
-                        <a:defRPr sz="3200">
-                          <a:sym typeface="Helvetica Neue"/>
-                        </a:defRPr>
-                      </a:pPr>
-                    </a:p>
-                  </a:txBody>
-                  <a:tcPr marL="50800" marR="50800" marT="50800" marB="50800" anchor="ctr" anchorCtr="0" horzOverflow="overflow"/>
-                </a:tc>
-                <a:tc>
-                  <a:txBody>
-                    <a:bodyPr/>
-                    <a:lstStyle/>
-                    <a:p>
-                      <a:pPr defTabSz="914400">
-                        <a:defRPr sz="3200">
-                          <a:sym typeface="Helvetica Neue"/>
-                        </a:defRPr>
-                      </a:pPr>
-                    </a:p>
-                  </a:txBody>
-                  <a:tcPr marL="50800" marR="50800" marT="50800" marB="50800" anchor="ctr" anchorCtr="0" horzOverflow="overflow"/>
-                </a:tc>
-                <a:tc>
-                  <a:txBody>
-                    <a:bodyPr/>
-                    <a:lstStyle/>
-                    <a:p>
-                      <a:pPr defTabSz="914400">
-                        <a:defRPr sz="3200">
-                          <a:sym typeface="Helvetica Neue"/>
-                        </a:defRPr>
-                      </a:pPr>
-                    </a:p>
-                  </a:txBody>
-                  <a:tcPr marL="50800" marR="50800" marT="50800" marB="50800" anchor="ctr" anchorCtr="0" horzOverflow="overflow"/>
-                </a:tc>
-                <a:tc>
-                  <a:txBody>
-                    <a:bodyPr/>
-                    <a:lstStyle/>
-                    <a:p>
-                      <a:pPr defTabSz="914400">
-                        <a:defRPr sz="3200">
-                          <a:sym typeface="Helvetica Neue"/>
-                        </a:defRPr>
-                      </a:pPr>
-                    </a:p>
-                  </a:txBody>
-                  <a:tcPr marL="50800" marR="50800" marT="50800" marB="50800" anchor="ctr" anchorCtr="0" horzOverflow="overflow"/>
-                </a:tc>
-                <a:tc>
-                  <a:txBody>
-                    <a:bodyPr/>
-                    <a:lstStyle/>
-                    <a:p>
-                      <a:pPr defTabSz="914400">
-                        <a:defRPr sz="3200">
-                          <a:sym typeface="Helvetica Neue"/>
-                        </a:defRPr>
-                      </a:pPr>
-                    </a:p>
-                  </a:txBody>
-                  <a:tcPr marL="50800" marR="50800" marT="50800" marB="50800" anchor="ctr" anchorCtr="0" horzOverflow="overflow"/>
-                </a:tc>
-                <a:tc>
-                  <a:txBody>
-                    <a:bodyPr/>
-                    <a:lstStyle/>
-                    <a:p>
-                      <a:pPr defTabSz="914400">
-                        <a:defRPr sz="3200">
-                          <a:sym typeface="Helvetica Neue"/>
-                        </a:defRPr>
-                      </a:pPr>
-                    </a:p>
-                  </a:txBody>
-                  <a:tcPr marL="50800" marR="50800" marT="50800" marB="50800" anchor="ctr" anchorCtr="0" horzOverflow="overflow"/>
-                </a:tc>
-                <a:tc>
-                  <a:txBody>
-                    <a:bodyPr/>
-                    <a:lstStyle/>
-                    <a:p>
-                      <a:pPr defTabSz="914400">
-                        <a:defRPr sz="3200">
-                          <a:sym typeface="Helvetica Neue"/>
-                        </a:defRPr>
-                      </a:pPr>
-                    </a:p>
-                  </a:txBody>
-                  <a:tcPr marL="50800" marR="50800" marT="50800" marB="50800" anchor="ctr" anchorCtr="0" horzOverflow="overflow"/>
-                </a:tc>
-                <a:tc>
-                  <a:txBody>
-                    <a:bodyPr/>
-                    <a:lstStyle/>
-                    <a:p>
-                      <a:pPr defTabSz="914400">
-                        <a:defRPr sz="3200">
-                          <a:sym typeface="Helvetica Neue"/>
-                        </a:defRPr>
-                      </a:pPr>
-                    </a:p>
-                  </a:txBody>
-                  <a:tcPr marL="50800" marR="50800" marT="50800" marB="50800" anchor="ctr" anchorCtr="0" horzOverflow="overflow"/>
-                </a:tc>
-                <a:tc>
-                  <a:txBody>
-                    <a:bodyPr/>
-                    <a:lstStyle/>
-                    <a:p>
-                      <a:pPr defTabSz="914400">
-                        <a:defRPr sz="3200">
-                          <a:sym typeface="Helvetica Neue"/>
-                        </a:defRPr>
-                      </a:pPr>
-                    </a:p>
-                  </a:txBody>
-                  <a:tcPr marL="50800" marR="50800" marT="50800" marB="50800" anchor="ctr" anchorCtr="0" horzOverflow="overflow"/>
-                </a:tc>
-              </a:tr>
-            </a:tbl>
-          </a:graphicData>
-        </a:graphic>
-      </p:graphicFrame>
     </p:spTree>
   </p:cSld>
   <p:clrMapOvr>
@@ -6460,7 +6481,237 @@
       </p:grpSpPr>
       <p:sp>
         <p:nvSpPr>
-          <p:cNvPr id="154" name="感谢!)"/>
+          <p:cNvPr id="155" name="()运算符"/>
+          <p:cNvSpPr txBox="1"/>
+          <p:nvPr>
+            <p:ph type="title"/>
+          </p:nvPr>
+        </p:nvSpPr>
+        <p:spPr>
+          <a:xfrm>
+            <a:off x="1689100" y="-25400"/>
+            <a:ext cx="21005800" cy="2286000"/>
+          </a:xfrm>
+          <a:prstGeom prst="rect">
+            <a:avLst/>
+          </a:prstGeom>
+        </p:spPr>
+        <p:txBody>
+          <a:bodyPr/>
+          <a:lstStyle>
+            <a:lvl1pPr>
+              <a:defRPr>
+                <a:solidFill>
+                  <a:srgbClr val="FFFFFF"/>
+                </a:solidFill>
+              </a:defRPr>
+            </a:lvl1pPr>
+          </a:lstStyle>
+          <a:p>
+            <a:pPr/>
+            <a:r>
+              <a:t>()运算符</a:t>
+            </a:r>
+          </a:p>
+        </p:txBody>
+      </p:sp>
+      <p:sp>
+        <p:nvSpPr>
+          <p:cNvPr id="156" name="优先级…"/>
+          <p:cNvSpPr txBox="1"/>
+          <p:nvPr>
+            <p:ph type="body" idx="1"/>
+          </p:nvPr>
+        </p:nvSpPr>
+        <p:spPr>
+          <a:xfrm>
+            <a:off x="1689100" y="3098800"/>
+            <a:ext cx="21005800" cy="9296400"/>
+          </a:xfrm>
+          <a:prstGeom prst="rect">
+            <a:avLst/>
+          </a:prstGeom>
+        </p:spPr>
+        <p:txBody>
+          <a:bodyPr/>
+          <a:lstStyle/>
+          <a:p>
+            <a:pPr>
+              <a:defRPr>
+                <a:solidFill>
+                  <a:srgbClr val="FFFFFF"/>
+                </a:solidFill>
+              </a:defRPr>
+            </a:pPr>
+            <a:r>
+              <a:t>优先级</a:t>
+            </a:r>
+          </a:p>
+          <a:p>
+            <a:pPr>
+              <a:defRPr>
+                <a:solidFill>
+                  <a:srgbClr val="FFFFFF"/>
+                </a:solidFill>
+              </a:defRPr>
+            </a:pPr>
+            <a:r>
+              <a:t>函数调用</a:t>
+            </a:r>
+          </a:p>
+        </p:txBody>
+      </p:sp>
+    </p:spTree>
+  </p:cSld>
+  <p:clrMapOvr>
+    <a:masterClrMapping/>
+  </p:clrMapOvr>
+  <p:transition xmlns:p14="http://schemas.microsoft.com/office/powerpoint/2010/main" spd="med" advClick="1"/>
+</p:sld>
+</file>
+
+<file path=ppt/slides/slide13.xml><?xml version="1.0" encoding="utf-8"?>
+<p:sld xmlns:a="http://schemas.openxmlformats.org/drawingml/2006/main" xmlns:r="http://schemas.openxmlformats.org/officeDocument/2006/relationships" xmlns:p="http://schemas.openxmlformats.org/presentationml/2006/main" xmlns:m="http://schemas.openxmlformats.org/officeDocument/2006/math" xmlns:a14="http://schemas.microsoft.com/office/drawing/2010/main" showMasterSp="1" showMasterPhAnim="1">
+  <p:cSld>
+    <p:bg>
+      <p:bgPr>
+        <a:solidFill>
+          <a:srgbClr val="000000"/>
+        </a:solidFill>
+      </p:bgPr>
+    </p:bg>
+    <p:spTree>
+      <p:nvGrpSpPr>
+        <p:cNvPr id="1" name=""/>
+        <p:cNvGrpSpPr/>
+        <p:nvPr/>
+      </p:nvGrpSpPr>
+      <p:grpSpPr>
+        <a:xfrm>
+          <a:off x="0" y="0"/>
+          <a:ext cx="0" cy="0"/>
+          <a:chOff x="0" y="0"/>
+          <a:chExt cx="0" cy="0"/>
+        </a:xfrm>
+      </p:grpSpPr>
+      <p:sp>
+        <p:nvSpPr>
+          <p:cNvPr id="158" name="左结合和右结合"/>
+          <p:cNvSpPr txBox="1"/>
+          <p:nvPr>
+            <p:ph type="title"/>
+          </p:nvPr>
+        </p:nvSpPr>
+        <p:spPr>
+          <a:xfrm>
+            <a:off x="1689100" y="-25400"/>
+            <a:ext cx="21005800" cy="2286000"/>
+          </a:xfrm>
+          <a:prstGeom prst="rect">
+            <a:avLst/>
+          </a:prstGeom>
+        </p:spPr>
+        <p:txBody>
+          <a:bodyPr/>
+          <a:lstStyle>
+            <a:lvl1pPr>
+              <a:defRPr>
+                <a:solidFill>
+                  <a:srgbClr val="FFFFFF"/>
+                </a:solidFill>
+              </a:defRPr>
+            </a:lvl1pPr>
+          </a:lstStyle>
+          <a:p>
+            <a:pPr/>
+            <a:r>
+              <a:t>左结合和右结合</a:t>
+            </a:r>
+          </a:p>
+        </p:txBody>
+      </p:sp>
+      <p:sp>
+        <p:nvSpPr>
+          <p:cNvPr id="159" name="x + y + z…"/>
+          <p:cNvSpPr txBox="1"/>
+          <p:nvPr>
+            <p:ph type="body" idx="1"/>
+          </p:nvPr>
+        </p:nvSpPr>
+        <p:spPr>
+          <a:xfrm>
+            <a:off x="1689100" y="3098800"/>
+            <a:ext cx="21005800" cy="9296400"/>
+          </a:xfrm>
+          <a:prstGeom prst="rect">
+            <a:avLst/>
+          </a:prstGeom>
+        </p:spPr>
+        <p:txBody>
+          <a:bodyPr/>
+          <a:lstStyle/>
+          <a:p>
+            <a:pPr>
+              <a:defRPr>
+                <a:solidFill>
+                  <a:srgbClr val="FFFFFF"/>
+                </a:solidFill>
+              </a:defRPr>
+            </a:pPr>
+            <a:r>
+              <a:t> x + y + z</a:t>
+            </a:r>
+          </a:p>
+          <a:p>
+            <a:pPr>
+              <a:defRPr>
+                <a:solidFill>
+                  <a:srgbClr val="FFFFFF"/>
+                </a:solidFill>
+              </a:defRPr>
+            </a:pPr>
+            <a:r>
+              <a:t> var x = y = z =10</a:t>
+            </a:r>
+          </a:p>
+        </p:txBody>
+      </p:sp>
+    </p:spTree>
+  </p:cSld>
+  <p:clrMapOvr>
+    <a:masterClrMapping/>
+  </p:clrMapOvr>
+  <p:transition xmlns:p14="http://schemas.microsoft.com/office/powerpoint/2010/main" spd="med" advClick="1"/>
+</p:sld>
+</file>
+
+<file path=ppt/slides/slide14.xml><?xml version="1.0" encoding="utf-8"?>
+<p:sld xmlns:a="http://schemas.openxmlformats.org/drawingml/2006/main" xmlns:r="http://schemas.openxmlformats.org/officeDocument/2006/relationships" xmlns:p="http://schemas.openxmlformats.org/presentationml/2006/main" xmlns:m="http://schemas.openxmlformats.org/officeDocument/2006/math" xmlns:a14="http://schemas.microsoft.com/office/drawing/2010/main" showMasterSp="1" showMasterPhAnim="1">
+  <p:cSld>
+    <p:bg>
+      <p:bgPr>
+        <a:solidFill>
+          <a:srgbClr val="000000"/>
+        </a:solidFill>
+      </p:bgPr>
+    </p:bg>
+    <p:spTree>
+      <p:nvGrpSpPr>
+        <p:cNvPr id="1" name=""/>
+        <p:cNvGrpSpPr/>
+        <p:nvPr/>
+      </p:nvGrpSpPr>
+      <p:grpSpPr>
+        <a:xfrm>
+          <a:off x="0" y="0"/>
+          <a:ext cx="0" cy="0"/>
+          <a:chOff x="0" y="0"/>
+          <a:chExt cx="0" cy="0"/>
+        </a:xfrm>
+      </p:grpSpPr>
+      <p:sp>
+        <p:nvSpPr>
+          <p:cNvPr id="161" name="感谢!)"/>
           <p:cNvSpPr txBox="1"/>
           <p:nvPr>
             <p:ph type="title"/>
@@ -6935,8 +7186,8 @@
         </p:nvSpPr>
         <p:spPr>
           <a:xfrm>
-            <a:off x="1689099" y="3245987"/>
-            <a:ext cx="21005801" cy="9296401"/>
+            <a:off x="1689100" y="3245987"/>
+            <a:ext cx="21005800" cy="9296401"/>
           </a:xfrm>
           <a:prstGeom prst="rect">
             <a:avLst/>
@@ -7129,7 +7380,7 @@
               </a:defRPr>
             </a:pPr>
             <a:r>
-              <a:t>字符串连接</a:t>
+              <a:t>字符串连接 +</a:t>
             </a:r>
           </a:p>
           <a:p>
@@ -7238,11 +7489,11 @@
           <a:bodyPr/>
           <a:lstStyle/>
           <a:p>
-            <a:pPr marL="438150" indent="-438150" defTabSz="569594">
+            <a:pPr marL="355600" indent="-355600" defTabSz="462280">
               <a:spcBef>
-                <a:spcPts val="4000"/>
+                <a:spcPts val="3300"/>
               </a:spcBef>
-              <a:defRPr sz="3312">
+              <a:defRPr sz="2688">
                 <a:solidFill>
                   <a:srgbClr val="FFFFFF"/>
                 </a:solidFill>
@@ -7253,11 +7504,11 @@
             </a:r>
           </a:p>
           <a:p>
-            <a:pPr lvl="1" marL="876300" indent="-438150" defTabSz="569594">
+            <a:pPr lvl="1" marL="711200" indent="-355600" defTabSz="462280">
               <a:spcBef>
-                <a:spcPts val="4000"/>
+                <a:spcPts val="3300"/>
               </a:spcBef>
-              <a:defRPr sz="3312">
+              <a:defRPr sz="2688">
                 <a:solidFill>
                   <a:srgbClr val="FFFFFF"/>
                 </a:solidFill>
@@ -7268,11 +7519,11 @@
             </a:r>
           </a:p>
           <a:p>
-            <a:pPr lvl="2" marL="1314450" indent="-438150" defTabSz="569594">
+            <a:pPr lvl="2" marL="1066800" indent="-355600" defTabSz="462280">
               <a:spcBef>
-                <a:spcPts val="4000"/>
+                <a:spcPts val="3300"/>
               </a:spcBef>
-              <a:defRPr sz="3312">
+              <a:defRPr sz="2688">
                 <a:solidFill>
                   <a:srgbClr val="FFFFFF"/>
                 </a:solidFill>
@@ -7283,11 +7534,11 @@
             </a:r>
           </a:p>
           <a:p>
-            <a:pPr lvl="2" marL="1314450" indent="-438150" defTabSz="569594">
+            <a:pPr lvl="2" marL="1066800" indent="-355600" defTabSz="462280">
               <a:spcBef>
-                <a:spcPts val="4000"/>
+                <a:spcPts val="3300"/>
               </a:spcBef>
-              <a:defRPr sz="3312">
+              <a:defRPr sz="2688">
                 <a:solidFill>
                   <a:srgbClr val="FFFFFF"/>
                 </a:solidFill>
@@ -7298,11 +7549,11 @@
             </a:r>
           </a:p>
           <a:p>
-            <a:pPr lvl="2" marL="1314450" indent="-438150" defTabSz="569594">
+            <a:pPr lvl="2" marL="1066800" indent="-355600" defTabSz="462280">
               <a:spcBef>
-                <a:spcPts val="4000"/>
+                <a:spcPts val="3300"/>
               </a:spcBef>
-              <a:defRPr sz="3312">
+              <a:defRPr sz="2688">
                 <a:solidFill>
                   <a:srgbClr val="FFFFFF"/>
                 </a:solidFill>
@@ -7313,11 +7564,11 @@
             </a:r>
           </a:p>
           <a:p>
-            <a:pPr lvl="2" marL="1314450" indent="-438150" defTabSz="569594">
+            <a:pPr lvl="2" marL="1066800" indent="-355600" defTabSz="462280">
               <a:spcBef>
-                <a:spcPts val="4000"/>
+                <a:spcPts val="3300"/>
               </a:spcBef>
-              <a:defRPr sz="3312">
+              <a:defRPr sz="2688">
                 <a:solidFill>
                   <a:srgbClr val="FFFFFF"/>
                 </a:solidFill>
@@ -7328,41 +7579,71 @@
             </a:r>
           </a:p>
           <a:p>
-            <a:pPr lvl="1" marL="876300" indent="-438150" defTabSz="569594">
+            <a:pPr lvl="2" marL="1066800" indent="-355600" defTabSz="462280">
               <a:spcBef>
-                <a:spcPts val="4000"/>
+                <a:spcPts val="3300"/>
               </a:spcBef>
-              <a:defRPr sz="3312">
+              <a:defRPr sz="2688">
                 <a:solidFill>
                   <a:srgbClr val="FFFFFF"/>
                 </a:solidFill>
               </a:defRPr>
             </a:pPr>
             <a:r>
-              <a:t>其它值都是true</a:t>
-            </a:r>
-          </a:p>
-          <a:p>
-            <a:pPr marL="438150" indent="-438150" defTabSz="569594">
+              <a:t>False</a:t>
+            </a:r>
+          </a:p>
+          <a:p>
+            <a:pPr lvl="2" marL="1066800" indent="-355600" defTabSz="462280">
               <a:spcBef>
-                <a:spcPts val="4000"/>
+                <a:spcPts val="3300"/>
               </a:spcBef>
-              <a:defRPr sz="3312">
+              <a:defRPr sz="2688">
                 <a:solidFill>
                   <a:srgbClr val="FFFFFF"/>
                 </a:solidFill>
               </a:defRPr>
             </a:pPr>
             <a:r>
+              <a:t>“”</a:t>
+            </a:r>
+          </a:p>
+          <a:p>
+            <a:pPr lvl="1" marL="711200" indent="-355600" defTabSz="462280">
+              <a:spcBef>
+                <a:spcPts val="3300"/>
+              </a:spcBef>
+              <a:defRPr sz="2688">
+                <a:solidFill>
+                  <a:srgbClr val="FFFFFF"/>
+                </a:solidFill>
+              </a:defRPr>
+            </a:pPr>
+            <a:r>
+              <a:t>其它值都是true</a:t>
+            </a:r>
+          </a:p>
+          <a:p>
+            <a:pPr marL="355600" indent="-355600" defTabSz="462280">
+              <a:spcBef>
+                <a:spcPts val="3300"/>
+              </a:spcBef>
+              <a:defRPr sz="2688">
+                <a:solidFill>
+                  <a:srgbClr val="FFFFFF"/>
+                </a:solidFill>
+              </a:defRPr>
+            </a:pPr>
+            <a:r>
               <a:t>双重否定</a:t>
             </a:r>
           </a:p>
           <a:p>
-            <a:pPr lvl="1" marL="876300" indent="-438150" defTabSz="569594">
+            <a:pPr lvl="1" marL="711200" indent="-355600" defTabSz="462280">
               <a:spcBef>
-                <a:spcPts val="4000"/>
+                <a:spcPts val="3300"/>
               </a:spcBef>
-              <a:defRPr sz="3312">
+              <a:defRPr sz="2688">
                 <a:solidFill>
                   <a:srgbClr val="FFFFFF"/>
                 </a:solidFill>
@@ -7560,7 +7841,7 @@
       </p:grpSpPr>
       <p:sp>
         <p:nvSpPr>
-          <p:cNvPr id="142" name="Object =&gt; 基本数据类型"/>
+          <p:cNvPr id="142" name="Object &lt;=&gt; 基本数据类型"/>
           <p:cNvSpPr txBox="1"/>
           <p:nvPr>
             <p:ph type="title"/>
@@ -7589,7 +7870,7 @@
           <a:p>
             <a:pPr/>
             <a:r>
-              <a:t>Object =&gt; 基本数据类型</a:t>
+              <a:t>Object &lt;=&gt; 基本数据类型</a:t>
             </a:r>
           </a:p>
         </p:txBody>
@@ -7876,42 +8157,64 @@
           <a:chExt cx="0" cy="0"/>
         </a:xfrm>
       </p:grpSpPr>
-      <p:sp>
-        <p:nvSpPr>
-          <p:cNvPr id="145" name="基本数据类型 &lt;=&gt; object"/>
-          <p:cNvSpPr txBox="1"/>
-          <p:nvPr>
-            <p:ph type="title"/>
-          </p:nvPr>
-        </p:nvSpPr>
+      <p:pic>
+        <p:nvPicPr>
+          <p:cNvPr id="145" name="1.png" descr="1.png"/>
+          <p:cNvPicPr>
+            <a:picLocks noChangeAspect="1"/>
+          </p:cNvPicPr>
+          <p:nvPr/>
+        </p:nvPicPr>
+        <p:blipFill>
+          <a:blip r:embed="rId2">
+            <a:extLst/>
+          </a:blip>
+          <a:stretch>
+            <a:fillRect/>
+          </a:stretch>
+        </p:blipFill>
         <p:spPr>
           <a:xfrm>
-            <a:off x="1988290" y="4636980"/>
-            <a:ext cx="21005801" cy="2286001"/>
+            <a:off x="820260" y="1493153"/>
+            <a:ext cx="22743480" cy="2655821"/>
           </a:xfrm>
           <a:prstGeom prst="rect">
             <a:avLst/>
           </a:prstGeom>
+          <a:ln w="12700">
+            <a:miter lim="400000"/>
+          </a:ln>
         </p:spPr>
-        <p:txBody>
-          <a:bodyPr/>
-          <a:lstStyle>
-            <a:lvl1pPr>
-              <a:defRPr>
-                <a:solidFill>
-                  <a:srgbClr val="FFFFFF"/>
-                </a:solidFill>
-              </a:defRPr>
-            </a:lvl1pPr>
-          </a:lstStyle>
-          <a:p>
-            <a:pPr/>
-            <a:r>
-              <a:t>基本数据类型 &lt;=&gt; object</a:t>
-            </a:r>
-          </a:p>
-        </p:txBody>
-      </p:sp>
+      </p:pic>
+      <p:pic>
+        <p:nvPicPr>
+          <p:cNvPr id="146" name="2.png" descr="2.png"/>
+          <p:cNvPicPr>
+            <a:picLocks noChangeAspect="1"/>
+          </p:cNvPicPr>
+          <p:nvPr/>
+        </p:nvPicPr>
+        <p:blipFill>
+          <a:blip r:embed="rId3">
+            <a:extLst/>
+          </a:blip>
+          <a:stretch>
+            <a:fillRect/>
+          </a:stretch>
+        </p:blipFill>
+        <p:spPr>
+          <a:xfrm>
+            <a:off x="861847" y="4936390"/>
+            <a:ext cx="22660306" cy="5266468"/>
+          </a:xfrm>
+          <a:prstGeom prst="rect">
+            <a:avLst/>
+          </a:prstGeom>
+          <a:ln w="12700">
+            <a:miter lim="400000"/>
+          </a:ln>
+        </p:spPr>
+      </p:pic>
     </p:spTree>
   </p:cSld>
   <p:clrMapOvr>
